--- a/docs/Final Presentation_FlightDelay.pptx
+++ b/docs/Final Presentation_FlightDelay.pptx
@@ -4,6 +4,9 @@
   <p:sldMasterIdLst>
     <p:sldMasterId id="2147483924" r:id="rId1"/>
   </p:sldMasterIdLst>
+  <p:notesMasterIdLst>
+    <p:notesMasterId r:id="rId18"/>
+  </p:notesMasterIdLst>
   <p:sldIdLst>
     <p:sldId id="256" r:id="rId2"/>
     <p:sldId id="273" r:id="rId3"/>
@@ -11,14 +14,16 @@
     <p:sldId id="274" r:id="rId5"/>
     <p:sldId id="258" r:id="rId6"/>
     <p:sldId id="271" r:id="rId7"/>
-    <p:sldId id="272" r:id="rId8"/>
-    <p:sldId id="264" r:id="rId9"/>
-    <p:sldId id="268" r:id="rId10"/>
-    <p:sldId id="265" r:id="rId11"/>
-    <p:sldId id="267" r:id="rId12"/>
-    <p:sldId id="262" r:id="rId13"/>
-    <p:sldId id="275" r:id="rId14"/>
-    <p:sldId id="263" r:id="rId15"/>
+    <p:sldId id="276" r:id="rId8"/>
+    <p:sldId id="278" r:id="rId9"/>
+    <p:sldId id="272" r:id="rId10"/>
+    <p:sldId id="264" r:id="rId11"/>
+    <p:sldId id="268" r:id="rId12"/>
+    <p:sldId id="265" r:id="rId13"/>
+    <p:sldId id="267" r:id="rId14"/>
+    <p:sldId id="262" r:id="rId15"/>
+    <p:sldId id="275" r:id="rId16"/>
+    <p:sldId id="263" r:id="rId17"/>
   </p:sldIdLst>
   <p:sldSz cx="12192000" cy="6858000"/>
   <p:notesSz cx="6858000" cy="9144000"/>
@@ -136,6 +141,356 @@
 </p:presentation>
 </file>
 
+<file path=ppt/notesMasters/notesMaster1.xml><?xml version="1.0" encoding="utf-8"?>
+<p:notesMaster xmlns:a="http://schemas.openxmlformats.org/drawingml/2006/main" xmlns:r="http://schemas.openxmlformats.org/officeDocument/2006/relationships" xmlns:p="http://schemas.openxmlformats.org/presentationml/2006/main">
+  <p:cSld>
+    <p:bg>
+      <p:bgRef idx="1001">
+        <a:schemeClr val="bg1"/>
+      </p:bgRef>
+    </p:bg>
+    <p:spTree>
+      <p:nvGrpSpPr>
+        <p:cNvPr id="1" name=""/>
+        <p:cNvGrpSpPr/>
+        <p:nvPr/>
+      </p:nvGrpSpPr>
+      <p:grpSpPr>
+        <a:xfrm>
+          <a:off x="0" y="0"/>
+          <a:ext cx="0" cy="0"/>
+          <a:chOff x="0" y="0"/>
+          <a:chExt cx="0" cy="0"/>
+        </a:xfrm>
+      </p:grpSpPr>
+      <p:sp>
+        <p:nvSpPr>
+          <p:cNvPr id="2" name="Header Placeholder 1"/>
+          <p:cNvSpPr>
+            <a:spLocks noGrp="1"/>
+          </p:cNvSpPr>
+          <p:nvPr>
+            <p:ph type="hdr" sz="quarter"/>
+          </p:nvPr>
+        </p:nvSpPr>
+        <p:spPr>
+          <a:xfrm>
+            <a:off x="0" y="0"/>
+            <a:ext cx="2971800" cy="458788"/>
+          </a:xfrm>
+          <a:prstGeom prst="rect">
+            <a:avLst/>
+          </a:prstGeom>
+        </p:spPr>
+        <p:txBody>
+          <a:bodyPr vert="horz" lIns="91440" tIns="45720" rIns="91440" bIns="45720" rtlCol="0"/>
+          <a:lstStyle>
+            <a:lvl1pPr algn="l">
+              <a:defRPr sz="1200"/>
+            </a:lvl1pPr>
+          </a:lstStyle>
+          <a:p>
+            <a:endParaRPr lang="en-US"/>
+          </a:p>
+        </p:txBody>
+      </p:sp>
+      <p:sp>
+        <p:nvSpPr>
+          <p:cNvPr id="3" name="Date Placeholder 2"/>
+          <p:cNvSpPr>
+            <a:spLocks noGrp="1"/>
+          </p:cNvSpPr>
+          <p:nvPr>
+            <p:ph type="dt" idx="1"/>
+          </p:nvPr>
+        </p:nvSpPr>
+        <p:spPr>
+          <a:xfrm>
+            <a:off x="3884613" y="0"/>
+            <a:ext cx="2971800" cy="458788"/>
+          </a:xfrm>
+          <a:prstGeom prst="rect">
+            <a:avLst/>
+          </a:prstGeom>
+        </p:spPr>
+        <p:txBody>
+          <a:bodyPr vert="horz" lIns="91440" tIns="45720" rIns="91440" bIns="45720" rtlCol="0"/>
+          <a:lstStyle>
+            <a:lvl1pPr algn="r">
+              <a:defRPr sz="1200"/>
+            </a:lvl1pPr>
+          </a:lstStyle>
+          <a:p>
+            <a:fld id="{B55B38A0-98C5-4D41-A79A-1589D012DDFB}" type="datetimeFigureOut">
+              <a:rPr lang="en-US" smtClean="0"/>
+              <a:t>4/21/17</a:t>
+            </a:fld>
+            <a:endParaRPr lang="en-US"/>
+          </a:p>
+        </p:txBody>
+      </p:sp>
+      <p:sp>
+        <p:nvSpPr>
+          <p:cNvPr id="4" name="Slide Image Placeholder 3"/>
+          <p:cNvSpPr>
+            <a:spLocks noGrp="1" noRot="1" noChangeAspect="1"/>
+          </p:cNvSpPr>
+          <p:nvPr>
+            <p:ph type="sldImg" idx="2"/>
+          </p:nvPr>
+        </p:nvSpPr>
+        <p:spPr>
+          <a:xfrm>
+            <a:off x="685800" y="1143000"/>
+            <a:ext cx="5486400" cy="3086100"/>
+          </a:xfrm>
+          <a:prstGeom prst="rect">
+            <a:avLst/>
+          </a:prstGeom>
+          <a:noFill/>
+          <a:ln w="12700">
+            <a:solidFill>
+              <a:prstClr val="black"/>
+            </a:solidFill>
+          </a:ln>
+        </p:spPr>
+        <p:txBody>
+          <a:bodyPr vert="horz" lIns="91440" tIns="45720" rIns="91440" bIns="45720" rtlCol="0" anchor="ctr"/>
+          <a:lstStyle/>
+          <a:p>
+            <a:endParaRPr lang="en-US"/>
+          </a:p>
+        </p:txBody>
+      </p:sp>
+      <p:sp>
+        <p:nvSpPr>
+          <p:cNvPr id="5" name="Notes Placeholder 4"/>
+          <p:cNvSpPr>
+            <a:spLocks noGrp="1"/>
+          </p:cNvSpPr>
+          <p:nvPr>
+            <p:ph type="body" sz="quarter" idx="3"/>
+          </p:nvPr>
+        </p:nvSpPr>
+        <p:spPr>
+          <a:xfrm>
+            <a:off x="685800" y="4400550"/>
+            <a:ext cx="5486400" cy="3600450"/>
+          </a:xfrm>
+          <a:prstGeom prst="rect">
+            <a:avLst/>
+          </a:prstGeom>
+        </p:spPr>
+        <p:txBody>
+          <a:bodyPr vert="horz" lIns="91440" tIns="45720" rIns="91440" bIns="45720" rtlCol="0"/>
+          <a:lstStyle/>
+          <a:p>
+            <a:pPr lvl="0"/>
+            <a:r>
+              <a:rPr lang="en-US" smtClean="0"/>
+              <a:t>Click to edit Master text styles</a:t>
+            </a:r>
+          </a:p>
+          <a:p>
+            <a:pPr lvl="1"/>
+            <a:r>
+              <a:rPr lang="en-US" smtClean="0"/>
+              <a:t>Second level</a:t>
+            </a:r>
+          </a:p>
+          <a:p>
+            <a:pPr lvl="2"/>
+            <a:r>
+              <a:rPr lang="en-US" smtClean="0"/>
+              <a:t>Third level</a:t>
+            </a:r>
+          </a:p>
+          <a:p>
+            <a:pPr lvl="3"/>
+            <a:r>
+              <a:rPr lang="en-US" smtClean="0"/>
+              <a:t>Fourth level</a:t>
+            </a:r>
+          </a:p>
+          <a:p>
+            <a:pPr lvl="4"/>
+            <a:r>
+              <a:rPr lang="en-US" smtClean="0"/>
+              <a:t>Fifth level</a:t>
+            </a:r>
+            <a:endParaRPr lang="en-US"/>
+          </a:p>
+        </p:txBody>
+      </p:sp>
+      <p:sp>
+        <p:nvSpPr>
+          <p:cNvPr id="6" name="Footer Placeholder 5"/>
+          <p:cNvSpPr>
+            <a:spLocks noGrp="1"/>
+          </p:cNvSpPr>
+          <p:nvPr>
+            <p:ph type="ftr" sz="quarter" idx="4"/>
+          </p:nvPr>
+        </p:nvSpPr>
+        <p:spPr>
+          <a:xfrm>
+            <a:off x="0" y="8685213"/>
+            <a:ext cx="2971800" cy="458787"/>
+          </a:xfrm>
+          <a:prstGeom prst="rect">
+            <a:avLst/>
+          </a:prstGeom>
+        </p:spPr>
+        <p:txBody>
+          <a:bodyPr vert="horz" lIns="91440" tIns="45720" rIns="91440" bIns="45720" rtlCol="0" anchor="b"/>
+          <a:lstStyle>
+            <a:lvl1pPr algn="l">
+              <a:defRPr sz="1200"/>
+            </a:lvl1pPr>
+          </a:lstStyle>
+          <a:p>
+            <a:endParaRPr lang="en-US"/>
+          </a:p>
+        </p:txBody>
+      </p:sp>
+      <p:sp>
+        <p:nvSpPr>
+          <p:cNvPr id="7" name="Slide Number Placeholder 6"/>
+          <p:cNvSpPr>
+            <a:spLocks noGrp="1"/>
+          </p:cNvSpPr>
+          <p:nvPr>
+            <p:ph type="sldNum" sz="quarter" idx="5"/>
+          </p:nvPr>
+        </p:nvSpPr>
+        <p:spPr>
+          <a:xfrm>
+            <a:off x="3884613" y="8685213"/>
+            <a:ext cx="2971800" cy="458787"/>
+          </a:xfrm>
+          <a:prstGeom prst="rect">
+            <a:avLst/>
+          </a:prstGeom>
+        </p:spPr>
+        <p:txBody>
+          <a:bodyPr vert="horz" lIns="91440" tIns="45720" rIns="91440" bIns="45720" rtlCol="0" anchor="b"/>
+          <a:lstStyle>
+            <a:lvl1pPr algn="r">
+              <a:defRPr sz="1200"/>
+            </a:lvl1pPr>
+          </a:lstStyle>
+          <a:p>
+            <a:fld id="{42D93067-47C0-E54F-8614-0A3697E584BB}" type="slidenum">
+              <a:rPr lang="en-US" smtClean="0"/>
+              <a:t>‹#›</a:t>
+            </a:fld>
+            <a:endParaRPr lang="en-US"/>
+          </a:p>
+        </p:txBody>
+      </p:sp>
+    </p:spTree>
+    <p:extLst>
+      <p:ext uri="{BB962C8B-B14F-4D97-AF65-F5344CB8AC3E}">
+        <p14:creationId xmlns:p14="http://schemas.microsoft.com/office/powerpoint/2010/main" val="1742341603"/>
+      </p:ext>
+    </p:extLst>
+  </p:cSld>
+  <p:clrMap bg1="lt1" tx1="dk1" bg2="lt2" tx2="dk2" accent1="accent1" accent2="accent2" accent3="accent3" accent4="accent4" accent5="accent5" accent6="accent6" hlink="hlink" folHlink="folHlink"/>
+  <p:notesStyle>
+    <a:lvl1pPr marL="0" algn="l" defTabSz="914400" rtl="0" eaLnBrk="1" latinLnBrk="0" hangingPunct="1">
+      <a:defRPr sz="1200" kern="1200">
+        <a:solidFill>
+          <a:schemeClr val="tx1"/>
+        </a:solidFill>
+        <a:latin typeface="+mn-lt"/>
+        <a:ea typeface="+mn-ea"/>
+        <a:cs typeface="+mn-cs"/>
+      </a:defRPr>
+    </a:lvl1pPr>
+    <a:lvl2pPr marL="457200" algn="l" defTabSz="914400" rtl="0" eaLnBrk="1" latinLnBrk="0" hangingPunct="1">
+      <a:defRPr sz="1200" kern="1200">
+        <a:solidFill>
+          <a:schemeClr val="tx1"/>
+        </a:solidFill>
+        <a:latin typeface="+mn-lt"/>
+        <a:ea typeface="+mn-ea"/>
+        <a:cs typeface="+mn-cs"/>
+      </a:defRPr>
+    </a:lvl2pPr>
+    <a:lvl3pPr marL="914400" algn="l" defTabSz="914400" rtl="0" eaLnBrk="1" latinLnBrk="0" hangingPunct="1">
+      <a:defRPr sz="1200" kern="1200">
+        <a:solidFill>
+          <a:schemeClr val="tx1"/>
+        </a:solidFill>
+        <a:latin typeface="+mn-lt"/>
+        <a:ea typeface="+mn-ea"/>
+        <a:cs typeface="+mn-cs"/>
+      </a:defRPr>
+    </a:lvl3pPr>
+    <a:lvl4pPr marL="1371600" algn="l" defTabSz="914400" rtl="0" eaLnBrk="1" latinLnBrk="0" hangingPunct="1">
+      <a:defRPr sz="1200" kern="1200">
+        <a:solidFill>
+          <a:schemeClr val="tx1"/>
+        </a:solidFill>
+        <a:latin typeface="+mn-lt"/>
+        <a:ea typeface="+mn-ea"/>
+        <a:cs typeface="+mn-cs"/>
+      </a:defRPr>
+    </a:lvl4pPr>
+    <a:lvl5pPr marL="1828800" algn="l" defTabSz="914400" rtl="0" eaLnBrk="1" latinLnBrk="0" hangingPunct="1">
+      <a:defRPr sz="1200" kern="1200">
+        <a:solidFill>
+          <a:schemeClr val="tx1"/>
+        </a:solidFill>
+        <a:latin typeface="+mn-lt"/>
+        <a:ea typeface="+mn-ea"/>
+        <a:cs typeface="+mn-cs"/>
+      </a:defRPr>
+    </a:lvl5pPr>
+    <a:lvl6pPr marL="2286000" algn="l" defTabSz="914400" rtl="0" eaLnBrk="1" latinLnBrk="0" hangingPunct="1">
+      <a:defRPr sz="1200" kern="1200">
+        <a:solidFill>
+          <a:schemeClr val="tx1"/>
+        </a:solidFill>
+        <a:latin typeface="+mn-lt"/>
+        <a:ea typeface="+mn-ea"/>
+        <a:cs typeface="+mn-cs"/>
+      </a:defRPr>
+    </a:lvl6pPr>
+    <a:lvl7pPr marL="2743200" algn="l" defTabSz="914400" rtl="0" eaLnBrk="1" latinLnBrk="0" hangingPunct="1">
+      <a:defRPr sz="1200" kern="1200">
+        <a:solidFill>
+          <a:schemeClr val="tx1"/>
+        </a:solidFill>
+        <a:latin typeface="+mn-lt"/>
+        <a:ea typeface="+mn-ea"/>
+        <a:cs typeface="+mn-cs"/>
+      </a:defRPr>
+    </a:lvl7pPr>
+    <a:lvl8pPr marL="3200400" algn="l" defTabSz="914400" rtl="0" eaLnBrk="1" latinLnBrk="0" hangingPunct="1">
+      <a:defRPr sz="1200" kern="1200">
+        <a:solidFill>
+          <a:schemeClr val="tx1"/>
+        </a:solidFill>
+        <a:latin typeface="+mn-lt"/>
+        <a:ea typeface="+mn-ea"/>
+        <a:cs typeface="+mn-cs"/>
+      </a:defRPr>
+    </a:lvl8pPr>
+    <a:lvl9pPr marL="3657600" algn="l" defTabSz="914400" rtl="0" eaLnBrk="1" latinLnBrk="0" hangingPunct="1">
+      <a:defRPr sz="1200" kern="1200">
+        <a:solidFill>
+          <a:schemeClr val="tx1"/>
+        </a:solidFill>
+        <a:latin typeface="+mn-lt"/>
+        <a:ea typeface="+mn-ea"/>
+        <a:cs typeface="+mn-cs"/>
+      </a:defRPr>
+    </a:lvl9pPr>
+  </p:notesStyle>
+</p:notesMaster>
+</file>
+
 <file path=ppt/slideLayouts/slideLayout1.xml><?xml version="1.0" encoding="utf-8"?>
 <p:sldLayout xmlns:a="http://schemas.openxmlformats.org/drawingml/2006/main" xmlns:r="http://schemas.openxmlformats.org/officeDocument/2006/relationships" xmlns:p="http://schemas.openxmlformats.org/presentationml/2006/main" type="title" preserve="1">
   <p:cSld name="Title Slide">
@@ -332,7 +687,7 @@
           <a:p>
             <a:fld id="{83284890-85D2-4D7B-8EF5-15A9C1DB8F42}" type="datetimeFigureOut">
               <a:rPr lang="en-US" smtClean="0"/>
-              <a:t>4/20/2017</a:t>
+              <a:t>4/21/17</a:t>
             </a:fld>
             <a:endParaRPr lang="en-US"/>
           </a:p>
@@ -554,7 +909,7 @@
           <a:p>
             <a:fld id="{87157CC2-0FC8-4686-B024-99790E0F5162}" type="datetimeFigureOut">
               <a:rPr lang="en-US" smtClean="0"/>
-              <a:t>4/20/2017</a:t>
+              <a:t>4/21/17</a:t>
             </a:fld>
             <a:endParaRPr lang="en-US"/>
           </a:p>
@@ -734,7 +1089,7 @@
           <a:p>
             <a:fld id="{F6764DA5-CD3D-4590-A511-FCD3BC7A793E}" type="datetimeFigureOut">
               <a:rPr lang="en-US" smtClean="0"/>
-              <a:t>4/20/2017</a:t>
+              <a:t>4/21/17</a:t>
             </a:fld>
             <a:endParaRPr lang="en-US"/>
           </a:p>
@@ -904,7 +1259,7 @@
           <a:p>
             <a:fld id="{82F5661D-6934-4B32-B92C-470368BF1EC6}" type="datetimeFigureOut">
               <a:rPr lang="en-US" smtClean="0"/>
-              <a:t>4/20/2017</a:t>
+              <a:t>4/21/17</a:t>
             </a:fld>
             <a:endParaRPr lang="en-US"/>
           </a:p>
@@ -1155,7 +1510,7 @@
           <a:p>
             <a:fld id="{C6F822A4-8DA6-4447-9B1F-C5DB58435268}" type="datetimeFigureOut">
               <a:rPr lang="en-US" smtClean="0"/>
-              <a:t>4/20/2017</a:t>
+              <a:t>4/21/17</a:t>
             </a:fld>
             <a:endParaRPr lang="en-US" dirty="0"/>
           </a:p>
@@ -1479,7 +1834,7 @@
           <a:p>
             <a:fld id="{E548D31E-DCDA-41A7-9C67-C4B11B94D21D}" type="datetimeFigureOut">
               <a:rPr lang="en-US" smtClean="0"/>
-              <a:t>4/20/2017</a:t>
+              <a:t>4/21/17</a:t>
             </a:fld>
             <a:endParaRPr lang="en-US"/>
           </a:p>
@@ -1903,7 +2258,7 @@
           <a:p>
             <a:fld id="{9B3762C0-B258-48F1-ADE6-176B4174CCDD}" type="datetimeFigureOut">
               <a:rPr lang="en-US" smtClean="0"/>
-              <a:t>4/20/2017</a:t>
+              <a:t>4/21/17</a:t>
             </a:fld>
             <a:endParaRPr lang="en-US"/>
           </a:p>
@@ -2021,7 +2376,7 @@
           <a:p>
             <a:fld id="{677919A6-33EB-49BD-A62F-1FA56B9F9712}" type="datetimeFigureOut">
               <a:rPr lang="en-US" smtClean="0"/>
-              <a:t>4/20/2017</a:t>
+              <a:t>4/21/17</a:t>
             </a:fld>
             <a:endParaRPr lang="en-US"/>
           </a:p>
@@ -2116,7 +2471,7 @@
           <a:p>
             <a:fld id="{CA4E7D1B-D673-4CF6-8672-009D42ABD2A0}" type="datetimeFigureOut">
               <a:rPr lang="en-US" smtClean="0"/>
-              <a:t>4/20/2017</a:t>
+              <a:t>4/21/17</a:t>
             </a:fld>
             <a:endParaRPr lang="en-US"/>
           </a:p>
@@ -2406,7 +2761,7 @@
           <a:p>
             <a:fld id="{DA16AA21-1863-4931-97CB-99D0A168701B}" type="datetimeFigureOut">
               <a:rPr lang="en-US" smtClean="0"/>
-              <a:t>4/20/2017</a:t>
+              <a:t>4/21/17</a:t>
             </a:fld>
             <a:endParaRPr lang="en-US"/>
           </a:p>
@@ -2678,7 +3033,7 @@
           <a:p>
             <a:fld id="{3772C379-9A7C-4C87-A116-CBE9F58B04C5}" type="datetimeFigureOut">
               <a:rPr lang="en-US" smtClean="0"/>
-              <a:t>4/20/2017</a:t>
+              <a:t>4/21/17</a:t>
             </a:fld>
             <a:endParaRPr lang="en-US"/>
           </a:p>
@@ -2931,7 +3286,7 @@
           <a:p>
             <a:fld id="{8664C608-40B1-4030-A28D-5B74BC98ADCE}" type="datetimeFigureOut">
               <a:rPr lang="en-US" smtClean="0"/>
-              <a:t>4/20/2017</a:t>
+              <a:t>4/21/17</a:t>
             </a:fld>
             <a:endParaRPr lang="en-US" dirty="0"/>
           </a:p>
@@ -3529,6 +3884,228 @@
             <p:ph type="title"/>
           </p:nvPr>
         </p:nvSpPr>
+        <p:spPr>
+          <a:xfrm>
+            <a:off x="393192" y="484632"/>
+            <a:ext cx="10735056" cy="1609344"/>
+          </a:xfrm>
+        </p:spPr>
+        <p:txBody>
+          <a:bodyPr/>
+          <a:lstStyle/>
+          <a:p>
+            <a:r>
+              <a:rPr lang="en-US" dirty="0" smtClean="0"/>
+              <a:t>Load &amp; Clean Data</a:t>
+            </a:r>
+            <a:endParaRPr lang="en-US" dirty="0"/>
+          </a:p>
+        </p:txBody>
+      </p:sp>
+      <p:sp>
+        <p:nvSpPr>
+          <p:cNvPr id="5" name="Content Placeholder 4"/>
+          <p:cNvSpPr>
+            <a:spLocks noGrp="1"/>
+          </p:cNvSpPr>
+          <p:nvPr>
+            <p:ph idx="1"/>
+          </p:nvPr>
+        </p:nvSpPr>
+        <p:spPr/>
+        <p:txBody>
+          <a:bodyPr/>
+          <a:lstStyle/>
+          <a:p>
+            <a:r>
+              <a:rPr lang="en-US" b="1" dirty="0" smtClean="0">
+                <a:solidFill>
+                  <a:srgbClr val="FF0000"/>
+                </a:solidFill>
+              </a:rPr>
+              <a:t>Need to add how we have cleaned and loaded data to Neural net.</a:t>
+            </a:r>
+            <a:endParaRPr lang="en-US" b="1" dirty="0">
+              <a:solidFill>
+                <a:srgbClr val="FF0000"/>
+              </a:solidFill>
+            </a:endParaRPr>
+          </a:p>
+        </p:txBody>
+      </p:sp>
+    </p:spTree>
+    <p:extLst>
+      <p:ext uri="{BB962C8B-B14F-4D97-AF65-F5344CB8AC3E}">
+        <p14:creationId xmlns:p14="http://schemas.microsoft.com/office/powerpoint/2010/main" val="3261427848"/>
+      </p:ext>
+    </p:extLst>
+  </p:cSld>
+  <p:clrMapOvr>
+    <a:masterClrMapping/>
+  </p:clrMapOvr>
+  <p:timing>
+    <p:tnLst>
+      <p:par>
+        <p:cTn id="1" dur="indefinite" restart="never" nodeType="tmRoot"/>
+      </p:par>
+    </p:tnLst>
+  </p:timing>
+</p:sld>
+</file>
+
+<file path=ppt/slides/slide11.xml><?xml version="1.0" encoding="utf-8"?>
+<p:sld xmlns:a="http://schemas.openxmlformats.org/drawingml/2006/main" xmlns:r="http://schemas.openxmlformats.org/officeDocument/2006/relationships" xmlns:p="http://schemas.openxmlformats.org/presentationml/2006/main">
+  <p:cSld>
+    <p:spTree>
+      <p:nvGrpSpPr>
+        <p:cNvPr id="1" name=""/>
+        <p:cNvGrpSpPr/>
+        <p:nvPr/>
+      </p:nvGrpSpPr>
+      <p:grpSpPr>
+        <a:xfrm>
+          <a:off x="0" y="0"/>
+          <a:ext cx="0" cy="0"/>
+          <a:chOff x="0" y="0"/>
+          <a:chExt cx="0" cy="0"/>
+        </a:xfrm>
+      </p:grpSpPr>
+      <p:sp>
+        <p:nvSpPr>
+          <p:cNvPr id="2" name="Title 1"/>
+          <p:cNvSpPr>
+            <a:spLocks noGrp="1"/>
+          </p:cNvSpPr>
+          <p:nvPr>
+            <p:ph type="title"/>
+          </p:nvPr>
+        </p:nvSpPr>
+        <p:spPr>
+          <a:xfrm>
+            <a:off x="482994" y="457338"/>
+            <a:ext cx="10058400" cy="1609344"/>
+          </a:xfrm>
+        </p:spPr>
+        <p:txBody>
+          <a:bodyPr/>
+          <a:lstStyle/>
+          <a:p>
+            <a:r>
+              <a:rPr lang="en-US" dirty="0" smtClean="0"/>
+              <a:t>Principle Component Analysis</a:t>
+            </a:r>
+            <a:endParaRPr lang="en-US" dirty="0"/>
+          </a:p>
+        </p:txBody>
+      </p:sp>
+      <p:sp>
+        <p:nvSpPr>
+          <p:cNvPr id="3" name="Content Placeholder 2"/>
+          <p:cNvSpPr>
+            <a:spLocks noGrp="1"/>
+          </p:cNvSpPr>
+          <p:nvPr>
+            <p:ph idx="1"/>
+          </p:nvPr>
+        </p:nvSpPr>
+        <p:spPr>
+          <a:xfrm>
+            <a:off x="996695" y="2624260"/>
+            <a:ext cx="9170561" cy="2753283"/>
+          </a:xfrm>
+        </p:spPr>
+        <p:txBody>
+          <a:bodyPr>
+            <a:normAutofit/>
+          </a:bodyPr>
+          <a:lstStyle/>
+          <a:p>
+            <a:pPr marL="45720" indent="0">
+              <a:buNone/>
+            </a:pPr>
+            <a:r>
+              <a:rPr lang="en-US" b="1" dirty="0" smtClean="0">
+                <a:solidFill>
+                  <a:srgbClr val="FF0000"/>
+                </a:solidFill>
+              </a:rPr>
+              <a:t>Have we done PCA in our model???????? Add details if yes else this slide can be  deleted</a:t>
+            </a:r>
+          </a:p>
+          <a:p>
+            <a:r>
+              <a:rPr lang="en-US" dirty="0" smtClean="0"/>
+              <a:t>PCA is used for Dimensionality Reduction.</a:t>
+            </a:r>
+            <a:endParaRPr lang="en-US" dirty="0" smtClean="0">
+              <a:solidFill>
+                <a:srgbClr val="FF0000"/>
+              </a:solidFill>
+            </a:endParaRPr>
+          </a:p>
+          <a:p>
+            <a:r>
+              <a:rPr lang="en-US" dirty="0" smtClean="0"/>
+              <a:t> </a:t>
+            </a:r>
+            <a:r>
+              <a:rPr lang="en-US" dirty="0" err="1" smtClean="0"/>
+              <a:t>Logloss</a:t>
+            </a:r>
+            <a:r>
+              <a:rPr lang="en-US" dirty="0" smtClean="0"/>
+              <a:t> curve as a measure of no. of principal components.</a:t>
+            </a:r>
+          </a:p>
+        </p:txBody>
+      </p:sp>
+    </p:spTree>
+    <p:extLst>
+      <p:ext uri="{BB962C8B-B14F-4D97-AF65-F5344CB8AC3E}">
+        <p14:creationId xmlns:p14="http://schemas.microsoft.com/office/powerpoint/2010/main" val="1092102366"/>
+      </p:ext>
+    </p:extLst>
+  </p:cSld>
+  <p:clrMapOvr>
+    <a:masterClrMapping/>
+  </p:clrMapOvr>
+  <p:timing>
+    <p:tnLst>
+      <p:par>
+        <p:cTn id="1" dur="indefinite" restart="never" nodeType="tmRoot"/>
+      </p:par>
+    </p:tnLst>
+  </p:timing>
+</p:sld>
+</file>
+
+<file path=ppt/slides/slide12.xml><?xml version="1.0" encoding="utf-8"?>
+<p:sld xmlns:a="http://schemas.openxmlformats.org/drawingml/2006/main" xmlns:r="http://schemas.openxmlformats.org/officeDocument/2006/relationships" xmlns:p="http://schemas.openxmlformats.org/presentationml/2006/main">
+  <p:cSld>
+    <p:spTree>
+      <p:nvGrpSpPr>
+        <p:cNvPr id="1" name=""/>
+        <p:cNvGrpSpPr/>
+        <p:nvPr/>
+      </p:nvGrpSpPr>
+      <p:grpSpPr>
+        <a:xfrm>
+          <a:off x="0" y="0"/>
+          <a:ext cx="0" cy="0"/>
+          <a:chOff x="0" y="0"/>
+          <a:chExt cx="0" cy="0"/>
+        </a:xfrm>
+      </p:grpSpPr>
+      <p:sp>
+        <p:nvSpPr>
+          <p:cNvPr id="2" name="Title 1"/>
+          <p:cNvSpPr>
+            <a:spLocks noGrp="1"/>
+          </p:cNvSpPr>
+          <p:nvPr>
+            <p:ph type="title"/>
+          </p:nvPr>
+        </p:nvSpPr>
         <p:spPr/>
         <p:txBody>
           <a:bodyPr/>
@@ -3622,7 +4199,7 @@
 </p:sld>
 </file>
 
-<file path=ppt/slides/slide11.xml><?xml version="1.0" encoding="utf-8"?>
+<file path=ppt/slides/slide13.xml><?xml version="1.0" encoding="utf-8"?>
 <p:sld xmlns:a="http://schemas.openxmlformats.org/drawingml/2006/main" xmlns:r="http://schemas.openxmlformats.org/officeDocument/2006/relationships" xmlns:p="http://schemas.openxmlformats.org/presentationml/2006/main">
   <p:cSld>
     <p:spTree>
@@ -3718,7 +4295,7 @@
 </p:sld>
 </file>
 
-<file path=ppt/slides/slide12.xml><?xml version="1.0" encoding="utf-8"?>
+<file path=ppt/slides/slide14.xml><?xml version="1.0" encoding="utf-8"?>
 <p:sld xmlns:a="http://schemas.openxmlformats.org/drawingml/2006/main" xmlns:r="http://schemas.openxmlformats.org/officeDocument/2006/relationships" xmlns:p="http://schemas.openxmlformats.org/presentationml/2006/main">
   <p:cSld>
     <p:spTree>
@@ -3867,7 +4444,6 @@
               <a:rPr lang="en-US" sz="2400" dirty="0"/>
               <a:t>% chance of  delay begin over X minutes</a:t>
             </a:r>
-            <a:endParaRPr lang="en-US" sz="2400" dirty="0"/>
           </a:p>
         </p:txBody>
       </p:sp>
@@ -3891,7 +4467,7 @@
 </p:sld>
 </file>
 
-<file path=ppt/slides/slide13.xml><?xml version="1.0" encoding="utf-8"?>
+<file path=ppt/slides/slide15.xml><?xml version="1.0" encoding="utf-8"?>
 <p:sld xmlns:a="http://schemas.openxmlformats.org/drawingml/2006/main" xmlns:r="http://schemas.openxmlformats.org/officeDocument/2006/relationships" xmlns:p="http://schemas.openxmlformats.org/presentationml/2006/main">
   <p:cSld>
     <p:spTree>
@@ -3963,7 +4539,7 @@
 </p:sld>
 </file>
 
-<file path=ppt/slides/slide14.xml><?xml version="1.0" encoding="utf-8"?>
+<file path=ppt/slides/slide16.xml><?xml version="1.0" encoding="utf-8"?>
 <p:sld xmlns:a="http://schemas.openxmlformats.org/drawingml/2006/main" xmlns:r="http://schemas.openxmlformats.org/officeDocument/2006/relationships" xmlns:p="http://schemas.openxmlformats.org/presentationml/2006/main">
   <p:cSld>
     <p:spTree>
@@ -4085,7 +4661,11 @@
           <a:p>
             <a:r>
               <a:rPr lang="en-US" dirty="0"/>
-              <a:t>User will input flight information and will receive % chance of delayed and % chance of cancellation </a:t>
+              <a:t>User will input flight information and will receive </a:t>
+            </a:r>
+            <a:r>
+              <a:rPr lang="en-US" dirty="0" smtClean="0"/>
+              <a:t>weather or not their flight will be delayed by more than 5 minutes. </a:t>
             </a:r>
             <a:endParaRPr lang="en-US" dirty="0" smtClean="0"/>
           </a:p>
@@ -4192,7 +4772,11 @@
             <a:pPr marL="342900" indent="-342900"/>
             <a:r>
               <a:rPr lang="en-US" dirty="0" smtClean="0"/>
-              <a:t>To create a model that predicts flight arrival delays</a:t>
+              <a:t>To create a model that predicts flight </a:t>
+            </a:r>
+            <a:r>
+              <a:rPr lang="en-US" dirty="0" smtClean="0"/>
+              <a:t>delay ties</a:t>
             </a:r>
             <a:endParaRPr lang="en-US" dirty="0"/>
           </a:p>
@@ -4540,64 +5124,122 @@
               <a:t>to the model</a:t>
             </a:r>
             <a:r>
+              <a:rPr lang="en-US" dirty="0" smtClean="0"/>
+              <a:t>: </a:t>
+            </a:r>
+            <a:r>
+              <a:rPr lang="en-US" dirty="0"/>
+              <a:t>Day of Week, Origin, </a:t>
+            </a:r>
+            <a:r>
+              <a:rPr lang="en-US" dirty="0" err="1" smtClean="0"/>
+              <a:t>Dest,</a:t>
+            </a:r>
+            <a:r>
+              <a:rPr lang="en-US" i="1" dirty="0" err="1" smtClean="0"/>
+              <a:t>Holidays</a:t>
+            </a:r>
+            <a:r>
+              <a:rPr lang="en-US" i="1" dirty="0" smtClean="0"/>
+              <a:t>, </a:t>
+            </a:r>
+            <a:r>
+              <a:rPr lang="en-US" i="1" dirty="0"/>
+              <a:t>Snow Origin </a:t>
+            </a:r>
+            <a:r>
+              <a:rPr lang="en-US" i="1" dirty="0" smtClean="0"/>
+              <a:t>(</a:t>
+            </a:r>
+            <a:r>
+              <a:rPr lang="en-US" i="1" dirty="0" smtClean="0"/>
+              <a:t>mm</a:t>
+            </a:r>
+            <a:r>
+              <a:rPr lang="en-US" i="1" dirty="0" smtClean="0"/>
+              <a:t>), </a:t>
+            </a:r>
+            <a:r>
+              <a:rPr lang="en-US" i="1" dirty="0"/>
+              <a:t>Snow </a:t>
+            </a:r>
+            <a:r>
+              <a:rPr lang="en-US" i="1" dirty="0" err="1"/>
+              <a:t>Dest</a:t>
+            </a:r>
+            <a:r>
+              <a:rPr lang="en-US" i="1" dirty="0"/>
+              <a:t> </a:t>
+            </a:r>
+            <a:r>
+              <a:rPr lang="en-US" i="1" dirty="0" smtClean="0"/>
+              <a:t>(</a:t>
+            </a:r>
+            <a:r>
+              <a:rPr lang="en-US" i="1" dirty="0" smtClean="0"/>
+              <a:t>mm</a:t>
+            </a:r>
+            <a:r>
+              <a:rPr lang="en-US" i="1" dirty="0" smtClean="0"/>
+              <a:t>), </a:t>
+            </a:r>
+            <a:r>
+              <a:rPr lang="en-US" i="1" dirty="0"/>
+              <a:t>Rain Origin </a:t>
+            </a:r>
+            <a:r>
+              <a:rPr lang="en-US" i="1" dirty="0" smtClean="0"/>
+              <a:t>(tenths </a:t>
+            </a:r>
+            <a:r>
+              <a:rPr lang="en-US" i="1" dirty="0"/>
+              <a:t>of mm), </a:t>
+            </a:r>
+            <a:r>
+              <a:rPr lang="en-US" i="1" dirty="0"/>
+              <a:t>Rain </a:t>
+            </a:r>
+            <a:r>
+              <a:rPr lang="en-US" i="1" dirty="0" err="1"/>
+              <a:t>Dest</a:t>
+            </a:r>
+            <a:r>
+              <a:rPr lang="en-US" i="1" dirty="0"/>
+              <a:t> </a:t>
+            </a:r>
+            <a:r>
+              <a:rPr lang="en-US" i="1" dirty="0" smtClean="0"/>
+              <a:t>(tenths </a:t>
+            </a:r>
+            <a:r>
+              <a:rPr lang="en-US" i="1" dirty="0"/>
+              <a:t>of mm)</a:t>
+            </a:r>
+            <a:endParaRPr lang="en-US" i="1" dirty="0"/>
+          </a:p>
+          <a:p>
+            <a:pPr lvl="1"/>
+            <a:r>
+              <a:rPr lang="en-US" dirty="0"/>
+              <a:t>Output of </a:t>
+            </a:r>
+            <a:r>
+              <a:rPr lang="en-US" dirty="0" smtClean="0"/>
+              <a:t>the model</a:t>
+            </a:r>
+            <a:r>
               <a:rPr lang="en-US" dirty="0"/>
               <a:t>: </a:t>
             </a:r>
             <a:r>
               <a:rPr lang="en-US" dirty="0" smtClean="0"/>
-              <a:t>Date, </a:t>
-            </a:r>
-            <a:r>
-              <a:rPr lang="en-US" dirty="0"/>
-              <a:t>Time, Day of Week, Origin, </a:t>
-            </a:r>
-            <a:r>
-              <a:rPr lang="en-US" dirty="0" err="1"/>
-              <a:t>Dest</a:t>
-            </a:r>
-            <a:r>
-              <a:rPr lang="en-US" dirty="0"/>
-              <a:t>, Distance, </a:t>
-            </a:r>
-            <a:r>
-              <a:rPr lang="en-US" i="1" dirty="0" smtClean="0"/>
-              <a:t>Holidays , </a:t>
-            </a:r>
-            <a:r>
-              <a:rPr lang="en-US" i="1" dirty="0"/>
-              <a:t>Snow Origin (in), Snow </a:t>
-            </a:r>
-            <a:r>
-              <a:rPr lang="en-US" i="1" dirty="0" err="1"/>
-              <a:t>Dest</a:t>
-            </a:r>
-            <a:r>
-              <a:rPr lang="en-US" i="1" dirty="0"/>
-              <a:t> (in), Rain Origin (in), Rain </a:t>
-            </a:r>
-            <a:r>
-              <a:rPr lang="en-US" i="1" dirty="0" err="1"/>
-              <a:t>Dest</a:t>
-            </a:r>
-            <a:r>
-              <a:rPr lang="en-US" i="1" dirty="0"/>
-              <a:t> (in)</a:t>
-            </a:r>
-          </a:p>
-          <a:p>
-            <a:pPr lvl="1"/>
-            <a:r>
-              <a:rPr lang="en-US" dirty="0"/>
-              <a:t>Output of </a:t>
-            </a:r>
-            <a:r>
-              <a:rPr lang="en-US" dirty="0" smtClean="0"/>
-              <a:t>the model</a:t>
-            </a:r>
-            <a:r>
-              <a:rPr lang="en-US" dirty="0"/>
-              <a:t>: % chance of  cancellation, % chance of  delay begin over X minutes</a:t>
-            </a:r>
+              <a:t>weather or your flight will be delayed by more than 5 </a:t>
+            </a:r>
+            <a:r>
+              <a:rPr lang="en-US" dirty="0" err="1" smtClean="0"/>
+              <a:t>mintues</a:t>
+            </a:r>
+            <a:endParaRPr lang="en-US" dirty="0"/>
           </a:p>
           <a:p>
             <a:r>
@@ -4669,12 +5311,11 @@
           <a:p>
             <a:r>
               <a:rPr lang="en-US" dirty="0" smtClean="0"/>
-              <a:t>Preparing </a:t>
-            </a:r>
-            <a:r>
+              <a:t>Story of the Data</a:t>
+            </a:r>
+            <a:br>
               <a:rPr lang="en-US" dirty="0" smtClean="0"/>
-              <a:t>The Data</a:t>
-            </a:r>
+            </a:br>
             <a:endParaRPr lang="en-US" dirty="0"/>
           </a:p>
         </p:txBody>
@@ -4691,7 +5332,7 @@
         </p:nvSpPr>
         <p:spPr>
           <a:xfrm>
-            <a:off x="411480" y="2121408"/>
+            <a:off x="411480" y="1553792"/>
             <a:ext cx="4498848" cy="4050792"/>
           </a:xfrm>
         </p:spPr>
@@ -4701,35 +5342,58 @@
           </a:bodyPr>
           <a:lstStyle/>
           <a:p>
+            <a:pPr marL="502920" indent="-457200">
+              <a:buFont typeface="+mj-lt"/>
+              <a:buAutoNum type="arabicPeriod"/>
+            </a:pPr>
             <a:r>
               <a:rPr lang="en-US" sz="2400" dirty="0" smtClean="0"/>
-              <a:t>34</a:t>
+              <a:t>Raw data has </a:t>
             </a:r>
             <a:r>
               <a:rPr lang="en-US" sz="2400" dirty="0" smtClean="0"/>
-              <a:t> </a:t>
+              <a:t>34 </a:t>
             </a:r>
             <a:r>
               <a:rPr lang="en-US" sz="2400" dirty="0" smtClean="0"/>
-              <a:t>independent </a:t>
-            </a:r>
-            <a:r>
-              <a:rPr lang="en-US" sz="2400" dirty="0" smtClean="0"/>
-              <a:t>variables</a:t>
-            </a:r>
-            <a:endParaRPr lang="en-US" sz="2400" dirty="0" smtClean="0"/>
-          </a:p>
-          <a:p>
+              <a:t>independent variables</a:t>
+            </a:r>
+          </a:p>
+          <a:p>
+            <a:pPr marL="502920" indent="-457200">
+              <a:buFont typeface="+mj-lt"/>
+              <a:buAutoNum type="arabicPeriod"/>
+            </a:pPr>
             <a:r>
               <a:rPr lang="en-US" sz="2400" dirty="0" smtClean="0"/>
               <a:t>Fetched weather data from API added to CSV file</a:t>
             </a:r>
           </a:p>
           <a:p>
+            <a:pPr marL="502920" indent="-457200">
+              <a:buFont typeface="+mj-lt"/>
+              <a:buAutoNum type="arabicPeriod"/>
+            </a:pPr>
             <a:r>
               <a:rPr lang="en-US" sz="2400" dirty="0" smtClean="0"/>
-              <a:t>Computed Holiday parameter and added to CSV file.</a:t>
-            </a:r>
+              <a:t>Computed Holiday parameter and added to CSV file</a:t>
+            </a:r>
+            <a:r>
+              <a:rPr lang="en-US" sz="2400" dirty="0" smtClean="0"/>
+              <a:t>.</a:t>
+            </a:r>
+          </a:p>
+          <a:p>
+            <a:pPr marL="502920" indent="-457200">
+              <a:buFont typeface="+mj-lt"/>
+              <a:buAutoNum type="arabicPeriod"/>
+            </a:pPr>
+            <a:r>
+              <a:rPr lang="en-US" sz="2400" dirty="0" smtClean="0"/>
+              <a:t>Format data for machine learning </a:t>
+            </a:r>
+          </a:p>
+          <a:p>
             <a:endParaRPr lang="en-US" sz="2400" dirty="0" smtClean="0"/>
           </a:p>
         </p:txBody>
@@ -4813,6 +5477,337 @@
         </p:nvSpPr>
         <p:spPr>
           <a:xfrm>
+            <a:off x="411480" y="484632"/>
+            <a:ext cx="10716768" cy="1609344"/>
+          </a:xfrm>
+        </p:spPr>
+        <p:txBody>
+          <a:bodyPr/>
+          <a:lstStyle/>
+          <a:p>
+            <a:r>
+              <a:rPr lang="en-US" dirty="0" smtClean="0"/>
+              <a:t>Story of the Data: Raw Data</a:t>
+            </a:r>
+            <a:br>
+              <a:rPr lang="en-US" dirty="0" smtClean="0"/>
+            </a:br>
+            <a:endParaRPr lang="en-US" dirty="0"/>
+          </a:p>
+        </p:txBody>
+      </p:sp>
+      <p:sp>
+        <p:nvSpPr>
+          <p:cNvPr id="5" name="Content Placeholder 4"/>
+          <p:cNvSpPr>
+            <a:spLocks noGrp="1"/>
+          </p:cNvSpPr>
+          <p:nvPr>
+            <p:ph idx="1"/>
+          </p:nvPr>
+        </p:nvSpPr>
+        <p:spPr>
+          <a:xfrm>
+            <a:off x="411480" y="1553792"/>
+            <a:ext cx="4498848" cy="4050792"/>
+          </a:xfrm>
+        </p:spPr>
+        <p:txBody>
+          <a:bodyPr>
+            <a:normAutofit/>
+          </a:bodyPr>
+          <a:lstStyle/>
+          <a:p>
+            <a:pPr marL="502920" indent="-457200">
+              <a:buFont typeface="+mj-lt"/>
+              <a:buAutoNum type="arabicPeriod"/>
+            </a:pPr>
+            <a:r>
+              <a:rPr lang="en-US" sz="2400" dirty="0" smtClean="0"/>
+              <a:t>Raw data has </a:t>
+            </a:r>
+            <a:r>
+              <a:rPr lang="en-US" sz="2400" dirty="0" smtClean="0"/>
+              <a:t>34 </a:t>
+            </a:r>
+            <a:r>
+              <a:rPr lang="en-US" sz="2400" dirty="0" smtClean="0"/>
+              <a:t>independent variables</a:t>
+            </a:r>
+          </a:p>
+          <a:p>
+            <a:pPr lvl="1"/>
+            <a:r>
+              <a:rPr lang="en-US" dirty="0" smtClean="0"/>
+              <a:t>Kept: Day of week, Origin, Destination </a:t>
+            </a:r>
+          </a:p>
+          <a:p>
+            <a:pPr lvl="1"/>
+            <a:r>
+              <a:rPr lang="en-US" dirty="0" smtClean="0"/>
+              <a:t>Origin and Destination are represented as airport codes and this need to be changed to one’s hot encoding.</a:t>
+            </a:r>
+            <a:endParaRPr lang="en-US" dirty="0" smtClean="0"/>
+          </a:p>
+        </p:txBody>
+      </p:sp>
+      <p:pic>
+        <p:nvPicPr>
+          <p:cNvPr id="3" name="Picture 2"/>
+          <p:cNvPicPr>
+            <a:picLocks noChangeAspect="1"/>
+          </p:cNvPicPr>
+          <p:nvPr/>
+        </p:nvPicPr>
+        <p:blipFill>
+          <a:blip r:embed="rId2">
+            <a:extLst>
+              <a:ext uri="{28A0092B-C50C-407E-A947-70E740481C1C}">
+                <a14:useLocalDpi xmlns:a14="http://schemas.microsoft.com/office/drawing/2010/main" val="0"/>
+              </a:ext>
+            </a:extLst>
+          </a:blip>
+          <a:stretch>
+            <a:fillRect/>
+          </a:stretch>
+        </p:blipFill>
+        <p:spPr>
+          <a:xfrm>
+            <a:off x="4910328" y="1553792"/>
+            <a:ext cx="6665396" cy="3845522"/>
+          </a:xfrm>
+          <a:prstGeom prst="rect">
+            <a:avLst/>
+          </a:prstGeom>
+        </p:spPr>
+      </p:pic>
+    </p:spTree>
+    <p:extLst>
+      <p:ext uri="{BB962C8B-B14F-4D97-AF65-F5344CB8AC3E}">
+        <p14:creationId xmlns:p14="http://schemas.microsoft.com/office/powerpoint/2010/main" val="448311129"/>
+      </p:ext>
+    </p:extLst>
+  </p:cSld>
+  <p:clrMapOvr>
+    <a:masterClrMapping/>
+  </p:clrMapOvr>
+  <p:timing>
+    <p:tnLst>
+      <p:par>
+        <p:cTn id="1" dur="indefinite" restart="never" nodeType="tmRoot"/>
+      </p:par>
+    </p:tnLst>
+  </p:timing>
+</p:sld>
+</file>
+
+<file path=ppt/slides/slide8.xml><?xml version="1.0" encoding="utf-8"?>
+<p:sld xmlns:a="http://schemas.openxmlformats.org/drawingml/2006/main" xmlns:r="http://schemas.openxmlformats.org/officeDocument/2006/relationships" xmlns:p="http://schemas.openxmlformats.org/presentationml/2006/main">
+  <p:cSld>
+    <p:spTree>
+      <p:nvGrpSpPr>
+        <p:cNvPr id="1" name=""/>
+        <p:cNvGrpSpPr/>
+        <p:nvPr/>
+      </p:nvGrpSpPr>
+      <p:grpSpPr>
+        <a:xfrm>
+          <a:off x="0" y="0"/>
+          <a:ext cx="0" cy="0"/>
+          <a:chOff x="0" y="0"/>
+          <a:chExt cx="0" cy="0"/>
+        </a:xfrm>
+      </p:grpSpPr>
+      <p:sp>
+        <p:nvSpPr>
+          <p:cNvPr id="2" name="Title 1"/>
+          <p:cNvSpPr>
+            <a:spLocks noGrp="1"/>
+          </p:cNvSpPr>
+          <p:nvPr>
+            <p:ph type="title"/>
+          </p:nvPr>
+        </p:nvSpPr>
+        <p:spPr>
+          <a:xfrm>
+            <a:off x="411480" y="484632"/>
+            <a:ext cx="10716768" cy="1609344"/>
+          </a:xfrm>
+        </p:spPr>
+        <p:txBody>
+          <a:bodyPr/>
+          <a:lstStyle/>
+          <a:p>
+            <a:r>
+              <a:rPr lang="en-US" dirty="0" smtClean="0"/>
+              <a:t>Story of the Data: Weather</a:t>
+            </a:r>
+            <a:br>
+              <a:rPr lang="en-US" dirty="0" smtClean="0"/>
+            </a:br>
+            <a:endParaRPr lang="en-US" dirty="0"/>
+          </a:p>
+        </p:txBody>
+      </p:sp>
+      <p:sp>
+        <p:nvSpPr>
+          <p:cNvPr id="5" name="Content Placeholder 4"/>
+          <p:cNvSpPr>
+            <a:spLocks noGrp="1"/>
+          </p:cNvSpPr>
+          <p:nvPr>
+            <p:ph idx="1"/>
+          </p:nvPr>
+        </p:nvSpPr>
+        <p:spPr>
+          <a:xfrm>
+            <a:off x="411480" y="1553792"/>
+            <a:ext cx="4498848" cy="4050792"/>
+          </a:xfrm>
+        </p:spPr>
+        <p:txBody>
+          <a:bodyPr>
+            <a:normAutofit/>
+          </a:bodyPr>
+          <a:lstStyle/>
+          <a:p>
+            <a:pPr marL="502920" indent="-457200">
+              <a:buFont typeface="+mj-lt"/>
+              <a:buAutoNum type="arabicPeriod"/>
+            </a:pPr>
+            <a:r>
+              <a:rPr lang="en-US" sz="2400" dirty="0" smtClean="0"/>
+              <a:t>Fetched </a:t>
+            </a:r>
+            <a:r>
+              <a:rPr lang="en-US" sz="2400" dirty="0" smtClean="0"/>
+              <a:t>weather data from API added to CSV </a:t>
+            </a:r>
+            <a:r>
+              <a:rPr lang="en-US" sz="2400" dirty="0" smtClean="0"/>
+              <a:t>file</a:t>
+            </a:r>
+          </a:p>
+          <a:p>
+            <a:pPr lvl="1"/>
+            <a:r>
+              <a:rPr lang="en-US" dirty="0" smtClean="0"/>
+              <a:t>Used </a:t>
+            </a:r>
+            <a:r>
+              <a:rPr lang="en-US" dirty="0" err="1" smtClean="0"/>
+              <a:t>noaa.gov’s</a:t>
+            </a:r>
+            <a:r>
+              <a:rPr lang="en-US" dirty="0" smtClean="0"/>
+              <a:t> </a:t>
+            </a:r>
+            <a:r>
+              <a:rPr lang="en-US" dirty="0" err="1" smtClean="0"/>
+              <a:t>api</a:t>
+            </a:r>
+            <a:r>
+              <a:rPr lang="en-US" dirty="0" smtClean="0"/>
+              <a:t> to collect weather data for all 7 million flights.</a:t>
+            </a:r>
+          </a:p>
+          <a:p>
+            <a:pPr lvl="1"/>
+            <a:r>
+              <a:rPr lang="en-US" smtClean="0"/>
+              <a:t>This took over 5 days to collect as you can only have 10,000 requests/day</a:t>
+            </a:r>
+            <a:endParaRPr lang="en-US" dirty="0" smtClean="0"/>
+          </a:p>
+          <a:p>
+            <a:pPr lvl="1"/>
+            <a:endParaRPr lang="en-US" dirty="0" smtClean="0"/>
+          </a:p>
+          <a:p>
+            <a:endParaRPr lang="en-US" sz="2400" dirty="0" smtClean="0"/>
+          </a:p>
+        </p:txBody>
+      </p:sp>
+      <p:pic>
+        <p:nvPicPr>
+          <p:cNvPr id="3" name="Picture 2"/>
+          <p:cNvPicPr>
+            <a:picLocks noChangeAspect="1"/>
+          </p:cNvPicPr>
+          <p:nvPr/>
+        </p:nvPicPr>
+        <p:blipFill>
+          <a:blip r:embed="rId2">
+            <a:extLst>
+              <a:ext uri="{28A0092B-C50C-407E-A947-70E740481C1C}">
+                <a14:useLocalDpi xmlns:a14="http://schemas.microsoft.com/office/drawing/2010/main" val="0"/>
+              </a:ext>
+            </a:extLst>
+          </a:blip>
+          <a:stretch>
+            <a:fillRect/>
+          </a:stretch>
+        </p:blipFill>
+        <p:spPr>
+          <a:xfrm>
+            <a:off x="4910328" y="1553792"/>
+            <a:ext cx="6665396" cy="3845522"/>
+          </a:xfrm>
+          <a:prstGeom prst="rect">
+            <a:avLst/>
+          </a:prstGeom>
+        </p:spPr>
+      </p:pic>
+    </p:spTree>
+    <p:extLst>
+      <p:ext uri="{BB962C8B-B14F-4D97-AF65-F5344CB8AC3E}">
+        <p14:creationId xmlns:p14="http://schemas.microsoft.com/office/powerpoint/2010/main" val="1541137502"/>
+      </p:ext>
+    </p:extLst>
+  </p:cSld>
+  <p:clrMapOvr>
+    <a:masterClrMapping/>
+  </p:clrMapOvr>
+  <p:timing>
+    <p:tnLst>
+      <p:par>
+        <p:cTn id="1" dur="indefinite" restart="never" nodeType="tmRoot"/>
+      </p:par>
+    </p:tnLst>
+  </p:timing>
+</p:sld>
+</file>
+
+<file path=ppt/slides/slide9.xml><?xml version="1.0" encoding="utf-8"?>
+<p:sld xmlns:a="http://schemas.openxmlformats.org/drawingml/2006/main" xmlns:r="http://schemas.openxmlformats.org/officeDocument/2006/relationships" xmlns:p="http://schemas.openxmlformats.org/presentationml/2006/main">
+  <p:cSld>
+    <p:spTree>
+      <p:nvGrpSpPr>
+        <p:cNvPr id="1" name=""/>
+        <p:cNvGrpSpPr/>
+        <p:nvPr/>
+      </p:nvGrpSpPr>
+      <p:grpSpPr>
+        <a:xfrm>
+          <a:off x="0" y="0"/>
+          <a:ext cx="0" cy="0"/>
+          <a:chOff x="0" y="0"/>
+          <a:chExt cx="0" cy="0"/>
+        </a:xfrm>
+      </p:grpSpPr>
+      <p:sp>
+        <p:nvSpPr>
+          <p:cNvPr id="2" name="Title 1"/>
+          <p:cNvSpPr>
+            <a:spLocks noGrp="1"/>
+          </p:cNvSpPr>
+          <p:nvPr>
+            <p:ph type="title"/>
+          </p:nvPr>
+        </p:nvSpPr>
+        <p:spPr>
+          <a:xfrm>
             <a:off x="1158239" y="217714"/>
             <a:ext cx="9875520" cy="1356360"/>
           </a:xfrm>
@@ -4863,241 +5858,6 @@
     <p:extLst>
       <p:ext uri="{BB962C8B-B14F-4D97-AF65-F5344CB8AC3E}">
         <p14:creationId xmlns:p14="http://schemas.microsoft.com/office/powerpoint/2010/main" val="1113911646"/>
-      </p:ext>
-    </p:extLst>
-  </p:cSld>
-  <p:clrMapOvr>
-    <a:masterClrMapping/>
-  </p:clrMapOvr>
-  <p:timing>
-    <p:tnLst>
-      <p:par>
-        <p:cTn id="1" dur="indefinite" restart="never" nodeType="tmRoot"/>
-      </p:par>
-    </p:tnLst>
-  </p:timing>
-</p:sld>
-</file>
-
-<file path=ppt/slides/slide8.xml><?xml version="1.0" encoding="utf-8"?>
-<p:sld xmlns:a="http://schemas.openxmlformats.org/drawingml/2006/main" xmlns:r="http://schemas.openxmlformats.org/officeDocument/2006/relationships" xmlns:p="http://schemas.openxmlformats.org/presentationml/2006/main">
-  <p:cSld>
-    <p:spTree>
-      <p:nvGrpSpPr>
-        <p:cNvPr id="1" name=""/>
-        <p:cNvGrpSpPr/>
-        <p:nvPr/>
-      </p:nvGrpSpPr>
-      <p:grpSpPr>
-        <a:xfrm>
-          <a:off x="0" y="0"/>
-          <a:ext cx="0" cy="0"/>
-          <a:chOff x="0" y="0"/>
-          <a:chExt cx="0" cy="0"/>
-        </a:xfrm>
-      </p:grpSpPr>
-      <p:sp>
-        <p:nvSpPr>
-          <p:cNvPr id="2" name="Title 1"/>
-          <p:cNvSpPr>
-            <a:spLocks noGrp="1"/>
-          </p:cNvSpPr>
-          <p:nvPr>
-            <p:ph type="title"/>
-          </p:nvPr>
-        </p:nvSpPr>
-        <p:spPr>
-          <a:xfrm>
-            <a:off x="393192" y="484632"/>
-            <a:ext cx="10735056" cy="1609344"/>
-          </a:xfrm>
-        </p:spPr>
-        <p:txBody>
-          <a:bodyPr/>
-          <a:lstStyle/>
-          <a:p>
-            <a:r>
-              <a:rPr lang="en-US" dirty="0" smtClean="0"/>
-              <a:t>Load &amp; Clean Data</a:t>
-            </a:r>
-            <a:endParaRPr lang="en-US" dirty="0"/>
-          </a:p>
-        </p:txBody>
-      </p:sp>
-      <p:sp>
-        <p:nvSpPr>
-          <p:cNvPr id="5" name="Content Placeholder 4"/>
-          <p:cNvSpPr>
-            <a:spLocks noGrp="1"/>
-          </p:cNvSpPr>
-          <p:nvPr>
-            <p:ph idx="1"/>
-          </p:nvPr>
-        </p:nvSpPr>
-        <p:spPr/>
-        <p:txBody>
-          <a:bodyPr/>
-          <a:lstStyle/>
-          <a:p>
-            <a:r>
-              <a:rPr lang="en-US" b="1" dirty="0" smtClean="0">
-                <a:solidFill>
-                  <a:srgbClr val="FF0000"/>
-                </a:solidFill>
-              </a:rPr>
-              <a:t>Need to add how we have cleaned and loaded data to Neural net.</a:t>
-            </a:r>
-            <a:endParaRPr lang="en-US" b="1" dirty="0">
-              <a:solidFill>
-                <a:srgbClr val="FF0000"/>
-              </a:solidFill>
-            </a:endParaRPr>
-          </a:p>
-        </p:txBody>
-      </p:sp>
-    </p:spTree>
-    <p:extLst>
-      <p:ext uri="{BB962C8B-B14F-4D97-AF65-F5344CB8AC3E}">
-        <p14:creationId xmlns:p14="http://schemas.microsoft.com/office/powerpoint/2010/main" val="3261427848"/>
-      </p:ext>
-    </p:extLst>
-  </p:cSld>
-  <p:clrMapOvr>
-    <a:masterClrMapping/>
-  </p:clrMapOvr>
-  <p:timing>
-    <p:tnLst>
-      <p:par>
-        <p:cTn id="1" dur="indefinite" restart="never" nodeType="tmRoot"/>
-      </p:par>
-    </p:tnLst>
-  </p:timing>
-</p:sld>
-</file>
-
-<file path=ppt/slides/slide9.xml><?xml version="1.0" encoding="utf-8"?>
-<p:sld xmlns:a="http://schemas.openxmlformats.org/drawingml/2006/main" xmlns:r="http://schemas.openxmlformats.org/officeDocument/2006/relationships" xmlns:p="http://schemas.openxmlformats.org/presentationml/2006/main">
-  <p:cSld>
-    <p:spTree>
-      <p:nvGrpSpPr>
-        <p:cNvPr id="1" name=""/>
-        <p:cNvGrpSpPr/>
-        <p:nvPr/>
-      </p:nvGrpSpPr>
-      <p:grpSpPr>
-        <a:xfrm>
-          <a:off x="0" y="0"/>
-          <a:ext cx="0" cy="0"/>
-          <a:chOff x="0" y="0"/>
-          <a:chExt cx="0" cy="0"/>
-        </a:xfrm>
-      </p:grpSpPr>
-      <p:sp>
-        <p:nvSpPr>
-          <p:cNvPr id="2" name="Title 1"/>
-          <p:cNvSpPr>
-            <a:spLocks noGrp="1"/>
-          </p:cNvSpPr>
-          <p:nvPr>
-            <p:ph type="title"/>
-          </p:nvPr>
-        </p:nvSpPr>
-        <p:spPr>
-          <a:xfrm>
-            <a:off x="482994" y="457338"/>
-            <a:ext cx="10058400" cy="1609344"/>
-          </a:xfrm>
-        </p:spPr>
-        <p:txBody>
-          <a:bodyPr/>
-          <a:lstStyle/>
-          <a:p>
-            <a:r>
-              <a:rPr lang="en-US" dirty="0" smtClean="0"/>
-              <a:t>Principle Component Analysis</a:t>
-            </a:r>
-            <a:endParaRPr lang="en-US" dirty="0"/>
-          </a:p>
-        </p:txBody>
-      </p:sp>
-      <p:sp>
-        <p:nvSpPr>
-          <p:cNvPr id="3" name="Content Placeholder 2"/>
-          <p:cNvSpPr>
-            <a:spLocks noGrp="1"/>
-          </p:cNvSpPr>
-          <p:nvPr>
-            <p:ph idx="1"/>
-          </p:nvPr>
-        </p:nvSpPr>
-        <p:spPr>
-          <a:xfrm>
-            <a:off x="996695" y="2624260"/>
-            <a:ext cx="9170561" cy="2753283"/>
-          </a:xfrm>
-        </p:spPr>
-        <p:txBody>
-          <a:bodyPr>
-            <a:normAutofit/>
-          </a:bodyPr>
-          <a:lstStyle/>
-          <a:p>
-            <a:pPr marL="45720" indent="0">
-              <a:buNone/>
-            </a:pPr>
-            <a:r>
-              <a:rPr lang="en-US" b="1" dirty="0" smtClean="0">
-                <a:solidFill>
-                  <a:srgbClr val="FF0000"/>
-                </a:solidFill>
-              </a:rPr>
-              <a:t>Have we done PCA in our model???????? Add details if yes else this slide can be  deleted</a:t>
-            </a:r>
-            <a:endParaRPr lang="en-US" b="1" dirty="0" smtClean="0">
-              <a:solidFill>
-                <a:srgbClr val="FF0000"/>
-              </a:solidFill>
-            </a:endParaRPr>
-          </a:p>
-          <a:p>
-            <a:r>
-              <a:rPr lang="en-US" dirty="0" smtClean="0"/>
-              <a:t>PCA </a:t>
-            </a:r>
-            <a:r>
-              <a:rPr lang="en-US" dirty="0" smtClean="0"/>
-              <a:t>is used for Dimensionality Reduction</a:t>
-            </a:r>
-            <a:r>
-              <a:rPr lang="en-US" dirty="0" smtClean="0"/>
-              <a:t>.</a:t>
-            </a:r>
-            <a:endParaRPr lang="en-US" dirty="0" smtClean="0">
-              <a:solidFill>
-                <a:srgbClr val="FF0000"/>
-              </a:solidFill>
-            </a:endParaRPr>
-          </a:p>
-          <a:p>
-            <a:r>
-              <a:rPr lang="en-US" dirty="0" smtClean="0"/>
-              <a:t> </a:t>
-            </a:r>
-            <a:r>
-              <a:rPr lang="en-US" dirty="0" err="1" smtClean="0"/>
-              <a:t>Logloss</a:t>
-            </a:r>
-            <a:r>
-              <a:rPr lang="en-US" dirty="0" smtClean="0"/>
-              <a:t> curve as a measure of no. of principal components.</a:t>
-            </a:r>
-          </a:p>
-        </p:txBody>
-      </p:sp>
-    </p:spTree>
-    <p:extLst>
-      <p:ext uri="{BB962C8B-B14F-4D97-AF65-F5344CB8AC3E}">
-        <p14:creationId xmlns:p14="http://schemas.microsoft.com/office/powerpoint/2010/main" val="1092102366"/>
       </p:ext>
     </p:extLst>
   </p:cSld>
@@ -5349,4 +6109,265 @@
     </a:ext>
   </a:extLst>
 </a:theme>
+</file>
+
+<file path=ppt/theme/theme2.xml><?xml version="1.0" encoding="utf-8"?>
+<a:theme xmlns:a="http://schemas.openxmlformats.org/drawingml/2006/main" name="Office Theme">
+  <a:themeElements>
+    <a:clrScheme name="Office">
+      <a:dk1>
+        <a:sysClr val="windowText" lastClr="000000"/>
+      </a:dk1>
+      <a:lt1>
+        <a:sysClr val="window" lastClr="FFFFFF"/>
+      </a:lt1>
+      <a:dk2>
+        <a:srgbClr val="44546A"/>
+      </a:dk2>
+      <a:lt2>
+        <a:srgbClr val="E7E6E6"/>
+      </a:lt2>
+      <a:accent1>
+        <a:srgbClr val="4472C4"/>
+      </a:accent1>
+      <a:accent2>
+        <a:srgbClr val="ED7D31"/>
+      </a:accent2>
+      <a:accent3>
+        <a:srgbClr val="A5A5A5"/>
+      </a:accent3>
+      <a:accent4>
+        <a:srgbClr val="FFC000"/>
+      </a:accent4>
+      <a:accent5>
+        <a:srgbClr val="5B9BD5"/>
+      </a:accent5>
+      <a:accent6>
+        <a:srgbClr val="70AD47"/>
+      </a:accent6>
+      <a:hlink>
+        <a:srgbClr val="0563C1"/>
+      </a:hlink>
+      <a:folHlink>
+        <a:srgbClr val="954F72"/>
+      </a:folHlink>
+    </a:clrScheme>
+    <a:fontScheme name="Office">
+      <a:majorFont>
+        <a:latin typeface="Calibri Light" panose="020F0302020204030204"/>
+        <a:ea typeface=""/>
+        <a:cs typeface=""/>
+        <a:font script="Jpan" typeface="Yu Gothic Light"/>
+        <a:font script="Hang" typeface="맑은 고딕"/>
+        <a:font script="Hans" typeface="DengXian Light"/>
+        <a:font script="Hant" typeface="新細明體"/>
+        <a:font script="Arab" typeface="Times New Roman"/>
+        <a:font script="Hebr" typeface="Times New Roman"/>
+        <a:font script="Thai" typeface="Angsana New"/>
+        <a:font script="Ethi" typeface="Nyala"/>
+        <a:font script="Beng" typeface="Vrinda"/>
+        <a:font script="Gujr" typeface="Shruti"/>
+        <a:font script="Khmr" typeface="MoolBoran"/>
+        <a:font script="Knda" typeface="Tunga"/>
+        <a:font script="Guru" typeface="Raavi"/>
+        <a:font script="Cans" typeface="Euphemia"/>
+        <a:font script="Cher" typeface="Plantagenet Cherokee"/>
+        <a:font script="Yiii" typeface="Microsoft Yi Baiti"/>
+        <a:font script="Tibt" typeface="Microsoft Himalaya"/>
+        <a:font script="Thaa" typeface="MV Boli"/>
+        <a:font script="Deva" typeface="Mangal"/>
+        <a:font script="Telu" typeface="Gautami"/>
+        <a:font script="Taml" typeface="Latha"/>
+        <a:font script="Syrc" typeface="Estrangelo Edessa"/>
+        <a:font script="Orya" typeface="Kalinga"/>
+        <a:font script="Mlym" typeface="Kartika"/>
+        <a:font script="Laoo" typeface="DokChampa"/>
+        <a:font script="Sinh" typeface="Iskoola Pota"/>
+        <a:font script="Mong" typeface="Mongolian Baiti"/>
+        <a:font script="Viet" typeface="Times New Roman"/>
+        <a:font script="Uigh" typeface="Microsoft Uighur"/>
+        <a:font script="Geor" typeface="Sylfaen"/>
+      </a:majorFont>
+      <a:minorFont>
+        <a:latin typeface="Calibri" panose="020F0502020204030204"/>
+        <a:ea typeface=""/>
+        <a:cs typeface=""/>
+        <a:font script="Jpan" typeface="Yu Gothic"/>
+        <a:font script="Hang" typeface="맑은 고딕"/>
+        <a:font script="Hans" typeface="DengXian"/>
+        <a:font script="Hant" typeface="新細明體"/>
+        <a:font script="Arab" typeface="Arial"/>
+        <a:font script="Hebr" typeface="Arial"/>
+        <a:font script="Thai" typeface="Cordia New"/>
+        <a:font script="Ethi" typeface="Nyala"/>
+        <a:font script="Beng" typeface="Vrinda"/>
+        <a:font script="Gujr" typeface="Shruti"/>
+        <a:font script="Khmr" typeface="DaunPenh"/>
+        <a:font script="Knda" typeface="Tunga"/>
+        <a:font script="Guru" typeface="Raavi"/>
+        <a:font script="Cans" typeface="Euphemia"/>
+        <a:font script="Cher" typeface="Plantagenet Cherokee"/>
+        <a:font script="Yiii" typeface="Microsoft Yi Baiti"/>
+        <a:font script="Tibt" typeface="Microsoft Himalaya"/>
+        <a:font script="Thaa" typeface="MV Boli"/>
+        <a:font script="Deva" typeface="Mangal"/>
+        <a:font script="Telu" typeface="Gautami"/>
+        <a:font script="Taml" typeface="Latha"/>
+        <a:font script="Syrc" typeface="Estrangelo Edessa"/>
+        <a:font script="Orya" typeface="Kalinga"/>
+        <a:font script="Mlym" typeface="Kartika"/>
+        <a:font script="Laoo" typeface="DokChampa"/>
+        <a:font script="Sinh" typeface="Iskoola Pota"/>
+        <a:font script="Mong" typeface="Mongolian Baiti"/>
+        <a:font script="Viet" typeface="Arial"/>
+        <a:font script="Uigh" typeface="Microsoft Uighur"/>
+        <a:font script="Geor" typeface="Sylfaen"/>
+      </a:minorFont>
+    </a:fontScheme>
+    <a:fmtScheme name="Office">
+      <a:fillStyleLst>
+        <a:solidFill>
+          <a:schemeClr val="phClr"/>
+        </a:solidFill>
+        <a:gradFill rotWithShape="1">
+          <a:gsLst>
+            <a:gs pos="0">
+              <a:schemeClr val="phClr">
+                <a:lumMod val="110000"/>
+                <a:satMod val="105000"/>
+                <a:tint val="67000"/>
+              </a:schemeClr>
+            </a:gs>
+            <a:gs pos="50000">
+              <a:schemeClr val="phClr">
+                <a:lumMod val="105000"/>
+                <a:satMod val="103000"/>
+                <a:tint val="73000"/>
+              </a:schemeClr>
+            </a:gs>
+            <a:gs pos="100000">
+              <a:schemeClr val="phClr">
+                <a:lumMod val="105000"/>
+                <a:satMod val="109000"/>
+                <a:tint val="81000"/>
+              </a:schemeClr>
+            </a:gs>
+          </a:gsLst>
+          <a:lin ang="5400000" scaled="0"/>
+        </a:gradFill>
+        <a:gradFill rotWithShape="1">
+          <a:gsLst>
+            <a:gs pos="0">
+              <a:schemeClr val="phClr">
+                <a:satMod val="103000"/>
+                <a:lumMod val="102000"/>
+                <a:tint val="94000"/>
+              </a:schemeClr>
+            </a:gs>
+            <a:gs pos="50000">
+              <a:schemeClr val="phClr">
+                <a:satMod val="110000"/>
+                <a:lumMod val="100000"/>
+                <a:shade val="100000"/>
+              </a:schemeClr>
+            </a:gs>
+            <a:gs pos="100000">
+              <a:schemeClr val="phClr">
+                <a:lumMod val="99000"/>
+                <a:satMod val="120000"/>
+                <a:shade val="78000"/>
+              </a:schemeClr>
+            </a:gs>
+          </a:gsLst>
+          <a:lin ang="5400000" scaled="0"/>
+        </a:gradFill>
+      </a:fillStyleLst>
+      <a:lnStyleLst>
+        <a:ln w="6350" cap="flat" cmpd="sng" algn="ctr">
+          <a:solidFill>
+            <a:schemeClr val="phClr"/>
+          </a:solidFill>
+          <a:prstDash val="solid"/>
+          <a:miter lim="800000"/>
+        </a:ln>
+        <a:ln w="12700" cap="flat" cmpd="sng" algn="ctr">
+          <a:solidFill>
+            <a:schemeClr val="phClr"/>
+          </a:solidFill>
+          <a:prstDash val="solid"/>
+          <a:miter lim="800000"/>
+        </a:ln>
+        <a:ln w="19050" cap="flat" cmpd="sng" algn="ctr">
+          <a:solidFill>
+            <a:schemeClr val="phClr"/>
+          </a:solidFill>
+          <a:prstDash val="solid"/>
+          <a:miter lim="800000"/>
+        </a:ln>
+      </a:lnStyleLst>
+      <a:effectStyleLst>
+        <a:effectStyle>
+          <a:effectLst/>
+        </a:effectStyle>
+        <a:effectStyle>
+          <a:effectLst/>
+        </a:effectStyle>
+        <a:effectStyle>
+          <a:effectLst>
+            <a:outerShdw blurRad="57150" dist="19050" dir="5400000" algn="ctr" rotWithShape="0">
+              <a:srgbClr val="000000">
+                <a:alpha val="63000"/>
+              </a:srgbClr>
+            </a:outerShdw>
+          </a:effectLst>
+        </a:effectStyle>
+      </a:effectStyleLst>
+      <a:bgFillStyleLst>
+        <a:solidFill>
+          <a:schemeClr val="phClr"/>
+        </a:solidFill>
+        <a:solidFill>
+          <a:schemeClr val="phClr">
+            <a:tint val="95000"/>
+            <a:satMod val="170000"/>
+          </a:schemeClr>
+        </a:solidFill>
+        <a:gradFill rotWithShape="1">
+          <a:gsLst>
+            <a:gs pos="0">
+              <a:schemeClr val="phClr">
+                <a:tint val="93000"/>
+                <a:satMod val="150000"/>
+                <a:shade val="98000"/>
+                <a:lumMod val="102000"/>
+              </a:schemeClr>
+            </a:gs>
+            <a:gs pos="50000">
+              <a:schemeClr val="phClr">
+                <a:tint val="98000"/>
+                <a:satMod val="130000"/>
+                <a:shade val="90000"/>
+                <a:lumMod val="103000"/>
+              </a:schemeClr>
+            </a:gs>
+            <a:gs pos="100000">
+              <a:schemeClr val="phClr">
+                <a:shade val="63000"/>
+                <a:satMod val="120000"/>
+              </a:schemeClr>
+            </a:gs>
+          </a:gsLst>
+          <a:lin ang="5400000" scaled="0"/>
+        </a:gradFill>
+      </a:bgFillStyleLst>
+    </a:fmtScheme>
+  </a:themeElements>
+  <a:objectDefaults/>
+  <a:extraClrSchemeLst/>
+  <a:extLst>
+    <a:ext uri="{05A4C25C-085E-4340-85A3-A5531E510DB2}">
+      <thm15:themeFamily xmlns:thm15="http://schemas.microsoft.com/office/thememl/2012/main" name="Office Theme" id="{62F939B6-93AF-4DB8-9C6B-D6C7DFDC589F}" vid="{4A3C46E8-61CC-4603-A589-7422A47A8E4A}"/>
+    </a:ext>
+  </a:extLst>
+</a:theme>
 </file>
--- a/docs/Final Presentation_FlightDelay.pptx
+++ b/docs/Final Presentation_FlightDelay.pptx
@@ -5,7 +5,7 @@
     <p:sldMasterId id="2147483924" r:id="rId1"/>
   </p:sldMasterIdLst>
   <p:notesMasterIdLst>
-    <p:notesMasterId r:id="rId18"/>
+    <p:notesMasterId r:id="rId19"/>
   </p:notesMasterIdLst>
   <p:sldIdLst>
     <p:sldId id="256" r:id="rId2"/>
@@ -16,14 +16,15 @@
     <p:sldId id="271" r:id="rId7"/>
     <p:sldId id="276" r:id="rId8"/>
     <p:sldId id="278" r:id="rId9"/>
-    <p:sldId id="272" r:id="rId10"/>
-    <p:sldId id="264" r:id="rId11"/>
-    <p:sldId id="268" r:id="rId12"/>
-    <p:sldId id="265" r:id="rId13"/>
-    <p:sldId id="267" r:id="rId14"/>
-    <p:sldId id="262" r:id="rId15"/>
-    <p:sldId id="275" r:id="rId16"/>
-    <p:sldId id="263" r:id="rId17"/>
+    <p:sldId id="279" r:id="rId10"/>
+    <p:sldId id="280" r:id="rId11"/>
+    <p:sldId id="272" r:id="rId12"/>
+    <p:sldId id="268" r:id="rId13"/>
+    <p:sldId id="265" r:id="rId14"/>
+    <p:sldId id="267" r:id="rId15"/>
+    <p:sldId id="262" r:id="rId16"/>
+    <p:sldId id="275" r:id="rId17"/>
+    <p:sldId id="263" r:id="rId18"/>
   </p:sldIdLst>
   <p:sldSz cx="12192000" cy="6858000"/>
   <p:notesSz cx="6858000" cy="9144000"/>
@@ -3886,8 +3887,8 @@
         </p:nvSpPr>
         <p:spPr>
           <a:xfrm>
-            <a:off x="393192" y="484632"/>
-            <a:ext cx="10735056" cy="1609344"/>
+            <a:off x="411480" y="484632"/>
+            <a:ext cx="10716768" cy="1609344"/>
           </a:xfrm>
         </p:spPr>
         <p:txBody>
@@ -3896,8 +3897,11 @@
           <a:p>
             <a:r>
               <a:rPr lang="en-US" dirty="0" smtClean="0"/>
-              <a:t>Load &amp; Clean Data</a:t>
-            </a:r>
+              <a:t>Story of the Data: Load and clean</a:t>
+            </a:r>
+            <a:br>
+              <a:rPr lang="en-US" dirty="0" smtClean="0"/>
+            </a:br>
             <a:endParaRPr lang="en-US" dirty="0"/>
           </a:p>
         </p:txBody>
@@ -3912,31 +3916,109 @@
             <p:ph idx="1"/>
           </p:nvPr>
         </p:nvSpPr>
-        <p:spPr/>
-        <p:txBody>
-          <a:bodyPr/>
-          <a:lstStyle/>
-          <a:p>
-            <a:r>
-              <a:rPr lang="en-US" b="1" dirty="0" smtClean="0">
-                <a:solidFill>
-                  <a:srgbClr val="FF0000"/>
-                </a:solidFill>
-              </a:rPr>
-              <a:t>Need to add how we have cleaned and loaded data to Neural net.</a:t>
-            </a:r>
-            <a:endParaRPr lang="en-US" b="1" dirty="0">
-              <a:solidFill>
-                <a:srgbClr val="FF0000"/>
-              </a:solidFill>
-            </a:endParaRPr>
-          </a:p>
-        </p:txBody>
-      </p:sp>
+        <p:spPr>
+          <a:xfrm>
+            <a:off x="411480" y="1553792"/>
+            <a:ext cx="4498848" cy="4050792"/>
+          </a:xfrm>
+        </p:spPr>
+        <p:txBody>
+          <a:bodyPr>
+            <a:normAutofit/>
+          </a:bodyPr>
+          <a:lstStyle/>
+          <a:p>
+            <a:pPr marL="502920" indent="-457200">
+              <a:buFont typeface="+mj-lt"/>
+              <a:buAutoNum type="arabicPeriod"/>
+            </a:pPr>
+            <a:endParaRPr lang="en-US" sz="2400" dirty="0" smtClean="0"/>
+          </a:p>
+          <a:p>
+            <a:pPr marL="502920" indent="-457200">
+              <a:buFont typeface="+mj-lt"/>
+              <a:buAutoNum type="arabicPeriod"/>
+            </a:pPr>
+            <a:r>
+              <a:rPr lang="en-US" sz="2400" dirty="0" smtClean="0"/>
+              <a:t>Format data for machine learning </a:t>
+            </a:r>
+          </a:p>
+          <a:p>
+            <a:pPr lvl="2"/>
+            <a:r>
+              <a:rPr lang="en-US" dirty="0" smtClean="0"/>
+              <a:t>Change categorical data to one’s hot encoding</a:t>
+            </a:r>
+          </a:p>
+          <a:p>
+            <a:pPr lvl="2"/>
+            <a:r>
+              <a:rPr lang="en-US" dirty="0" smtClean="0"/>
+              <a:t>Only kept routes between top 100 airports </a:t>
+            </a:r>
+          </a:p>
+          <a:p>
+            <a:pPr lvl="2"/>
+            <a:r>
+              <a:rPr lang="en-US" dirty="0" smtClean="0"/>
+              <a:t>Change csv to </a:t>
+            </a:r>
+            <a:r>
+              <a:rPr lang="en-US" dirty="0" err="1" smtClean="0"/>
+              <a:t>libsvm</a:t>
+            </a:r>
+            <a:r>
+              <a:rPr lang="en-US" dirty="0" smtClean="0"/>
+              <a:t> format</a:t>
+            </a:r>
+          </a:p>
+          <a:p>
+            <a:pPr lvl="2"/>
+            <a:r>
+              <a:rPr lang="en-US" dirty="0" smtClean="0"/>
+              <a:t>Dropped a random 50% of flight data kept around 2 million records</a:t>
+            </a:r>
+          </a:p>
+          <a:p>
+            <a:endParaRPr lang="en-US" sz="2400" dirty="0" smtClean="0"/>
+          </a:p>
+        </p:txBody>
+      </p:sp>
+      <p:pic>
+        <p:nvPicPr>
+          <p:cNvPr id="4" name="Picture 3"/>
+          <p:cNvPicPr>
+            <a:picLocks noChangeAspect="1"/>
+          </p:cNvPicPr>
+          <p:nvPr/>
+        </p:nvPicPr>
+        <p:blipFill>
+          <a:blip r:embed="rId2">
+            <a:extLst>
+              <a:ext uri="{28A0092B-C50C-407E-A947-70E740481C1C}">
+                <a14:useLocalDpi xmlns:a14="http://schemas.microsoft.com/office/drawing/2010/main" val="0"/>
+              </a:ext>
+            </a:extLst>
+          </a:blip>
+          <a:stretch>
+            <a:fillRect/>
+          </a:stretch>
+        </p:blipFill>
+        <p:spPr>
+          <a:xfrm>
+            <a:off x="6384925" y="1366430"/>
+            <a:ext cx="3937000" cy="4965700"/>
+          </a:xfrm>
+          <a:prstGeom prst="rect">
+            <a:avLst/>
+          </a:prstGeom>
+        </p:spPr>
+      </p:pic>
     </p:spTree>
     <p:extLst>
       <p:ext uri="{BB962C8B-B14F-4D97-AF65-F5344CB8AC3E}">
-        <p14:creationId xmlns:p14="http://schemas.microsoft.com/office/powerpoint/2010/main" val="3261427848"/>
+        <p14:creationId xmlns:p14="http://schemas.microsoft.com/office/powerpoint/2010/main" val="2125225531"/>
       </p:ext>
     </p:extLst>
   </p:cSld>
@@ -3982,6 +4064,101 @@
         </p:nvSpPr>
         <p:spPr>
           <a:xfrm>
+            <a:off x="1158239" y="217714"/>
+            <a:ext cx="9875520" cy="1356360"/>
+          </a:xfrm>
+        </p:spPr>
+        <p:txBody>
+          <a:bodyPr/>
+          <a:lstStyle/>
+          <a:p>
+            <a:r>
+              <a:rPr lang="en-US" dirty="0" smtClean="0"/>
+              <a:t>Directory Structure</a:t>
+            </a:r>
+            <a:endParaRPr lang="en-US" dirty="0"/>
+          </a:p>
+        </p:txBody>
+      </p:sp>
+      <p:pic>
+        <p:nvPicPr>
+          <p:cNvPr id="3" name="Picture 2"/>
+          <p:cNvPicPr>
+            <a:picLocks noChangeAspect="1"/>
+          </p:cNvPicPr>
+          <p:nvPr/>
+        </p:nvPicPr>
+        <p:blipFill>
+          <a:blip r:embed="rId2">
+            <a:extLst>
+              <a:ext uri="{28A0092B-C50C-407E-A947-70E740481C1C}">
+                <a14:useLocalDpi xmlns:a14="http://schemas.microsoft.com/office/drawing/2010/main" val="0"/>
+              </a:ext>
+            </a:extLst>
+          </a:blip>
+          <a:stretch>
+            <a:fillRect/>
+          </a:stretch>
+        </p:blipFill>
+        <p:spPr>
+          <a:xfrm>
+            <a:off x="999611" y="1344900"/>
+            <a:ext cx="10192775" cy="3886957"/>
+          </a:xfrm>
+          <a:prstGeom prst="rect">
+            <a:avLst/>
+          </a:prstGeom>
+        </p:spPr>
+      </p:pic>
+    </p:spTree>
+    <p:extLst>
+      <p:ext uri="{BB962C8B-B14F-4D97-AF65-F5344CB8AC3E}">
+        <p14:creationId xmlns:p14="http://schemas.microsoft.com/office/powerpoint/2010/main" val="1113911646"/>
+      </p:ext>
+    </p:extLst>
+  </p:cSld>
+  <p:clrMapOvr>
+    <a:masterClrMapping/>
+  </p:clrMapOvr>
+  <p:timing>
+    <p:tnLst>
+      <p:par>
+        <p:cTn id="1" dur="indefinite" restart="never" nodeType="tmRoot"/>
+      </p:par>
+    </p:tnLst>
+  </p:timing>
+</p:sld>
+</file>
+
+<file path=ppt/slides/slide12.xml><?xml version="1.0" encoding="utf-8"?>
+<p:sld xmlns:a="http://schemas.openxmlformats.org/drawingml/2006/main" xmlns:r="http://schemas.openxmlformats.org/officeDocument/2006/relationships" xmlns:p="http://schemas.openxmlformats.org/presentationml/2006/main">
+  <p:cSld>
+    <p:spTree>
+      <p:nvGrpSpPr>
+        <p:cNvPr id="1" name=""/>
+        <p:cNvGrpSpPr/>
+        <p:nvPr/>
+      </p:nvGrpSpPr>
+      <p:grpSpPr>
+        <a:xfrm>
+          <a:off x="0" y="0"/>
+          <a:ext cx="0" cy="0"/>
+          <a:chOff x="0" y="0"/>
+          <a:chExt cx="0" cy="0"/>
+        </a:xfrm>
+      </p:grpSpPr>
+      <p:sp>
+        <p:nvSpPr>
+          <p:cNvPr id="2" name="Title 1"/>
+          <p:cNvSpPr>
+            <a:spLocks noGrp="1"/>
+          </p:cNvSpPr>
+          <p:nvPr>
+            <p:ph type="title"/>
+          </p:nvPr>
+        </p:nvSpPr>
+        <p:spPr>
+          <a:xfrm>
             <a:off x="482994" y="457338"/>
             <a:ext cx="10058400" cy="1609344"/>
           </a:xfrm>
@@ -4079,7 +4256,7 @@
 </p:sld>
 </file>
 
-<file path=ppt/slides/slide12.xml><?xml version="1.0" encoding="utf-8"?>
+<file path=ppt/slides/slide13.xml><?xml version="1.0" encoding="utf-8"?>
 <p:sld xmlns:a="http://schemas.openxmlformats.org/drawingml/2006/main" xmlns:r="http://schemas.openxmlformats.org/officeDocument/2006/relationships" xmlns:p="http://schemas.openxmlformats.org/presentationml/2006/main">
   <p:cSld>
     <p:spTree>
@@ -4199,102 +4376,6 @@
 </p:sld>
 </file>
 
-<file path=ppt/slides/slide13.xml><?xml version="1.0" encoding="utf-8"?>
-<p:sld xmlns:a="http://schemas.openxmlformats.org/drawingml/2006/main" xmlns:r="http://schemas.openxmlformats.org/officeDocument/2006/relationships" xmlns:p="http://schemas.openxmlformats.org/presentationml/2006/main">
-  <p:cSld>
-    <p:spTree>
-      <p:nvGrpSpPr>
-        <p:cNvPr id="1" name=""/>
-        <p:cNvGrpSpPr/>
-        <p:nvPr/>
-      </p:nvGrpSpPr>
-      <p:grpSpPr>
-        <a:xfrm>
-          <a:off x="0" y="0"/>
-          <a:ext cx="0" cy="0"/>
-          <a:chOff x="0" y="0"/>
-          <a:chExt cx="0" cy="0"/>
-        </a:xfrm>
-      </p:grpSpPr>
-      <p:sp>
-        <p:nvSpPr>
-          <p:cNvPr id="2" name="Title 1"/>
-          <p:cNvSpPr>
-            <a:spLocks noGrp="1"/>
-          </p:cNvSpPr>
-          <p:nvPr>
-            <p:ph type="title"/>
-          </p:nvPr>
-        </p:nvSpPr>
-        <p:spPr/>
-        <p:txBody>
-          <a:bodyPr/>
-          <a:lstStyle/>
-          <a:p>
-            <a:r>
-              <a:rPr lang="en-US" dirty="0" smtClean="0"/>
-              <a:t>Prediction</a:t>
-            </a:r>
-            <a:endParaRPr lang="en-US" dirty="0"/>
-          </a:p>
-        </p:txBody>
-      </p:sp>
-      <p:sp>
-        <p:nvSpPr>
-          <p:cNvPr id="6" name="Content Placeholder 5"/>
-          <p:cNvSpPr>
-            <a:spLocks noGrp="1"/>
-          </p:cNvSpPr>
-          <p:nvPr>
-            <p:ph idx="1"/>
-          </p:nvPr>
-        </p:nvSpPr>
-        <p:spPr>
-          <a:xfrm>
-            <a:off x="1145649" y="1888671"/>
-            <a:ext cx="9872871" cy="4038600"/>
-          </a:xfrm>
-        </p:spPr>
-        <p:txBody>
-          <a:bodyPr/>
-          <a:lstStyle/>
-          <a:p>
-            <a:r>
-              <a:rPr lang="en-US" b="1" dirty="0" smtClean="0">
-                <a:solidFill>
-                  <a:srgbClr val="FF0000"/>
-                </a:solidFill>
-              </a:rPr>
-              <a:t>Results of the model</a:t>
-            </a:r>
-            <a:endParaRPr lang="en-US" b="1" dirty="0">
-              <a:solidFill>
-                <a:srgbClr val="FF0000"/>
-              </a:solidFill>
-            </a:endParaRPr>
-          </a:p>
-        </p:txBody>
-      </p:sp>
-    </p:spTree>
-    <p:extLst>
-      <p:ext uri="{BB962C8B-B14F-4D97-AF65-F5344CB8AC3E}">
-        <p14:creationId xmlns:p14="http://schemas.microsoft.com/office/powerpoint/2010/main" val="1938473595"/>
-      </p:ext>
-    </p:extLst>
-  </p:cSld>
-  <p:clrMapOvr>
-    <a:masterClrMapping/>
-  </p:clrMapOvr>
-  <p:timing>
-    <p:tnLst>
-      <p:par>
-        <p:cTn id="1" dur="indefinite" restart="never" nodeType="tmRoot"/>
-      </p:par>
-    </p:tnLst>
-  </p:timing>
-</p:sld>
-</file>
-
 <file path=ppt/slides/slide14.xml><?xml version="1.0" encoding="utf-8"?>
 <p:sld xmlns:a="http://schemas.openxmlformats.org/drawingml/2006/main" xmlns:r="http://schemas.openxmlformats.org/officeDocument/2006/relationships" xmlns:p="http://schemas.openxmlformats.org/presentationml/2006/main">
   <p:cSld>
@@ -4329,7 +4410,7 @@
           <a:p>
             <a:r>
               <a:rPr lang="en-US" dirty="0" smtClean="0"/>
-              <a:t>Acceptance criteria</a:t>
+              <a:t>Prediction</a:t>
             </a:r>
             <a:endParaRPr lang="en-US" dirty="0"/>
           </a:p>
@@ -4337,7 +4418,7 @@
       </p:sp>
       <p:sp>
         <p:nvSpPr>
-          <p:cNvPr id="3" name="Content Placeholder 2"/>
+          <p:cNvPr id="6" name="Content Placeholder 5"/>
           <p:cNvSpPr>
             <a:spLocks noGrp="1"/>
           </p:cNvSpPr>
@@ -4347,110 +4428,34 @@
         </p:nvSpPr>
         <p:spPr>
           <a:xfrm>
-            <a:off x="1143000" y="1965960"/>
-            <a:ext cx="10058400" cy="3280954"/>
+            <a:off x="1145649" y="1888671"/>
+            <a:ext cx="9872871" cy="4038600"/>
           </a:xfrm>
         </p:spPr>
         <p:txBody>
-          <a:bodyPr>
-            <a:normAutofit/>
-          </a:bodyPr>
-          <a:lstStyle/>
-          <a:p>
-            <a:pPr marL="285750" lvl="1">
-              <a:spcBef>
-                <a:spcPts val="0"/>
-              </a:spcBef>
-              <a:spcAft>
-                <a:spcPts val="0"/>
-              </a:spcAft>
-              <a:buClrTx/>
-              <a:buSzTx/>
-            </a:pPr>
-            <a:r>
-              <a:rPr lang="en-US" sz="2800" dirty="0"/>
-              <a:t>Split a data Set  and calculate the Percentage accuracy of </a:t>
-            </a:r>
-            <a:r>
-              <a:rPr lang="en-US" sz="2800"/>
-              <a:t>the </a:t>
-            </a:r>
-            <a:r>
-              <a:rPr lang="en-US" sz="2800" smtClean="0"/>
-              <a:t>predictive </a:t>
-            </a:r>
-            <a:r>
-              <a:rPr lang="en-US" sz="2800" dirty="0" smtClean="0"/>
-              <a:t>model</a:t>
-            </a:r>
-          </a:p>
-          <a:p>
-            <a:pPr marL="285750" lvl="1">
-              <a:spcBef>
-                <a:spcPts val="0"/>
-              </a:spcBef>
-              <a:spcAft>
-                <a:spcPts val="0"/>
-              </a:spcAft>
-              <a:buClrTx/>
-              <a:buSzTx/>
-            </a:pPr>
-            <a:endParaRPr lang="en-US" sz="2800" dirty="0"/>
-          </a:p>
-          <a:p>
-            <a:pPr marL="285750" lvl="1">
-              <a:spcBef>
-                <a:spcPts val="0"/>
-              </a:spcBef>
-              <a:spcAft>
-                <a:spcPts val="0"/>
-              </a:spcAft>
-              <a:buClrTx/>
-              <a:buSzTx/>
-            </a:pPr>
-            <a:r>
-              <a:rPr lang="en-US" sz="2800" dirty="0"/>
-              <a:t>Create model that shows based off future flight data</a:t>
-            </a:r>
-          </a:p>
-          <a:p>
-            <a:pPr marL="742950" lvl="2">
-              <a:spcBef>
-                <a:spcPts val="0"/>
-              </a:spcBef>
-              <a:spcAft>
-                <a:spcPts val="0"/>
-              </a:spcAft>
-              <a:buClrTx/>
-              <a:buSzTx/>
-            </a:pPr>
-            <a:r>
-              <a:rPr lang="en-US" sz="2200" dirty="0"/>
-              <a:t>% chance of  cancellation, </a:t>
-            </a:r>
-          </a:p>
-          <a:p>
-            <a:pPr marL="742950" lvl="2">
-              <a:spcBef>
-                <a:spcPts val="0"/>
-              </a:spcBef>
-              <a:spcAft>
-                <a:spcPts val="0"/>
-              </a:spcAft>
-              <a:buClrTx/>
-              <a:buSzTx/>
-            </a:pPr>
-            <a:r>
-              <a:rPr lang="en-US" sz="2400" dirty="0"/>
-              <a:t>% chance of  delay begin over X minutes</a:t>
-            </a:r>
+          <a:bodyPr/>
+          <a:lstStyle/>
+          <a:p>
+            <a:r>
+              <a:rPr lang="en-US" b="1" dirty="0" smtClean="0">
+                <a:solidFill>
+                  <a:srgbClr val="FF0000"/>
+                </a:solidFill>
+              </a:rPr>
+              <a:t>Results of the model</a:t>
+            </a:r>
+            <a:endParaRPr lang="en-US" b="1" dirty="0">
+              <a:solidFill>
+                <a:srgbClr val="FF0000"/>
+              </a:solidFill>
+            </a:endParaRPr>
           </a:p>
         </p:txBody>
       </p:sp>
     </p:spTree>
     <p:extLst>
       <p:ext uri="{BB962C8B-B14F-4D97-AF65-F5344CB8AC3E}">
-        <p14:creationId xmlns:p14="http://schemas.microsoft.com/office/powerpoint/2010/main" val="311230753"/>
+        <p14:creationId xmlns:p14="http://schemas.microsoft.com/office/powerpoint/2010/main" val="1938473595"/>
       </p:ext>
     </p:extLst>
   </p:cSld>
@@ -4501,6 +4506,178 @@
           <a:p>
             <a:r>
               <a:rPr lang="en-US" dirty="0" smtClean="0"/>
+              <a:t>Acceptance criteria</a:t>
+            </a:r>
+            <a:endParaRPr lang="en-US" dirty="0"/>
+          </a:p>
+        </p:txBody>
+      </p:sp>
+      <p:sp>
+        <p:nvSpPr>
+          <p:cNvPr id="3" name="Content Placeholder 2"/>
+          <p:cNvSpPr>
+            <a:spLocks noGrp="1"/>
+          </p:cNvSpPr>
+          <p:nvPr>
+            <p:ph idx="1"/>
+          </p:nvPr>
+        </p:nvSpPr>
+        <p:spPr>
+          <a:xfrm>
+            <a:off x="1143000" y="1965960"/>
+            <a:ext cx="10058400" cy="3280954"/>
+          </a:xfrm>
+        </p:spPr>
+        <p:txBody>
+          <a:bodyPr>
+            <a:normAutofit/>
+          </a:bodyPr>
+          <a:lstStyle/>
+          <a:p>
+            <a:pPr marL="285750" lvl="1">
+              <a:spcBef>
+                <a:spcPts val="0"/>
+              </a:spcBef>
+              <a:spcAft>
+                <a:spcPts val="0"/>
+              </a:spcAft>
+              <a:buClrTx/>
+              <a:buSzTx/>
+            </a:pPr>
+            <a:r>
+              <a:rPr lang="en-US" sz="2800" dirty="0"/>
+              <a:t>Split a data Set  and calculate the Percentage accuracy of </a:t>
+            </a:r>
+            <a:r>
+              <a:rPr lang="en-US" sz="2800"/>
+              <a:t>the </a:t>
+            </a:r>
+            <a:r>
+              <a:rPr lang="en-US" sz="2800" smtClean="0"/>
+              <a:t>predictive </a:t>
+            </a:r>
+            <a:r>
+              <a:rPr lang="en-US" sz="2800" dirty="0" smtClean="0"/>
+              <a:t>model</a:t>
+            </a:r>
+          </a:p>
+          <a:p>
+            <a:pPr marL="285750" lvl="1">
+              <a:spcBef>
+                <a:spcPts val="0"/>
+              </a:spcBef>
+              <a:spcAft>
+                <a:spcPts val="0"/>
+              </a:spcAft>
+              <a:buClrTx/>
+              <a:buSzTx/>
+            </a:pPr>
+            <a:endParaRPr lang="en-US" sz="2800" dirty="0"/>
+          </a:p>
+          <a:p>
+            <a:pPr marL="285750" lvl="1">
+              <a:spcBef>
+                <a:spcPts val="0"/>
+              </a:spcBef>
+              <a:spcAft>
+                <a:spcPts val="0"/>
+              </a:spcAft>
+              <a:buClrTx/>
+              <a:buSzTx/>
+            </a:pPr>
+            <a:r>
+              <a:rPr lang="en-US" sz="2800" dirty="0"/>
+              <a:t>Create model that shows based off future flight data</a:t>
+            </a:r>
+          </a:p>
+          <a:p>
+            <a:pPr marL="742950" lvl="2">
+              <a:spcBef>
+                <a:spcPts val="0"/>
+              </a:spcBef>
+              <a:spcAft>
+                <a:spcPts val="0"/>
+              </a:spcAft>
+              <a:buClrTx/>
+              <a:buSzTx/>
+            </a:pPr>
+            <a:r>
+              <a:rPr lang="en-US" sz="2200" dirty="0"/>
+              <a:t>% chance of  cancellation, </a:t>
+            </a:r>
+          </a:p>
+          <a:p>
+            <a:pPr marL="742950" lvl="2">
+              <a:spcBef>
+                <a:spcPts val="0"/>
+              </a:spcBef>
+              <a:spcAft>
+                <a:spcPts val="0"/>
+              </a:spcAft>
+              <a:buClrTx/>
+              <a:buSzTx/>
+            </a:pPr>
+            <a:r>
+              <a:rPr lang="en-US" sz="2400" dirty="0"/>
+              <a:t>% chance of  delay begin over X minutes</a:t>
+            </a:r>
+          </a:p>
+        </p:txBody>
+      </p:sp>
+    </p:spTree>
+    <p:extLst>
+      <p:ext uri="{BB962C8B-B14F-4D97-AF65-F5344CB8AC3E}">
+        <p14:creationId xmlns:p14="http://schemas.microsoft.com/office/powerpoint/2010/main" val="311230753"/>
+      </p:ext>
+    </p:extLst>
+  </p:cSld>
+  <p:clrMapOvr>
+    <a:masterClrMapping/>
+  </p:clrMapOvr>
+  <p:timing>
+    <p:tnLst>
+      <p:par>
+        <p:cTn id="1" dur="indefinite" restart="never" nodeType="tmRoot"/>
+      </p:par>
+    </p:tnLst>
+  </p:timing>
+</p:sld>
+</file>
+
+<file path=ppt/slides/slide16.xml><?xml version="1.0" encoding="utf-8"?>
+<p:sld xmlns:a="http://schemas.openxmlformats.org/drawingml/2006/main" xmlns:r="http://schemas.openxmlformats.org/officeDocument/2006/relationships" xmlns:p="http://schemas.openxmlformats.org/presentationml/2006/main">
+  <p:cSld>
+    <p:spTree>
+      <p:nvGrpSpPr>
+        <p:cNvPr id="1" name=""/>
+        <p:cNvGrpSpPr/>
+        <p:nvPr/>
+      </p:nvGrpSpPr>
+      <p:grpSpPr>
+        <a:xfrm>
+          <a:off x="0" y="0"/>
+          <a:ext cx="0" cy="0"/>
+          <a:chOff x="0" y="0"/>
+          <a:chExt cx="0" cy="0"/>
+        </a:xfrm>
+      </p:grpSpPr>
+      <p:sp>
+        <p:nvSpPr>
+          <p:cNvPr id="2" name="Title 1"/>
+          <p:cNvSpPr>
+            <a:spLocks noGrp="1"/>
+          </p:cNvSpPr>
+          <p:nvPr>
+            <p:ph type="title"/>
+          </p:nvPr>
+        </p:nvSpPr>
+        <p:spPr/>
+        <p:txBody>
+          <a:bodyPr/>
+          <a:lstStyle/>
+          <a:p>
+            <a:r>
+              <a:rPr lang="en-US" dirty="0" smtClean="0"/>
               <a:t>Results</a:t>
             </a:r>
             <a:endParaRPr lang="en-US" dirty="0"/>
@@ -4539,7 +4716,7 @@
 </p:sld>
 </file>
 
-<file path=ppt/slides/slide16.xml><?xml version="1.0" encoding="utf-8"?>
+<file path=ppt/slides/slide17.xml><?xml version="1.0" encoding="utf-8"?>
 <p:sld xmlns:a="http://schemas.openxmlformats.org/drawingml/2006/main" xmlns:r="http://schemas.openxmlformats.org/officeDocument/2006/relationships" xmlns:p="http://schemas.openxmlformats.org/presentationml/2006/main">
   <p:cSld>
     <p:spTree>
@@ -5715,10 +5892,9 @@
           <a:p>
             <a:pPr lvl="1"/>
             <a:r>
-              <a:rPr lang="en-US" smtClean="0"/>
+              <a:rPr lang="en-US" dirty="0" smtClean="0"/>
               <a:t>This took over 5 days to collect as you can only have 10,000 requests/day</a:t>
             </a:r>
-            <a:endParaRPr lang="en-US" dirty="0" smtClean="0"/>
           </a:p>
           <a:p>
             <a:pPr lvl="1"/>
@@ -5729,36 +5905,6 @@
           </a:p>
         </p:txBody>
       </p:sp>
-      <p:pic>
-        <p:nvPicPr>
-          <p:cNvPr id="3" name="Picture 2"/>
-          <p:cNvPicPr>
-            <a:picLocks noChangeAspect="1"/>
-          </p:cNvPicPr>
-          <p:nvPr/>
-        </p:nvPicPr>
-        <p:blipFill>
-          <a:blip r:embed="rId2">
-            <a:extLst>
-              <a:ext uri="{28A0092B-C50C-407E-A947-70E740481C1C}">
-                <a14:useLocalDpi xmlns:a14="http://schemas.microsoft.com/office/drawing/2010/main" val="0"/>
-              </a:ext>
-            </a:extLst>
-          </a:blip>
-          <a:stretch>
-            <a:fillRect/>
-          </a:stretch>
-        </p:blipFill>
-        <p:spPr>
-          <a:xfrm>
-            <a:off x="4910328" y="1553792"/>
-            <a:ext cx="6665396" cy="3845522"/>
-          </a:xfrm>
-          <a:prstGeom prst="rect">
-            <a:avLst/>
-          </a:prstGeom>
-        </p:spPr>
-      </p:pic>
     </p:spTree>
     <p:extLst>
       <p:ext uri="{BB962C8B-B14F-4D97-AF65-F5344CB8AC3E}">
@@ -5808,8 +5954,8 @@
         </p:nvSpPr>
         <p:spPr>
           <a:xfrm>
-            <a:off x="1158239" y="217714"/>
-            <a:ext cx="9875520" cy="1356360"/>
+            <a:off x="411480" y="484632"/>
+            <a:ext cx="10716768" cy="1609344"/>
           </a:xfrm>
         </p:spPr>
         <p:txBody>
@@ -5818,46 +5964,76 @@
           <a:p>
             <a:r>
               <a:rPr lang="en-US" dirty="0" smtClean="0"/>
-              <a:t>Directory Structure</a:t>
-            </a:r>
+              <a:t>Story of the Data: Holiday </a:t>
+            </a:r>
+            <a:br>
+              <a:rPr lang="en-US" dirty="0" smtClean="0"/>
+            </a:br>
             <a:endParaRPr lang="en-US" dirty="0"/>
           </a:p>
         </p:txBody>
       </p:sp>
-      <p:pic>
-        <p:nvPicPr>
-          <p:cNvPr id="3" name="Picture 2"/>
-          <p:cNvPicPr>
-            <a:picLocks noChangeAspect="1"/>
-          </p:cNvPicPr>
-          <p:nvPr/>
-        </p:nvPicPr>
-        <p:blipFill>
-          <a:blip r:embed="rId2">
-            <a:extLst>
-              <a:ext uri="{28A0092B-C50C-407E-A947-70E740481C1C}">
-                <a14:useLocalDpi xmlns:a14="http://schemas.microsoft.com/office/drawing/2010/main" val="0"/>
-              </a:ext>
-            </a:extLst>
-          </a:blip>
-          <a:stretch>
-            <a:fillRect/>
-          </a:stretch>
-        </p:blipFill>
+      <p:sp>
+        <p:nvSpPr>
+          <p:cNvPr id="5" name="Content Placeholder 4"/>
+          <p:cNvSpPr>
+            <a:spLocks noGrp="1"/>
+          </p:cNvSpPr>
+          <p:nvPr>
+            <p:ph idx="1"/>
+          </p:nvPr>
+        </p:nvSpPr>
         <p:spPr>
           <a:xfrm>
-            <a:off x="999611" y="1344900"/>
-            <a:ext cx="10192775" cy="3886957"/>
+            <a:off x="411480" y="1553792"/>
+            <a:ext cx="4498848" cy="4050792"/>
           </a:xfrm>
-          <a:prstGeom prst="rect">
-            <a:avLst/>
-          </a:prstGeom>
         </p:spPr>
-      </p:pic>
+        <p:txBody>
+          <a:bodyPr>
+            <a:normAutofit/>
+          </a:bodyPr>
+          <a:lstStyle/>
+          <a:p>
+            <a:pPr marL="502920" indent="-457200">
+              <a:buFont typeface="+mj-lt"/>
+              <a:buAutoNum type="arabicPeriod"/>
+            </a:pPr>
+            <a:r>
+              <a:rPr lang="en-US" sz="2400" dirty="0" smtClean="0"/>
+              <a:t>Computed </a:t>
+            </a:r>
+            <a:r>
+              <a:rPr lang="en-US" sz="2400" dirty="0" smtClean="0"/>
+              <a:t>Holiday parameter and added to CSV file</a:t>
+            </a:r>
+            <a:r>
+              <a:rPr lang="en-US" sz="2400" dirty="0" smtClean="0"/>
+              <a:t>.</a:t>
+            </a:r>
+          </a:p>
+          <a:p>
+            <a:pPr lvl="1"/>
+            <a:r>
+              <a:rPr lang="en-US" dirty="0" smtClean="0">
+                <a:solidFill>
+                  <a:srgbClr val="FF0000"/>
+                </a:solidFill>
+              </a:rPr>
+              <a:t>Add something here</a:t>
+            </a:r>
+            <a:endParaRPr lang="en-US" dirty="0" smtClean="0">
+              <a:solidFill>
+                <a:srgbClr val="FF0000"/>
+              </a:solidFill>
+            </a:endParaRPr>
+          </a:p>
+        </p:txBody>
+      </p:sp>
     </p:spTree>
     <p:extLst>
       <p:ext uri="{BB962C8B-B14F-4D97-AF65-F5344CB8AC3E}">
-        <p14:creationId xmlns:p14="http://schemas.microsoft.com/office/powerpoint/2010/main" val="1113911646"/>
+        <p14:creationId xmlns:p14="http://schemas.microsoft.com/office/powerpoint/2010/main" val="1581306419"/>
       </p:ext>
     </p:extLst>
   </p:cSld>

--- a/docs/Final Presentation_FlightDelay.pptx
+++ b/docs/Final Presentation_FlightDelay.pptx
@@ -4699,7 +4699,11 @@
           <a:bodyPr/>
           <a:lstStyle/>
           <a:p>
-            <a:endParaRPr lang="en-US"/>
+            <a:r>
+              <a:rPr lang="en-US" dirty="0" smtClean="0"/>
+              <a:t>Accuracy's is around 66%</a:t>
+            </a:r>
+            <a:endParaRPr lang="en-US" dirty="0"/>
           </a:p>
         </p:txBody>
       </p:sp>
@@ -4844,7 +4848,6 @@
               <a:rPr lang="en-US" dirty="0" smtClean="0"/>
               <a:t>weather or not their flight will be delayed by more than 5 minutes. </a:t>
             </a:r>
-            <a:endParaRPr lang="en-US" dirty="0" smtClean="0"/>
           </a:p>
           <a:p>
             <a:r>
@@ -4949,11 +4952,7 @@
             <a:pPr marL="342900" indent="-342900"/>
             <a:r>
               <a:rPr lang="en-US" dirty="0" smtClean="0"/>
-              <a:t>To create a model that predicts flight </a:t>
-            </a:r>
-            <a:r>
-              <a:rPr lang="en-US" dirty="0" smtClean="0"/>
-              <a:t>delay ties</a:t>
+              <a:t>To create a model that predicts flight delay ties</a:t>
             </a:r>
             <a:endParaRPr lang="en-US" dirty="0"/>
           </a:p>
@@ -5298,11 +5297,7 @@
             </a:r>
             <a:r>
               <a:rPr lang="en-US" dirty="0" smtClean="0"/>
-              <a:t>to the model</a:t>
-            </a:r>
-            <a:r>
-              <a:rPr lang="en-US" dirty="0" smtClean="0"/>
-              <a:t>: </a:t>
+              <a:t>to the model: </a:t>
             </a:r>
             <a:r>
               <a:rPr lang="en-US" dirty="0"/>
@@ -5326,15 +5321,7 @@
             </a:r>
             <a:r>
               <a:rPr lang="en-US" i="1" dirty="0" smtClean="0"/>
-              <a:t>(</a:t>
-            </a:r>
-            <a:r>
-              <a:rPr lang="en-US" i="1" dirty="0" smtClean="0"/>
-              <a:t>mm</a:t>
-            </a:r>
-            <a:r>
-              <a:rPr lang="en-US" i="1" dirty="0" smtClean="0"/>
-              <a:t>), </a:t>
+              <a:t>(mm), </a:t>
             </a:r>
             <a:r>
               <a:rPr lang="en-US" i="1" dirty="0"/>
@@ -5350,15 +5337,7 @@
             </a:r>
             <a:r>
               <a:rPr lang="en-US" i="1" dirty="0" smtClean="0"/>
-              <a:t>(</a:t>
-            </a:r>
-            <a:r>
-              <a:rPr lang="en-US" i="1" dirty="0" smtClean="0"/>
-              <a:t>mm</a:t>
-            </a:r>
-            <a:r>
-              <a:rPr lang="en-US" i="1" dirty="0" smtClean="0"/>
-              <a:t>), </a:t>
+              <a:t>(mm), </a:t>
             </a:r>
             <a:r>
               <a:rPr lang="en-US" i="1" dirty="0"/>
@@ -5370,11 +5349,7 @@
             </a:r>
             <a:r>
               <a:rPr lang="en-US" i="1" dirty="0"/>
-              <a:t>of mm), </a:t>
-            </a:r>
-            <a:r>
-              <a:rPr lang="en-US" i="1" dirty="0"/>
-              <a:t>Rain </a:t>
+              <a:t>of mm), Rain </a:t>
             </a:r>
             <a:r>
               <a:rPr lang="en-US" i="1" dirty="0" err="1"/>
@@ -5392,7 +5367,6 @@
               <a:rPr lang="en-US" i="1" dirty="0"/>
               <a:t>of mm)</a:t>
             </a:r>
-            <a:endParaRPr lang="en-US" i="1" dirty="0"/>
           </a:p>
           <a:p>
             <a:pPr lvl="1"/>
@@ -5525,15 +5499,7 @@
             </a:pPr>
             <a:r>
               <a:rPr lang="en-US" sz="2400" dirty="0" smtClean="0"/>
-              <a:t>Raw data has </a:t>
-            </a:r>
-            <a:r>
-              <a:rPr lang="en-US" sz="2400" dirty="0" smtClean="0"/>
-              <a:t>34 </a:t>
-            </a:r>
-            <a:r>
-              <a:rPr lang="en-US" sz="2400" dirty="0" smtClean="0"/>
-              <a:t>independent variables</a:t>
+              <a:t>Raw data has 34 independent variables</a:t>
             </a:r>
           </a:p>
           <a:p>
@@ -5553,11 +5519,7 @@
             </a:pPr>
             <a:r>
               <a:rPr lang="en-US" sz="2400" dirty="0" smtClean="0"/>
-              <a:t>Computed Holiday parameter and added to CSV file</a:t>
-            </a:r>
-            <a:r>
-              <a:rPr lang="en-US" sz="2400" dirty="0" smtClean="0"/>
-              <a:t>.</a:t>
+              <a:t>Computed Holiday parameter and added to CSV file.</a:t>
             </a:r>
           </a:p>
           <a:p>
@@ -5701,15 +5663,7 @@
             </a:pPr>
             <a:r>
               <a:rPr lang="en-US" sz="2400" dirty="0" smtClean="0"/>
-              <a:t>Raw data has </a:t>
-            </a:r>
-            <a:r>
-              <a:rPr lang="en-US" sz="2400" dirty="0" smtClean="0"/>
-              <a:t>34 </a:t>
-            </a:r>
-            <a:r>
-              <a:rPr lang="en-US" sz="2400" dirty="0" smtClean="0"/>
-              <a:t>independent variables</a:t>
+              <a:t>Raw data has 34 independent variables</a:t>
             </a:r>
           </a:p>
           <a:p>
@@ -5725,7 +5679,6 @@
               <a:rPr lang="en-US" dirty="0" smtClean="0"/>
               <a:t>Origin and Destination are represented as airport codes and this need to be changed to one’s hot encoding.</a:t>
             </a:r>
-            <a:endParaRPr lang="en-US" dirty="0" smtClean="0"/>
           </a:p>
         </p:txBody>
       </p:sp>
@@ -5855,15 +5808,7 @@
             </a:pPr>
             <a:r>
               <a:rPr lang="en-US" sz="2400" dirty="0" smtClean="0"/>
-              <a:t>Fetched </a:t>
-            </a:r>
-            <a:r>
-              <a:rPr lang="en-US" sz="2400" dirty="0" smtClean="0"/>
-              <a:t>weather data from API added to CSV </a:t>
-            </a:r>
-            <a:r>
-              <a:rPr lang="en-US" sz="2400" dirty="0" smtClean="0"/>
-              <a:t>file</a:t>
+              <a:t>Fetched weather data from API added to CSV file</a:t>
             </a:r>
           </a:p>
           <a:p>
@@ -6001,15 +5946,7 @@
             </a:pPr>
             <a:r>
               <a:rPr lang="en-US" sz="2400" dirty="0" smtClean="0"/>
-              <a:t>Computed </a:t>
-            </a:r>
-            <a:r>
-              <a:rPr lang="en-US" sz="2400" dirty="0" smtClean="0"/>
-              <a:t>Holiday parameter and added to CSV file</a:t>
-            </a:r>
-            <a:r>
-              <a:rPr lang="en-US" sz="2400" dirty="0" smtClean="0"/>
-              <a:t>.</a:t>
+              <a:t>Computed Holiday parameter and added to CSV file.</a:t>
             </a:r>
           </a:p>
           <a:p>
@@ -6022,11 +5959,6 @@
               </a:rPr>
               <a:t>Add something here</a:t>
             </a:r>
-            <a:endParaRPr lang="en-US" dirty="0" smtClean="0">
-              <a:solidFill>
-                <a:srgbClr val="FF0000"/>
-              </a:solidFill>
-            </a:endParaRPr>
           </a:p>
         </p:txBody>
       </p:sp>

--- a/docs/Final Presentation_FlightDelay.pptx
+++ b/docs/Final Presentation_FlightDelay.pptx
@@ -19,7 +19,7 @@
     <p:sldId id="279" r:id="rId10"/>
     <p:sldId id="280" r:id="rId11"/>
     <p:sldId id="272" r:id="rId12"/>
-    <p:sldId id="268" r:id="rId13"/>
+    <p:sldId id="281" r:id="rId13"/>
     <p:sldId id="265" r:id="rId14"/>
     <p:sldId id="267" r:id="rId15"/>
     <p:sldId id="262" r:id="rId16"/>
@@ -224,7 +224,7 @@
           <a:p>
             <a:fld id="{B55B38A0-98C5-4D41-A79A-1589D012DDFB}" type="datetimeFigureOut">
               <a:rPr lang="en-US" smtClean="0"/>
-              <a:t>4/21/17</a:t>
+              <a:t>4/21/2017</a:t>
             </a:fld>
             <a:endParaRPr lang="en-US"/>
           </a:p>
@@ -688,7 +688,7 @@
           <a:p>
             <a:fld id="{83284890-85D2-4D7B-8EF5-15A9C1DB8F42}" type="datetimeFigureOut">
               <a:rPr lang="en-US" smtClean="0"/>
-              <a:t>4/21/17</a:t>
+              <a:t>4/21/2017</a:t>
             </a:fld>
             <a:endParaRPr lang="en-US"/>
           </a:p>
@@ -910,7 +910,7 @@
           <a:p>
             <a:fld id="{87157CC2-0FC8-4686-B024-99790E0F5162}" type="datetimeFigureOut">
               <a:rPr lang="en-US" smtClean="0"/>
-              <a:t>4/21/17</a:t>
+              <a:t>4/21/2017</a:t>
             </a:fld>
             <a:endParaRPr lang="en-US"/>
           </a:p>
@@ -1090,7 +1090,7 @@
           <a:p>
             <a:fld id="{F6764DA5-CD3D-4590-A511-FCD3BC7A793E}" type="datetimeFigureOut">
               <a:rPr lang="en-US" smtClean="0"/>
-              <a:t>4/21/17</a:t>
+              <a:t>4/21/2017</a:t>
             </a:fld>
             <a:endParaRPr lang="en-US"/>
           </a:p>
@@ -1260,7 +1260,7 @@
           <a:p>
             <a:fld id="{82F5661D-6934-4B32-B92C-470368BF1EC6}" type="datetimeFigureOut">
               <a:rPr lang="en-US" smtClean="0"/>
-              <a:t>4/21/17</a:t>
+              <a:t>4/21/2017</a:t>
             </a:fld>
             <a:endParaRPr lang="en-US"/>
           </a:p>
@@ -1511,7 +1511,7 @@
           <a:p>
             <a:fld id="{C6F822A4-8DA6-4447-9B1F-C5DB58435268}" type="datetimeFigureOut">
               <a:rPr lang="en-US" smtClean="0"/>
-              <a:t>4/21/17</a:t>
+              <a:t>4/21/2017</a:t>
             </a:fld>
             <a:endParaRPr lang="en-US" dirty="0"/>
           </a:p>
@@ -1835,7 +1835,7 @@
           <a:p>
             <a:fld id="{E548D31E-DCDA-41A7-9C67-C4B11B94D21D}" type="datetimeFigureOut">
               <a:rPr lang="en-US" smtClean="0"/>
-              <a:t>4/21/17</a:t>
+              <a:t>4/21/2017</a:t>
             </a:fld>
             <a:endParaRPr lang="en-US"/>
           </a:p>
@@ -2259,7 +2259,7 @@
           <a:p>
             <a:fld id="{9B3762C0-B258-48F1-ADE6-176B4174CCDD}" type="datetimeFigureOut">
               <a:rPr lang="en-US" smtClean="0"/>
-              <a:t>4/21/17</a:t>
+              <a:t>4/21/2017</a:t>
             </a:fld>
             <a:endParaRPr lang="en-US"/>
           </a:p>
@@ -2377,7 +2377,7 @@
           <a:p>
             <a:fld id="{677919A6-33EB-49BD-A62F-1FA56B9F9712}" type="datetimeFigureOut">
               <a:rPr lang="en-US" smtClean="0"/>
-              <a:t>4/21/17</a:t>
+              <a:t>4/21/2017</a:t>
             </a:fld>
             <a:endParaRPr lang="en-US"/>
           </a:p>
@@ -2472,7 +2472,7 @@
           <a:p>
             <a:fld id="{CA4E7D1B-D673-4CF6-8672-009D42ABD2A0}" type="datetimeFigureOut">
               <a:rPr lang="en-US" smtClean="0"/>
-              <a:t>4/21/17</a:t>
+              <a:t>4/21/2017</a:t>
             </a:fld>
             <a:endParaRPr lang="en-US"/>
           </a:p>
@@ -2762,7 +2762,7 @@
           <a:p>
             <a:fld id="{DA16AA21-1863-4931-97CB-99D0A168701B}" type="datetimeFigureOut">
               <a:rPr lang="en-US" smtClean="0"/>
-              <a:t>4/21/17</a:t>
+              <a:t>4/21/2017</a:t>
             </a:fld>
             <a:endParaRPr lang="en-US"/>
           </a:p>
@@ -3034,7 +3034,7 @@
           <a:p>
             <a:fld id="{3772C379-9A7C-4C87-A116-CBE9F58B04C5}" type="datetimeFigureOut">
               <a:rPr lang="en-US" smtClean="0"/>
-              <a:t>4/21/17</a:t>
+              <a:t>4/21/2017</a:t>
             </a:fld>
             <a:endParaRPr lang="en-US"/>
           </a:p>
@@ -3287,7 +3287,7 @@
           <a:p>
             <a:fld id="{8664C608-40B1-4030-A28D-5B74BC98ADCE}" type="datetimeFigureOut">
               <a:rPr lang="en-US" smtClean="0"/>
-              <a:t>4/21/17</a:t>
+              <a:t>4/21/2017</a:t>
             </a:fld>
             <a:endParaRPr lang="en-US" dirty="0"/>
           </a:p>
@@ -4157,19 +4157,14 @@
             <p:ph type="title"/>
           </p:nvPr>
         </p:nvSpPr>
-        <p:spPr>
-          <a:xfrm>
-            <a:off x="482994" y="457338"/>
-            <a:ext cx="10058400" cy="1609344"/>
-          </a:xfrm>
-        </p:spPr>
+        <p:spPr/>
         <p:txBody>
           <a:bodyPr/>
           <a:lstStyle/>
           <a:p>
             <a:r>
               <a:rPr lang="en-US" dirty="0" smtClean="0"/>
-              <a:t>Principle Component Analysis</a:t>
+              <a:t>What are Neural Networks ?</a:t>
             </a:r>
             <a:endParaRPr lang="en-US" dirty="0"/>
           </a:p>
@@ -4185,74 +4180,25 @@
             <p:ph idx="1"/>
           </p:nvPr>
         </p:nvSpPr>
-        <p:spPr>
-          <a:xfrm>
-            <a:off x="996695" y="2624260"/>
-            <a:ext cx="9170561" cy="2753283"/>
-          </a:xfrm>
-        </p:spPr>
-        <p:txBody>
-          <a:bodyPr>
-            <a:normAutofit/>
-          </a:bodyPr>
-          <a:lstStyle/>
-          <a:p>
-            <a:pPr marL="45720" indent="0">
-              <a:buNone/>
-            </a:pPr>
-            <a:r>
-              <a:rPr lang="en-US" b="1" dirty="0" smtClean="0">
-                <a:solidFill>
-                  <a:srgbClr val="FF0000"/>
-                </a:solidFill>
-              </a:rPr>
-              <a:t>Have we done PCA in our model???????? Add details if yes else this slide can be  deleted</a:t>
-            </a:r>
-          </a:p>
-          <a:p>
-            <a:r>
-              <a:rPr lang="en-US" dirty="0" smtClean="0"/>
-              <a:t>PCA is used for Dimensionality Reduction.</a:t>
-            </a:r>
-            <a:endParaRPr lang="en-US" dirty="0" smtClean="0">
-              <a:solidFill>
-                <a:srgbClr val="FF0000"/>
-              </a:solidFill>
-            </a:endParaRPr>
-          </a:p>
-          <a:p>
-            <a:r>
-              <a:rPr lang="en-US" dirty="0" smtClean="0"/>
-              <a:t> </a:t>
-            </a:r>
-            <a:r>
-              <a:rPr lang="en-US" dirty="0" err="1" smtClean="0"/>
-              <a:t>Logloss</a:t>
-            </a:r>
-            <a:r>
-              <a:rPr lang="en-US" dirty="0" smtClean="0"/>
-              <a:t> curve as a measure of no. of principal components.</a:t>
-            </a:r>
+        <p:spPr/>
+        <p:txBody>
+          <a:bodyPr/>
+          <a:lstStyle/>
+          <a:p>
+            <a:endParaRPr lang="en-US"/>
           </a:p>
         </p:txBody>
       </p:sp>
     </p:spTree>
     <p:extLst>
       <p:ext uri="{BB962C8B-B14F-4D97-AF65-F5344CB8AC3E}">
-        <p14:creationId xmlns:p14="http://schemas.microsoft.com/office/powerpoint/2010/main" val="1092102366"/>
+        <p14:creationId xmlns:p14="http://schemas.microsoft.com/office/powerpoint/2010/main" val="464870505"/>
       </p:ext>
     </p:extLst>
   </p:cSld>
   <p:clrMapOvr>
     <a:masterClrMapping/>
   </p:clrMapOvr>
-  <p:timing>
-    <p:tnLst>
-      <p:par>
-        <p:cTn id="1" dur="indefinite" restart="never" nodeType="tmRoot"/>
-      </p:par>
-    </p:tnLst>
-  </p:timing>
 </p:sld>
 </file>
 
@@ -4290,7 +4236,7 @@
           <a:p>
             <a:r>
               <a:rPr lang="en-US" dirty="0" smtClean="0"/>
-              <a:t>Train algorithm</a:t>
+              <a:t>Model details</a:t>
             </a:r>
             <a:endParaRPr lang="en-US" dirty="0"/>
           </a:p>
@@ -4309,53 +4255,83 @@
         <p:spPr>
           <a:xfrm>
             <a:off x="1069848" y="2121408"/>
-            <a:ext cx="4398264" cy="4050792"/>
+            <a:ext cx="9948672" cy="4050792"/>
           </a:xfrm>
         </p:spPr>
         <p:txBody>
           <a:bodyPr/>
           <a:lstStyle/>
           <a:p>
-            <a:r>
-              <a:rPr lang="en-US" b="1" dirty="0" smtClean="0">
-                <a:solidFill>
-                  <a:srgbClr val="FF0000"/>
-                </a:solidFill>
-              </a:rPr>
-              <a:t>Neural net Algorithm and its explanation with pseudo code</a:t>
-            </a:r>
-            <a:endParaRPr lang="en-US" b="1" dirty="0">
-              <a:solidFill>
-                <a:srgbClr val="FF0000"/>
-              </a:solidFill>
-            </a:endParaRPr>
-          </a:p>
-        </p:txBody>
-      </p:sp>
-      <p:pic>
-        <p:nvPicPr>
-          <p:cNvPr id="4" name="Picture 3"/>
-          <p:cNvPicPr>
-            <a:picLocks noChangeAspect="1"/>
-          </p:cNvPicPr>
-          <p:nvPr/>
-        </p:nvPicPr>
-        <p:blipFill>
-          <a:blip r:embed="rId2"/>
-          <a:stretch>
-            <a:fillRect/>
-          </a:stretch>
-        </p:blipFill>
-        <p:spPr>
-          <a:xfrm>
-            <a:off x="6001321" y="2121408"/>
-            <a:ext cx="5419725" cy="2171700"/>
-          </a:xfrm>
-          <a:prstGeom prst="rect">
-            <a:avLst/>
-          </a:prstGeom>
-        </p:spPr>
-      </p:pic>
+            <a:pPr marL="502920" indent="-457200">
+              <a:buFont typeface="+mj-lt"/>
+              <a:buAutoNum type="arabicPeriod"/>
+            </a:pPr>
+            <a:r>
+              <a:rPr lang="en-US" sz="2400" dirty="0"/>
+              <a:t>Split the data into 70% training data and 30% test </a:t>
+            </a:r>
+            <a:r>
+              <a:rPr lang="en-US" sz="2400" dirty="0" smtClean="0"/>
+              <a:t>data</a:t>
+            </a:r>
+          </a:p>
+          <a:p>
+            <a:pPr marL="502920" indent="-457200">
+              <a:buFont typeface="+mj-lt"/>
+              <a:buAutoNum type="arabicPeriod"/>
+            </a:pPr>
+            <a:r>
+              <a:rPr lang="en-US" sz="2400" dirty="0"/>
+              <a:t>Built a Classification model using NN</a:t>
+            </a:r>
+            <a:endParaRPr lang="en-US" sz="2400" dirty="0"/>
+          </a:p>
+          <a:p>
+            <a:pPr marL="502920" indent="-457200">
+              <a:buFont typeface="+mj-lt"/>
+              <a:buAutoNum type="arabicPeriod"/>
+            </a:pPr>
+            <a:r>
+              <a:rPr lang="en-US" sz="2400" dirty="0" smtClean="0"/>
+              <a:t>Number of layers and number of nodes in each layer</a:t>
+            </a:r>
+          </a:p>
+          <a:p>
+            <a:pPr lvl="2"/>
+            <a:r>
+              <a:rPr lang="en-US" dirty="0" smtClean="0"/>
+              <a:t>Input Layer: 105(number of inputs to the NN)</a:t>
+            </a:r>
+          </a:p>
+          <a:p>
+            <a:pPr lvl="2"/>
+            <a:r>
+              <a:rPr lang="en-US" dirty="0" smtClean="0"/>
+              <a:t>Hidden Layer 1: 25 nodes</a:t>
+            </a:r>
+          </a:p>
+          <a:p>
+            <a:pPr lvl="2"/>
+            <a:r>
+              <a:rPr lang="en-US" dirty="0" smtClean="0"/>
+              <a:t>Hidden Layer 2: 20 nodes</a:t>
+            </a:r>
+          </a:p>
+          <a:p>
+            <a:pPr lvl="2"/>
+            <a:r>
+              <a:rPr lang="en-US" dirty="0" smtClean="0"/>
+              <a:t>Output Layer: 6 nodes</a:t>
+            </a:r>
+          </a:p>
+          <a:p>
+            <a:pPr marL="45720" indent="0">
+              <a:buNone/>
+            </a:pPr>
+            <a:endParaRPr lang="en-US" sz="2400" dirty="0" smtClean="0"/>
+          </a:p>
+        </p:txBody>
+      </p:sp>
     </p:spTree>
     <p:extLst>
       <p:ext uri="{BB962C8B-B14F-4D97-AF65-F5344CB8AC3E}">
@@ -4546,20 +4522,45 @@
             </a:pPr>
             <a:r>
               <a:rPr lang="en-US" sz="2800" dirty="0"/>
-              <a:t>Split a data Set  and calculate the Percentage accuracy of </a:t>
-            </a:r>
-            <a:r>
-              <a:rPr lang="en-US" sz="2800"/>
+              <a:t>Split </a:t>
+            </a:r>
+            <a:r>
+              <a:rPr lang="en-US" sz="2800" dirty="0" smtClean="0"/>
               <a:t>the </a:t>
             </a:r>
             <a:r>
-              <a:rPr lang="en-US" sz="2800" smtClean="0"/>
+              <a:rPr lang="en-US" sz="2800" dirty="0"/>
+              <a:t>data </a:t>
+            </a:r>
+            <a:r>
+              <a:rPr lang="en-US" sz="2800" dirty="0" smtClean="0"/>
+              <a:t>Set </a:t>
+            </a:r>
+            <a:r>
+              <a:rPr lang="en-US" sz="2800" dirty="0"/>
+              <a:t>and calculate the Percentage accuracy of the </a:t>
+            </a:r>
+            <a:r>
+              <a:rPr lang="en-US" sz="2800" dirty="0" smtClean="0"/>
               <a:t>predictive </a:t>
             </a:r>
             <a:r>
               <a:rPr lang="en-US" sz="2800" dirty="0" smtClean="0"/>
               <a:t>model</a:t>
             </a:r>
+          </a:p>
+          <a:p>
+            <a:pPr marL="285750" lvl="1">
+              <a:spcBef>
+                <a:spcPts val="0"/>
+              </a:spcBef>
+              <a:spcAft>
+                <a:spcPts val="0"/>
+              </a:spcAft>
+              <a:buClrTx/>
+              <a:buSzTx/>
+            </a:pPr>
+            <a:endParaRPr lang="en-US" sz="2800" dirty="0" smtClean="0"/>
           </a:p>
           <a:p>
             <a:pPr marL="285750" lvl="1">
@@ -4846,7 +4847,7 @@
             </a:r>
             <a:r>
               <a:rPr lang="en-US" dirty="0" smtClean="0"/>
-              <a:t>weather or not their flight will be delayed by more than 5 minutes. </a:t>
+              <a:t>whether or not their flight will be delayed by more than 5 minutes. </a:t>
             </a:r>
           </a:p>
           <a:p>
@@ -4866,14 +4867,26 @@
             <a:pPr lvl="1"/>
             <a:r>
               <a:rPr lang="en-US" dirty="0"/>
-              <a:t>It will help the airline in arranging connecting flights</a:t>
+              <a:t>H</a:t>
+            </a:r>
+            <a:r>
+              <a:rPr lang="en-US" dirty="0" smtClean="0"/>
+              <a:t>elp </a:t>
+            </a:r>
+            <a:r>
+              <a:rPr lang="en-US" dirty="0"/>
+              <a:t>the airline in arranging connecting flights</a:t>
             </a:r>
           </a:p>
           <a:p>
             <a:pPr lvl="1"/>
             <a:r>
+              <a:rPr lang="en-US" dirty="0" smtClean="0"/>
+              <a:t>Help the </a:t>
+            </a:r>
+            <a:r>
               <a:rPr lang="en-US" dirty="0"/>
-              <a:t>It will help the airlines to make dynamic roster of flight crew</a:t>
+              <a:t>airlines to make dynamic roster of flight crew</a:t>
             </a:r>
           </a:p>
           <a:p>
@@ -4952,7 +4965,7 @@
             <a:pPr marL="342900" indent="-342900"/>
             <a:r>
               <a:rPr lang="en-US" dirty="0" smtClean="0"/>
-              <a:t>To create a model that predicts flight delay ties</a:t>
+              <a:t>To create a model that predicts flight delay times</a:t>
             </a:r>
             <a:endParaRPr lang="en-US" dirty="0"/>
           </a:p>
@@ -5138,8 +5151,20 @@
             <a:pPr lvl="1"/>
             <a:r>
               <a:rPr lang="en-US" dirty="0"/>
-              <a:t>This data is for the years 1987 to 2008 and amounts to roughly 12GB (49 million records)</a:t>
-            </a:r>
+              <a:t>This data is for the years 1987 to 2008 and amounts to roughly 12GB (49 million records</a:t>
+            </a:r>
+            <a:r>
+              <a:rPr lang="en-US" dirty="0" smtClean="0"/>
+              <a:t>)</a:t>
+            </a:r>
+          </a:p>
+          <a:p>
+            <a:pPr lvl="1"/>
+            <a:r>
+              <a:rPr lang="en-US" dirty="0" smtClean="0"/>
+              <a:t>Used data for the year 2008 to design the model (7 million records)</a:t>
+            </a:r>
+            <a:endParaRPr lang="en-US" dirty="0"/>
           </a:p>
           <a:p>
             <a:r>
@@ -5167,15 +5192,7 @@
             </a:r>
             <a:r>
               <a:rPr lang="en-US" dirty="0" smtClean="0"/>
-              <a:t>Data- </a:t>
-            </a:r>
-            <a:r>
-              <a:rPr lang="en-US" dirty="0"/>
-              <a:t>C</a:t>
-            </a:r>
-            <a:r>
-              <a:rPr lang="en-US" dirty="0" smtClean="0"/>
-              <a:t>ompute this data column</a:t>
+              <a:t>Data- Computed this data column</a:t>
             </a:r>
             <a:endParaRPr lang="en-US" dirty="0"/>
           </a:p>
@@ -5260,22 +5277,30 @@
           <a:p>
             <a:pPr lvl="1"/>
             <a:r>
+              <a:rPr lang="en-US" dirty="0" smtClean="0"/>
+              <a:t>Removed </a:t>
+            </a:r>
+            <a:r>
               <a:rPr lang="en-US" dirty="0"/>
-              <a:t>Removal of unwanted data</a:t>
+              <a:t>of unwanted data</a:t>
             </a:r>
           </a:p>
           <a:p>
             <a:pPr lvl="1"/>
             <a:r>
               <a:rPr lang="en-US" dirty="0" smtClean="0"/>
-              <a:t>One-hot encoding for string values, to feed the model</a:t>
+              <a:t>Encoded for string values using one-hot encoding, to feed the model</a:t>
             </a:r>
             <a:endParaRPr lang="en-US" dirty="0"/>
           </a:p>
           <a:p>
             <a:r>
+              <a:rPr lang="en-US" dirty="0" smtClean="0"/>
+              <a:t>Created </a:t>
+            </a:r>
+            <a:r>
               <a:rPr lang="en-US" dirty="0"/>
-              <a:t>Create a function to add holiday and weather data to current data set.</a:t>
+              <a:t>a function to add holiday and weather data to current data set.</a:t>
             </a:r>
           </a:p>
           <a:p>
@@ -5285,9 +5310,13 @@
             </a:r>
             <a:r>
               <a:rPr lang="en-US" dirty="0" smtClean="0"/>
-              <a:t>Model: Neural Net</a:t>
-            </a:r>
-            <a:endParaRPr lang="en-US" dirty="0"/>
+              <a:t>Model: </a:t>
+            </a:r>
+            <a:r>
+              <a:rPr lang="en-US" b="1" dirty="0" smtClean="0"/>
+              <a:t>Neural Net</a:t>
+            </a:r>
+            <a:endParaRPr lang="en-US" b="1" dirty="0"/>
           </a:p>
           <a:p>
             <a:pPr lvl="1"/>
@@ -5384,7 +5413,7 @@
             </a:r>
             <a:r>
               <a:rPr lang="en-US" dirty="0" smtClean="0"/>
-              <a:t>weather or your flight will be delayed by more than 5 </a:t>
+              <a:t>whether or not your flight will be delayed by more than 5 </a:t>
             </a:r>
             <a:r>
               <a:rPr lang="en-US" dirty="0" err="1" smtClean="0"/>
@@ -5394,8 +5423,12 @@
           </a:p>
           <a:p>
             <a:r>
+              <a:rPr lang="en-US" dirty="0" smtClean="0"/>
+              <a:t>Built a </a:t>
+            </a:r>
+            <a:r>
               <a:rPr lang="en-US" dirty="0"/>
-              <a:t>Build a simple UI so user does not have to manually enter flight data</a:t>
+              <a:t>simple UI so user does not have to manually enter flight data</a:t>
             </a:r>
           </a:p>
           <a:p>
@@ -5684,28 +5717,21 @@
       </p:sp>
       <p:pic>
         <p:nvPicPr>
-          <p:cNvPr id="3" name="Picture 2"/>
+          <p:cNvPr id="7" name="Picture 6"/>
           <p:cNvPicPr>
             <a:picLocks noChangeAspect="1"/>
           </p:cNvPicPr>
           <p:nvPr/>
         </p:nvPicPr>
-        <p:blipFill>
-          <a:blip r:embed="rId2">
-            <a:extLst>
-              <a:ext uri="{28A0092B-C50C-407E-A947-70E740481C1C}">
-                <a14:useLocalDpi xmlns:a14="http://schemas.microsoft.com/office/drawing/2010/main" val="0"/>
-              </a:ext>
-            </a:extLst>
-          </a:blip>
-          <a:stretch>
-            <a:fillRect/>
-          </a:stretch>
+        <p:blipFill rotWithShape="1">
+          <a:blip r:embed="rId2"/>
+          <a:srcRect r="2043"/>
+          <a:stretch/>
         </p:blipFill>
         <p:spPr>
           <a:xfrm>
-            <a:off x="4910328" y="1553792"/>
-            <a:ext cx="6665396" cy="3845522"/>
+            <a:off x="4818888" y="1553792"/>
+            <a:ext cx="7013448" cy="3235608"/>
           </a:xfrm>
           <a:prstGeom prst="rect">
             <a:avLst/>
@@ -5850,6 +5876,29 @@
           </a:p>
         </p:txBody>
       </p:sp>
+      <p:pic>
+        <p:nvPicPr>
+          <p:cNvPr id="3" name="Picture 2"/>
+          <p:cNvPicPr>
+            <a:picLocks noChangeAspect="1"/>
+          </p:cNvPicPr>
+          <p:nvPr/>
+        </p:nvPicPr>
+        <p:blipFill rotWithShape="1">
+          <a:blip r:embed="rId2"/>
+          <a:srcRect b="23422"/>
+          <a:stretch/>
+        </p:blipFill>
+        <p:spPr>
+          <a:xfrm>
+            <a:off x="7223379" y="1553792"/>
+            <a:ext cx="3067050" cy="4230550"/>
+          </a:xfrm>
+          <a:prstGeom prst="rect">
+            <a:avLst/>
+          </a:prstGeom>
+        </p:spPr>
+      </p:pic>
     </p:spTree>
     <p:extLst>
       <p:ext uri="{BB962C8B-B14F-4D97-AF65-F5344CB8AC3E}">
@@ -5952,16 +6001,99 @@
           <a:p>
             <a:pPr lvl="1"/>
             <a:r>
-              <a:rPr lang="en-US" dirty="0" smtClean="0">
-                <a:solidFill>
-                  <a:srgbClr val="FF0000"/>
-                </a:solidFill>
-              </a:rPr>
-              <a:t>Add something here</a:t>
-            </a:r>
-          </a:p>
-        </p:txBody>
-      </p:sp>
+              <a:rPr lang="en-US" sz="1800" dirty="0"/>
+              <a:t>C</a:t>
+            </a:r>
+            <a:r>
+              <a:rPr lang="en-US" sz="1800" dirty="0" smtClean="0"/>
+              <a:t>reated </a:t>
+            </a:r>
+            <a:r>
+              <a:rPr lang="en-US" sz="1800" dirty="0"/>
+              <a:t>a </a:t>
+            </a:r>
+            <a:r>
+              <a:rPr lang="en-US" sz="1800" dirty="0" smtClean="0"/>
+              <a:t>function, using </a:t>
+            </a:r>
+            <a:r>
+              <a:rPr lang="en-US" sz="1800" dirty="0" err="1" smtClean="0"/>
+              <a:t>Joda</a:t>
+            </a:r>
+            <a:r>
+              <a:rPr lang="en-US" sz="1800" dirty="0" smtClean="0"/>
+              <a:t>-Time, to classify any given day as a regular weekday, weekend, long weekend or a major US Holiday</a:t>
+            </a:r>
+          </a:p>
+          <a:p>
+            <a:pPr lvl="1"/>
+            <a:r>
+              <a:rPr lang="en-US" sz="1800" dirty="0" smtClean="0"/>
+              <a:t>Input to the function: Year, day and month from the original data</a:t>
+            </a:r>
+          </a:p>
+          <a:p>
+            <a:pPr lvl="1"/>
+            <a:r>
+              <a:rPr lang="en-US" sz="1800" dirty="0" smtClean="0"/>
+              <a:t>Output of the function: An integer-</a:t>
+            </a:r>
+            <a:endParaRPr lang="en-US" sz="1800" dirty="0"/>
+          </a:p>
+          <a:p>
+            <a:pPr lvl="2"/>
+            <a:r>
+              <a:rPr lang="en-US" sz="1600" dirty="0" smtClean="0"/>
+              <a:t>0- regular weekday</a:t>
+            </a:r>
+          </a:p>
+          <a:p>
+            <a:pPr lvl="2"/>
+            <a:r>
+              <a:rPr lang="en-US" sz="1600" dirty="0" smtClean="0"/>
+              <a:t>1- weekend</a:t>
+            </a:r>
+          </a:p>
+          <a:p>
+            <a:pPr lvl="2"/>
+            <a:r>
+              <a:rPr lang="en-US" sz="1600" dirty="0" smtClean="0"/>
+              <a:t>2- long weekend</a:t>
+            </a:r>
+          </a:p>
+          <a:p>
+            <a:pPr lvl="2"/>
+            <a:r>
+              <a:rPr lang="en-US" sz="1600" dirty="0" smtClean="0"/>
+              <a:t>3- major US Holiday</a:t>
+            </a:r>
+          </a:p>
+        </p:txBody>
+      </p:sp>
+      <p:pic>
+        <p:nvPicPr>
+          <p:cNvPr id="3" name="Picture 2"/>
+          <p:cNvPicPr>
+            <a:picLocks noChangeAspect="1"/>
+          </p:cNvPicPr>
+          <p:nvPr/>
+        </p:nvPicPr>
+        <p:blipFill>
+          <a:blip r:embed="rId2"/>
+          <a:stretch>
+            <a:fillRect/>
+          </a:stretch>
+        </p:blipFill>
+        <p:spPr>
+          <a:xfrm>
+            <a:off x="7220712" y="1721813"/>
+            <a:ext cx="2743200" cy="3714750"/>
+          </a:xfrm>
+          <a:prstGeom prst="rect">
+            <a:avLst/>
+          </a:prstGeom>
+        </p:spPr>
+      </p:pic>
     </p:spTree>
     <p:extLst>
       <p:ext uri="{BB962C8B-B14F-4D97-AF65-F5344CB8AC3E}">

--- a/docs/Final Presentation_FlightDelay.pptx
+++ b/docs/Final Presentation_FlightDelay.pptx
@@ -125,7 +125,7 @@
   </p:defaultTextStyle>
   <p:extLst>
     <p:ext uri="{EFAFB233-063F-42B5-8137-9DF3F51BA10A}">
-      <p15:sldGuideLst xmlns:p15="http://schemas.microsoft.com/office/powerpoint/2012/main">
+      <p15:sldGuideLst xmlns:p15="http://schemas.microsoft.com/office/powerpoint/2012/main" xmlns="">
         <p15:guide id="1" orient="horz" pos="2160">
           <p15:clr>
             <a:srgbClr val="A4A3A4"/>
@@ -224,6 +224,7 @@
           <a:p>
             <a:fld id="{B55B38A0-98C5-4D41-A79A-1589D012DDFB}" type="datetimeFigureOut">
               <a:rPr lang="en-US" smtClean="0"/>
+              <a:pPr/>
               <a:t>4/21/2017</a:t>
             </a:fld>
             <a:endParaRPr lang="en-US"/>
@@ -383,6 +384,7 @@
           <a:p>
             <a:fld id="{42D93067-47C0-E54F-8614-0A3697E584BB}" type="slidenum">
               <a:rPr lang="en-US" smtClean="0"/>
+              <a:pPr/>
               <a:t>‹#›</a:t>
             </a:fld>
             <a:endParaRPr lang="en-US"/>
@@ -392,7 +394,7 @@
     </p:spTree>
     <p:extLst>
       <p:ext uri="{BB962C8B-B14F-4D97-AF65-F5344CB8AC3E}">
-        <p14:creationId xmlns:p14="http://schemas.microsoft.com/office/powerpoint/2010/main" val="1742341603"/>
+        <p14:creationId xmlns:p14="http://schemas.microsoft.com/office/powerpoint/2010/main" xmlns="" val="1742341603"/>
       </p:ext>
     </p:extLst>
   </p:cSld>
@@ -688,6 +690,7 @@
           <a:p>
             <a:fld id="{83284890-85D2-4D7B-8EF5-15A9C1DB8F42}" type="datetimeFigureOut">
               <a:rPr lang="en-US" smtClean="0"/>
+              <a:pPr/>
               <a:t>4/21/2017</a:t>
             </a:fld>
             <a:endParaRPr lang="en-US"/>
@@ -791,7 +794,7 @@
     </p:spTree>
     <p:extLst>
       <p:ext uri="{BB962C8B-B14F-4D97-AF65-F5344CB8AC3E}">
-        <p14:creationId xmlns:p14="http://schemas.microsoft.com/office/powerpoint/2010/main" val="3892923416"/>
+        <p14:creationId xmlns:p14="http://schemas.microsoft.com/office/powerpoint/2010/main" xmlns="" val="3892923416"/>
       </p:ext>
     </p:extLst>
   </p:cSld>
@@ -910,6 +913,7 @@
           <a:p>
             <a:fld id="{87157CC2-0FC8-4686-B024-99790E0F5162}" type="datetimeFigureOut">
               <a:rPr lang="en-US" smtClean="0"/>
+              <a:pPr/>
               <a:t>4/21/2017</a:t>
             </a:fld>
             <a:endParaRPr lang="en-US"/>
@@ -952,6 +956,7 @@
           <a:p>
             <a:fld id="{4FAB73BC-B049-4115-A692-8D63A059BFB8}" type="slidenum">
               <a:rPr lang="en-US" smtClean="0"/>
+              <a:pPr/>
               <a:t>‹#›</a:t>
             </a:fld>
             <a:endParaRPr lang="en-US"/>
@@ -961,7 +966,7 @@
     </p:spTree>
     <p:extLst>
       <p:ext uri="{BB962C8B-B14F-4D97-AF65-F5344CB8AC3E}">
-        <p14:creationId xmlns:p14="http://schemas.microsoft.com/office/powerpoint/2010/main" val="906640776"/>
+        <p14:creationId xmlns:p14="http://schemas.microsoft.com/office/powerpoint/2010/main" xmlns="" val="906640776"/>
       </p:ext>
     </p:extLst>
   </p:cSld>
@@ -1090,6 +1095,7 @@
           <a:p>
             <a:fld id="{F6764DA5-CD3D-4590-A511-FCD3BC7A793E}" type="datetimeFigureOut">
               <a:rPr lang="en-US" smtClean="0"/>
+              <a:pPr/>
               <a:t>4/21/2017</a:t>
             </a:fld>
             <a:endParaRPr lang="en-US"/>
@@ -1132,6 +1138,7 @@
           <a:p>
             <a:fld id="{4FAB73BC-B049-4115-A692-8D63A059BFB8}" type="slidenum">
               <a:rPr lang="en-US" smtClean="0"/>
+              <a:pPr/>
               <a:t>‹#›</a:t>
             </a:fld>
             <a:endParaRPr lang="en-US"/>
@@ -1141,7 +1148,7 @@
     </p:spTree>
     <p:extLst>
       <p:ext uri="{BB962C8B-B14F-4D97-AF65-F5344CB8AC3E}">
-        <p14:creationId xmlns:p14="http://schemas.microsoft.com/office/powerpoint/2010/main" val="3329541097"/>
+        <p14:creationId xmlns:p14="http://schemas.microsoft.com/office/powerpoint/2010/main" xmlns="" val="3329541097"/>
       </p:ext>
     </p:extLst>
   </p:cSld>
@@ -1260,6 +1267,7 @@
           <a:p>
             <a:fld id="{82F5661D-6934-4B32-B92C-470368BF1EC6}" type="datetimeFigureOut">
               <a:rPr lang="en-US" smtClean="0"/>
+              <a:pPr/>
               <a:t>4/21/2017</a:t>
             </a:fld>
             <a:endParaRPr lang="en-US"/>
@@ -1302,6 +1310,7 @@
           <a:p>
             <a:fld id="{4FAB73BC-B049-4115-A692-8D63A059BFB8}" type="slidenum">
               <a:rPr lang="en-US" smtClean="0"/>
+              <a:pPr/>
               <a:t>‹#›</a:t>
             </a:fld>
             <a:endParaRPr lang="en-US"/>
@@ -1311,7 +1320,7 @@
     </p:spTree>
     <p:extLst>
       <p:ext uri="{BB962C8B-B14F-4D97-AF65-F5344CB8AC3E}">
-        <p14:creationId xmlns:p14="http://schemas.microsoft.com/office/powerpoint/2010/main" val="391951291"/>
+        <p14:creationId xmlns:p14="http://schemas.microsoft.com/office/powerpoint/2010/main" xmlns="" val="391951291"/>
       </p:ext>
     </p:extLst>
   </p:cSld>
@@ -1511,6 +1520,7 @@
           <a:p>
             <a:fld id="{C6F822A4-8DA6-4447-9B1F-C5DB58435268}" type="datetimeFigureOut">
               <a:rPr lang="en-US" smtClean="0"/>
+              <a:pPr/>
               <a:t>4/21/2017</a:t>
             </a:fld>
             <a:endParaRPr lang="en-US" dirty="0"/>
@@ -1598,7 +1608,7 @@
     </p:spTree>
     <p:extLst>
       <p:ext uri="{BB962C8B-B14F-4D97-AF65-F5344CB8AC3E}">
-        <p14:creationId xmlns:p14="http://schemas.microsoft.com/office/powerpoint/2010/main" val="1336318911"/>
+        <p14:creationId xmlns:p14="http://schemas.microsoft.com/office/powerpoint/2010/main" xmlns="" val="1336318911"/>
       </p:ext>
     </p:extLst>
   </p:cSld>
@@ -1835,6 +1845,7 @@
           <a:p>
             <a:fld id="{E548D31E-DCDA-41A7-9C67-C4B11B94D21D}" type="datetimeFigureOut">
               <a:rPr lang="en-US" smtClean="0"/>
+              <a:pPr/>
               <a:t>4/21/2017</a:t>
             </a:fld>
             <a:endParaRPr lang="en-US"/>
@@ -1877,6 +1888,7 @@
           <a:p>
             <a:fld id="{4FAB73BC-B049-4115-A692-8D63A059BFB8}" type="slidenum">
               <a:rPr lang="en-US" smtClean="0"/>
+              <a:pPr/>
               <a:t>‹#›</a:t>
             </a:fld>
             <a:endParaRPr lang="en-US"/>
@@ -1886,7 +1898,7 @@
     </p:spTree>
     <p:extLst>
       <p:ext uri="{BB962C8B-B14F-4D97-AF65-F5344CB8AC3E}">
-        <p14:creationId xmlns:p14="http://schemas.microsoft.com/office/powerpoint/2010/main" val="232030402"/>
+        <p14:creationId xmlns:p14="http://schemas.microsoft.com/office/powerpoint/2010/main" xmlns="" val="232030402"/>
       </p:ext>
     </p:extLst>
   </p:cSld>
@@ -2259,6 +2271,7 @@
           <a:p>
             <a:fld id="{9B3762C0-B258-48F1-ADE6-176B4174CCDD}" type="datetimeFigureOut">
               <a:rPr lang="en-US" smtClean="0"/>
+              <a:pPr/>
               <a:t>4/21/2017</a:t>
             </a:fld>
             <a:endParaRPr lang="en-US"/>
@@ -2301,6 +2314,7 @@
           <a:p>
             <a:fld id="{4FAB73BC-B049-4115-A692-8D63A059BFB8}" type="slidenum">
               <a:rPr lang="en-US" smtClean="0"/>
+              <a:pPr/>
               <a:t>‹#›</a:t>
             </a:fld>
             <a:endParaRPr lang="en-US"/>
@@ -2310,7 +2324,7 @@
     </p:spTree>
     <p:extLst>
       <p:ext uri="{BB962C8B-B14F-4D97-AF65-F5344CB8AC3E}">
-        <p14:creationId xmlns:p14="http://schemas.microsoft.com/office/powerpoint/2010/main" val="3602337536"/>
+        <p14:creationId xmlns:p14="http://schemas.microsoft.com/office/powerpoint/2010/main" xmlns="" val="3602337536"/>
       </p:ext>
     </p:extLst>
   </p:cSld>
@@ -2377,6 +2391,7 @@
           <a:p>
             <a:fld id="{677919A6-33EB-49BD-A62F-1FA56B9F9712}" type="datetimeFigureOut">
               <a:rPr lang="en-US" smtClean="0"/>
+              <a:pPr/>
               <a:t>4/21/2017</a:t>
             </a:fld>
             <a:endParaRPr lang="en-US"/>
@@ -2419,6 +2434,7 @@
           <a:p>
             <a:fld id="{4FAB73BC-B049-4115-A692-8D63A059BFB8}" type="slidenum">
               <a:rPr lang="en-US" smtClean="0"/>
+              <a:pPr/>
               <a:t>‹#›</a:t>
             </a:fld>
             <a:endParaRPr lang="en-US"/>
@@ -2428,7 +2444,7 @@
     </p:spTree>
     <p:extLst>
       <p:ext uri="{BB962C8B-B14F-4D97-AF65-F5344CB8AC3E}">
-        <p14:creationId xmlns:p14="http://schemas.microsoft.com/office/powerpoint/2010/main" val="1814451541"/>
+        <p14:creationId xmlns:p14="http://schemas.microsoft.com/office/powerpoint/2010/main" xmlns="" val="1814451541"/>
       </p:ext>
     </p:extLst>
   </p:cSld>
@@ -2472,6 +2488,7 @@
           <a:p>
             <a:fld id="{CA4E7D1B-D673-4CF6-8672-009D42ABD2A0}" type="datetimeFigureOut">
               <a:rPr lang="en-US" smtClean="0"/>
+              <a:pPr/>
               <a:t>4/21/2017</a:t>
             </a:fld>
             <a:endParaRPr lang="en-US"/>
@@ -2514,6 +2531,7 @@
           <a:p>
             <a:fld id="{4FAB73BC-B049-4115-A692-8D63A059BFB8}" type="slidenum">
               <a:rPr lang="en-US" smtClean="0"/>
+              <a:pPr/>
               <a:t>‹#›</a:t>
             </a:fld>
             <a:endParaRPr lang="en-US"/>
@@ -2523,7 +2541,7 @@
     </p:spTree>
     <p:extLst>
       <p:ext uri="{BB962C8B-B14F-4D97-AF65-F5344CB8AC3E}">
-        <p14:creationId xmlns:p14="http://schemas.microsoft.com/office/powerpoint/2010/main" val="1384430572"/>
+        <p14:creationId xmlns:p14="http://schemas.microsoft.com/office/powerpoint/2010/main" xmlns="" val="1384430572"/>
       </p:ext>
     </p:extLst>
   </p:cSld>
@@ -2762,6 +2780,7 @@
           <a:p>
             <a:fld id="{DA16AA21-1863-4931-97CB-99D0A168701B}" type="datetimeFigureOut">
               <a:rPr lang="en-US" smtClean="0"/>
+              <a:pPr/>
               <a:t>4/21/2017</a:t>
             </a:fld>
             <a:endParaRPr lang="en-US"/>
@@ -2804,6 +2823,7 @@
           <a:p>
             <a:fld id="{4FAB73BC-B049-4115-A692-8D63A059BFB8}" type="slidenum">
               <a:rPr lang="en-US" smtClean="0"/>
+              <a:pPr/>
               <a:t>‹#›</a:t>
             </a:fld>
             <a:endParaRPr lang="en-US"/>
@@ -2813,7 +2833,7 @@
     </p:spTree>
     <p:extLst>
       <p:ext uri="{BB962C8B-B14F-4D97-AF65-F5344CB8AC3E}">
-        <p14:creationId xmlns:p14="http://schemas.microsoft.com/office/powerpoint/2010/main" val="1712562434"/>
+        <p14:creationId xmlns:p14="http://schemas.microsoft.com/office/powerpoint/2010/main" xmlns="" val="1712562434"/>
       </p:ext>
     </p:extLst>
   </p:cSld>
@@ -3034,6 +3054,7 @@
           <a:p>
             <a:fld id="{3772C379-9A7C-4C87-A116-CBE9F58B04C5}" type="datetimeFigureOut">
               <a:rPr lang="en-US" smtClean="0"/>
+              <a:pPr/>
               <a:t>4/21/2017</a:t>
             </a:fld>
             <a:endParaRPr lang="en-US"/>
@@ -3076,6 +3097,7 @@
           <a:p>
             <a:fld id="{4FAB73BC-B049-4115-A692-8D63A059BFB8}" type="slidenum">
               <a:rPr lang="en-US" smtClean="0"/>
+              <a:pPr/>
               <a:t>‹#›</a:t>
             </a:fld>
             <a:endParaRPr lang="en-US"/>
@@ -3085,7 +3107,7 @@
     </p:spTree>
     <p:extLst>
       <p:ext uri="{BB962C8B-B14F-4D97-AF65-F5344CB8AC3E}">
-        <p14:creationId xmlns:p14="http://schemas.microsoft.com/office/powerpoint/2010/main" val="342839541"/>
+        <p14:creationId xmlns:p14="http://schemas.microsoft.com/office/powerpoint/2010/main" xmlns="" val="342839541"/>
       </p:ext>
     </p:extLst>
   </p:cSld>
@@ -3287,6 +3309,7 @@
           <a:p>
             <a:fld id="{8664C608-40B1-4030-A28D-5B74BC98ADCE}" type="datetimeFigureOut">
               <a:rPr lang="en-US" smtClean="0"/>
+              <a:pPr/>
               <a:t>4/21/2017</a:t>
             </a:fld>
             <a:endParaRPr lang="en-US" dirty="0"/>
@@ -3371,7 +3394,7 @@
     </p:spTree>
     <p:extLst>
       <p:ext uri="{BB962C8B-B14F-4D97-AF65-F5344CB8AC3E}">
-        <p14:creationId xmlns:p14="http://schemas.microsoft.com/office/powerpoint/2010/main" val="2194205160"/>
+        <p14:creationId xmlns:p14="http://schemas.microsoft.com/office/powerpoint/2010/main" xmlns="" val="2194205160"/>
       </p:ext>
     </p:extLst>
   </p:cSld>
@@ -3841,7 +3864,7 @@
     </p:spTree>
     <p:extLst>
       <p:ext uri="{BB962C8B-B14F-4D97-AF65-F5344CB8AC3E}">
-        <p14:creationId xmlns:p14="http://schemas.microsoft.com/office/powerpoint/2010/main" val="227987809"/>
+        <p14:creationId xmlns:p14="http://schemas.microsoft.com/office/powerpoint/2010/main" xmlns="" val="227987809"/>
       </p:ext>
     </p:extLst>
   </p:cSld>
@@ -3997,7 +4020,7 @@
           <a:blip r:embed="rId2">
             <a:extLst>
               <a:ext uri="{28A0092B-C50C-407E-A947-70E740481C1C}">
-                <a14:useLocalDpi xmlns:a14="http://schemas.microsoft.com/office/drawing/2010/main" val="0"/>
+                <a14:useLocalDpi xmlns:a14="http://schemas.microsoft.com/office/drawing/2010/main" xmlns="" val="0"/>
               </a:ext>
             </a:extLst>
           </a:blip>
@@ -4018,7 +4041,7 @@
     </p:spTree>
     <p:extLst>
       <p:ext uri="{BB962C8B-B14F-4D97-AF65-F5344CB8AC3E}">
-        <p14:creationId xmlns:p14="http://schemas.microsoft.com/office/powerpoint/2010/main" val="2125225531"/>
+        <p14:creationId xmlns:p14="http://schemas.microsoft.com/office/powerpoint/2010/main" xmlns="" val="2125225531"/>
       </p:ext>
     </p:extLst>
   </p:cSld>
@@ -4092,7 +4115,7 @@
           <a:blip r:embed="rId2">
             <a:extLst>
               <a:ext uri="{28A0092B-C50C-407E-A947-70E740481C1C}">
-                <a14:useLocalDpi xmlns:a14="http://schemas.microsoft.com/office/drawing/2010/main" val="0"/>
+                <a14:useLocalDpi xmlns:a14="http://schemas.microsoft.com/office/drawing/2010/main" xmlns="" val="0"/>
               </a:ext>
             </a:extLst>
           </a:blip>
@@ -4113,7 +4136,7 @@
     </p:spTree>
     <p:extLst>
       <p:ext uri="{BB962C8B-B14F-4D97-AF65-F5344CB8AC3E}">
-        <p14:creationId xmlns:p14="http://schemas.microsoft.com/office/powerpoint/2010/main" val="1113911646"/>
+        <p14:creationId xmlns:p14="http://schemas.microsoft.com/office/powerpoint/2010/main" xmlns="" val="1113911646"/>
       </p:ext>
     </p:extLst>
   </p:cSld>
@@ -4180,19 +4203,84 @@
             <p:ph idx="1"/>
           </p:nvPr>
         </p:nvSpPr>
-        <p:spPr/>
+        <p:spPr>
+          <a:xfrm>
+            <a:off x="1143001" y="2057400"/>
+            <a:ext cx="4642658" cy="4038600"/>
+          </a:xfrm>
+        </p:spPr>
         <p:txBody>
           <a:bodyPr/>
           <a:lstStyle/>
           <a:p>
-            <a:endParaRPr lang="en-US"/>
-          </a:p>
-        </p:txBody>
-      </p:sp>
+            <a:r>
+              <a:rPr lang="en-US" dirty="0" smtClean="0"/>
+              <a:t>Biologically inspired machine learning algorithm</a:t>
+            </a:r>
+          </a:p>
+          <a:p>
+            <a:r>
+              <a:rPr lang="en-US" dirty="0" smtClean="0"/>
+              <a:t>Uses back propagation mechanism to train the model</a:t>
+            </a:r>
+          </a:p>
+          <a:p>
+            <a:r>
+              <a:rPr lang="en-US" dirty="0" smtClean="0"/>
+              <a:t>Mathematical neurons arranged in layers</a:t>
+            </a:r>
+          </a:p>
+          <a:p>
+            <a:r>
+              <a:rPr lang="en-US" dirty="0" smtClean="0"/>
+              <a:t>Accumulate signals from the previous layer</a:t>
+            </a:r>
+          </a:p>
+          <a:p>
+            <a:endParaRPr lang="en-US" dirty="0" smtClean="0"/>
+          </a:p>
+          <a:p>
+            <a:endParaRPr lang="en-US" dirty="0"/>
+          </a:p>
+        </p:txBody>
+      </p:sp>
+      <p:pic>
+        <p:nvPicPr>
+          <p:cNvPr id="1026" name="Picture 2"/>
+          <p:cNvPicPr>
+            <a:picLocks noChangeAspect="1" noChangeArrowheads="1"/>
+          </p:cNvPicPr>
+          <p:nvPr/>
+        </p:nvPicPr>
+        <p:blipFill>
+          <a:blip r:embed="rId2"/>
+          <a:srcRect/>
+          <a:stretch>
+            <a:fillRect/>
+          </a:stretch>
+        </p:blipFill>
+        <p:spPr bwMode="auto">
+          <a:xfrm>
+            <a:off x="5611091" y="2718954"/>
+            <a:ext cx="5534025" cy="2933700"/>
+          </a:xfrm>
+          <a:prstGeom prst="rect">
+            <a:avLst/>
+          </a:prstGeom>
+          <a:noFill/>
+          <a:ln w="9525">
+            <a:noFill/>
+            <a:miter lim="800000"/>
+            <a:headEnd/>
+            <a:tailEnd/>
+          </a:ln>
+          <a:effectLst/>
+        </p:spPr>
+      </p:pic>
     </p:spTree>
     <p:extLst>
       <p:ext uri="{BB962C8B-B14F-4D97-AF65-F5344CB8AC3E}">
-        <p14:creationId xmlns:p14="http://schemas.microsoft.com/office/powerpoint/2010/main" val="464870505"/>
+        <p14:creationId xmlns:p14="http://schemas.microsoft.com/office/powerpoint/2010/main" xmlns="" val="464870505"/>
       </p:ext>
     </p:extLst>
   </p:cSld>
@@ -4284,7 +4372,6 @@
               <a:rPr lang="en-US" sz="2400" dirty="0"/>
               <a:t>Built a Classification model using NN</a:t>
             </a:r>
-            <a:endParaRPr lang="en-US" sz="2400" dirty="0"/>
           </a:p>
           <a:p>
             <a:pPr marL="502920" indent="-457200">
@@ -4321,7 +4408,15 @@
             <a:pPr lvl="2"/>
             <a:r>
               <a:rPr lang="en-US" dirty="0" smtClean="0"/>
-              <a:t>Output Layer: 6 nodes</a:t>
+              <a:t>Output Layer: </a:t>
+            </a:r>
+            <a:r>
+              <a:rPr lang="en-US" dirty="0" smtClean="0"/>
+              <a:t>2 </a:t>
+            </a:r>
+            <a:r>
+              <a:rPr lang="en-US" dirty="0" smtClean="0"/>
+              <a:t>nodes</a:t>
             </a:r>
           </a:p>
           <a:p>
@@ -4335,7 +4430,7 @@
     </p:spTree>
     <p:extLst>
       <p:ext uri="{BB962C8B-B14F-4D97-AF65-F5344CB8AC3E}">
-        <p14:creationId xmlns:p14="http://schemas.microsoft.com/office/powerpoint/2010/main" val="36574912"/>
+        <p14:creationId xmlns:p14="http://schemas.microsoft.com/office/powerpoint/2010/main" xmlns="" val="36574912"/>
       </p:ext>
     </p:extLst>
   </p:cSld>
@@ -4409,29 +4504,44 @@
           </a:xfrm>
         </p:spPr>
         <p:txBody>
-          <a:bodyPr/>
-          <a:lstStyle/>
-          <a:p>
-            <a:r>
-              <a:rPr lang="en-US" b="1" dirty="0" smtClean="0">
-                <a:solidFill>
-                  <a:srgbClr val="FF0000"/>
-                </a:solidFill>
-              </a:rPr>
-              <a:t>Results of the model</a:t>
-            </a:r>
-            <a:endParaRPr lang="en-US" b="1" dirty="0">
-              <a:solidFill>
-                <a:srgbClr val="FF0000"/>
-              </a:solidFill>
-            </a:endParaRPr>
+          <a:bodyPr>
+            <a:normAutofit/>
+          </a:bodyPr>
+          <a:lstStyle/>
+          <a:p>
+            <a:r>
+              <a:rPr lang="en-US" sz="2400" dirty="0" smtClean="0"/>
+              <a:t>5 minute delay assumption</a:t>
+            </a:r>
+          </a:p>
+          <a:p>
+            <a:r>
+              <a:rPr lang="en-US" sz="2400" dirty="0" smtClean="0"/>
+              <a:t>Delay &gt; 5 minutes – delayed</a:t>
+            </a:r>
+          </a:p>
+          <a:p>
+            <a:r>
+              <a:rPr lang="en-US" sz="2400" dirty="0" smtClean="0"/>
+              <a:t>Delay  &lt; 5 minutes – not </a:t>
+            </a:r>
+            <a:r>
+              <a:rPr lang="en-US" sz="2400" dirty="0" smtClean="0"/>
+              <a:t>delayed</a:t>
+            </a:r>
+          </a:p>
+          <a:p>
+            <a:pPr>
+              <a:buNone/>
+            </a:pPr>
+            <a:endParaRPr lang="en-US" sz="2400" dirty="0" smtClean="0"/>
           </a:p>
         </p:txBody>
       </p:sp>
     </p:spTree>
     <p:extLst>
       <p:ext uri="{BB962C8B-B14F-4D97-AF65-F5344CB8AC3E}">
-        <p14:creationId xmlns:p14="http://schemas.microsoft.com/office/powerpoint/2010/main" val="1938473595"/>
+        <p14:creationId xmlns:p14="http://schemas.microsoft.com/office/powerpoint/2010/main" xmlns="" val="1938473595"/>
       </p:ext>
     </p:extLst>
   </p:cSld>
@@ -4506,7 +4616,7 @@
         </p:spPr>
         <p:txBody>
           <a:bodyPr>
-            <a:normAutofit/>
+            <a:normAutofit lnSpcReduction="10000"/>
           </a:bodyPr>
           <a:lstStyle/>
           <a:p>
@@ -4548,6 +4658,23 @@
               <a:rPr lang="en-US" sz="2800" dirty="0" smtClean="0"/>
               <a:t>model</a:t>
             </a:r>
+          </a:p>
+          <a:p>
+            <a:pPr marL="834390" lvl="3">
+              <a:spcBef>
+                <a:spcPts val="0"/>
+              </a:spcBef>
+              <a:spcAft>
+                <a:spcPts val="0"/>
+              </a:spcAft>
+              <a:buClrTx/>
+              <a:buSzTx/>
+            </a:pPr>
+            <a:r>
+              <a:rPr lang="en-US" sz="2400" dirty="0" smtClean="0"/>
+              <a:t>Achieved accuracy of 67 % in prediction</a:t>
+            </a:r>
+            <a:endParaRPr lang="en-US" sz="2400" dirty="0" smtClean="0"/>
           </a:p>
           <a:p>
             <a:pPr marL="285750" lvl="1">
@@ -4604,8 +4731,39 @@
             </a:pPr>
             <a:r>
               <a:rPr lang="en-US" sz="2200" dirty="0"/>
-              <a:t>% chance of  cancellation, </a:t>
-            </a:r>
+              <a:t>% chance of  </a:t>
+            </a:r>
+            <a:r>
+              <a:rPr lang="en-US" sz="2200" dirty="0" smtClean="0"/>
+              <a:t>cancellation</a:t>
+            </a:r>
+          </a:p>
+          <a:p>
+            <a:pPr marL="1291590" lvl="4">
+              <a:spcBef>
+                <a:spcPts val="0"/>
+              </a:spcBef>
+              <a:spcAft>
+                <a:spcPts val="0"/>
+              </a:spcAft>
+              <a:buClrTx/>
+              <a:buSzTx/>
+            </a:pPr>
+            <a:r>
+              <a:rPr lang="en-US" sz="2000" dirty="0" smtClean="0"/>
+              <a:t>Did not have time to run that part of the model </a:t>
+            </a:r>
+            <a:r>
+              <a:rPr lang="en-US" sz="2000" dirty="0" smtClean="0">
+                <a:sym typeface="Wingdings" pitchFamily="2" charset="2"/>
+              </a:rPr>
+              <a:t></a:t>
+            </a:r>
+            <a:r>
+              <a:rPr lang="en-US" sz="2000" dirty="0" smtClean="0"/>
+              <a:t> </a:t>
+            </a:r>
+            <a:endParaRPr lang="en-US" sz="2000" dirty="0"/>
           </a:p>
           <a:p>
             <a:pPr marL="742950" lvl="2">
@@ -4619,16 +4777,52 @@
               <a:buSzTx/>
             </a:pPr>
             <a:r>
+              <a:rPr lang="en-US" sz="2400" dirty="0" smtClean="0"/>
+              <a:t>chance </a:t>
+            </a:r>
+            <a:r>
               <a:rPr lang="en-US" sz="2400" dirty="0"/>
-              <a:t>% chance of  delay begin over X minutes</a:t>
-            </a:r>
+              <a:t>of  delay begin over X </a:t>
+            </a:r>
+            <a:r>
+              <a:rPr lang="en-US" sz="2400" dirty="0" smtClean="0"/>
+              <a:t>minutes</a:t>
+            </a:r>
+            <a:endParaRPr lang="en-US" sz="2200" dirty="0"/>
+          </a:p>
+          <a:p>
+            <a:pPr marL="1291590" lvl="4">
+              <a:spcBef>
+                <a:spcPts val="0"/>
+              </a:spcBef>
+              <a:spcAft>
+                <a:spcPts val="0"/>
+              </a:spcAft>
+              <a:buClrTx/>
+              <a:buSzTx/>
+            </a:pPr>
+            <a:r>
+              <a:rPr lang="en-US" sz="2000" smtClean="0"/>
+              <a:t>Predicts chance </a:t>
+            </a:r>
+            <a:r>
+              <a:rPr lang="en-US" sz="2000" dirty="0" smtClean="0"/>
+              <a:t>of delay over 5 minutes </a:t>
+            </a:r>
+            <a:r>
+              <a:rPr lang="en-US" sz="2000" dirty="0" smtClean="0">
+                <a:sym typeface="Wingdings" pitchFamily="2" charset="2"/>
+              </a:rPr>
+              <a:t></a:t>
+            </a:r>
+            <a:endParaRPr lang="en-US" sz="2200" dirty="0" smtClean="0"/>
           </a:p>
         </p:txBody>
       </p:sp>
     </p:spTree>
     <p:extLst>
       <p:ext uri="{BB962C8B-B14F-4D97-AF65-F5344CB8AC3E}">
-        <p14:creationId xmlns:p14="http://schemas.microsoft.com/office/powerpoint/2010/main" val="311230753"/>
+        <p14:creationId xmlns:p14="http://schemas.microsoft.com/office/powerpoint/2010/main" xmlns="" val="311230753"/>
       </p:ext>
     </p:extLst>
   </p:cSld>
@@ -4702,7 +4896,7 @@
           <a:p>
             <a:r>
               <a:rPr lang="en-US" dirty="0" smtClean="0"/>
-              <a:t>Accuracy's is around 66%</a:t>
+              <a:t>For any given flight, delay information is obtained with an accuracy of 67%</a:t>
             </a:r>
             <a:endParaRPr lang="en-US" dirty="0"/>
           </a:p>
@@ -4711,7 +4905,7 @@
     </p:spTree>
     <p:extLst>
       <p:ext uri="{BB962C8B-B14F-4D97-AF65-F5344CB8AC3E}">
-        <p14:creationId xmlns:p14="http://schemas.microsoft.com/office/powerpoint/2010/main" val="270160240"/>
+        <p14:creationId xmlns:p14="http://schemas.microsoft.com/office/powerpoint/2010/main" xmlns="" val="270160240"/>
       </p:ext>
     </p:extLst>
   </p:cSld>
@@ -4769,7 +4963,7 @@
     </p:spTree>
     <p:extLst>
       <p:ext uri="{BB962C8B-B14F-4D97-AF65-F5344CB8AC3E}">
-        <p14:creationId xmlns:p14="http://schemas.microsoft.com/office/powerpoint/2010/main" val="1421260223"/>
+        <p14:creationId xmlns:p14="http://schemas.microsoft.com/office/powerpoint/2010/main" xmlns="" val="1421260223"/>
       </p:ext>
     </p:extLst>
   </p:cSld>
@@ -4897,7 +5091,7 @@
     </p:spTree>
     <p:extLst>
       <p:ext uri="{BB962C8B-B14F-4D97-AF65-F5344CB8AC3E}">
-        <p14:creationId xmlns:p14="http://schemas.microsoft.com/office/powerpoint/2010/main" val="401529231"/>
+        <p14:creationId xmlns:p14="http://schemas.microsoft.com/office/powerpoint/2010/main" xmlns="" val="401529231"/>
       </p:ext>
     </p:extLst>
   </p:cSld>
@@ -5039,7 +5233,7 @@
                   <a:blip r:embed="rId2">
                     <a:extLst>
                       <a:ext uri="{28A0092B-C50C-407E-A947-70E740481C1C}">
-                        <a14:useLocalDpi xmlns:a14="http://schemas.microsoft.com/office/drawing/2010/main" val="0"/>
+                        <a14:useLocalDpi xmlns:a14="http://schemas.microsoft.com/office/drawing/2010/main" xmlns="" val="0"/>
                       </a:ext>
                     </a:extLst>
                   </a:blip>
@@ -5063,7 +5257,7 @@
     </p:spTree>
     <p:extLst>
       <p:ext uri="{BB962C8B-B14F-4D97-AF65-F5344CB8AC3E}">
-        <p14:creationId xmlns:p14="http://schemas.microsoft.com/office/powerpoint/2010/main" val="1350056412"/>
+        <p14:creationId xmlns:p14="http://schemas.microsoft.com/office/powerpoint/2010/main" xmlns="" val="1350056412"/>
       </p:ext>
     </p:extLst>
   </p:cSld>
@@ -5204,7 +5398,7 @@
     </p:spTree>
     <p:extLst>
       <p:ext uri="{BB962C8B-B14F-4D97-AF65-F5344CB8AC3E}">
-        <p14:creationId xmlns:p14="http://schemas.microsoft.com/office/powerpoint/2010/main" val="233496756"/>
+        <p14:creationId xmlns:p14="http://schemas.microsoft.com/office/powerpoint/2010/main" xmlns="" val="233496756"/>
       </p:ext>
     </p:extLst>
   </p:cSld>
@@ -5289,7 +5483,11 @@
             <a:pPr lvl="1"/>
             <a:r>
               <a:rPr lang="en-US" dirty="0" smtClean="0"/>
-              <a:t>Encoded for string values using one-hot encoding, to feed the model</a:t>
+              <a:t>Encoded for string values using one-hot </a:t>
+            </a:r>
+            <a:r>
+              <a:rPr lang="en-US" dirty="0" smtClean="0"/>
+              <a:t>encoding</a:t>
             </a:r>
             <a:endParaRPr lang="en-US" dirty="0"/>
           </a:p>
@@ -5439,7 +5637,7 @@
     </p:spTree>
     <p:extLst>
       <p:ext uri="{BB962C8B-B14F-4D97-AF65-F5344CB8AC3E}">
-        <p14:creationId xmlns:p14="http://schemas.microsoft.com/office/powerpoint/2010/main" val="1366350129"/>
+        <p14:creationId xmlns:p14="http://schemas.microsoft.com/office/powerpoint/2010/main" xmlns="" val="1366350129"/>
       </p:ext>
     </p:extLst>
   </p:cSld>
@@ -5582,7 +5780,7 @@
           <a:blip r:embed="rId2">
             <a:extLst>
               <a:ext uri="{28A0092B-C50C-407E-A947-70E740481C1C}">
-                <a14:useLocalDpi xmlns:a14="http://schemas.microsoft.com/office/drawing/2010/main" val="0"/>
+                <a14:useLocalDpi xmlns:a14="http://schemas.microsoft.com/office/drawing/2010/main" xmlns="" val="0"/>
               </a:ext>
             </a:extLst>
           </a:blip>
@@ -5603,7 +5801,7 @@
     </p:spTree>
     <p:extLst>
       <p:ext uri="{BB962C8B-B14F-4D97-AF65-F5344CB8AC3E}">
-        <p14:creationId xmlns:p14="http://schemas.microsoft.com/office/powerpoint/2010/main" val="36797345"/>
+        <p14:creationId xmlns:p14="http://schemas.microsoft.com/office/powerpoint/2010/main" xmlns="" val="36797345"/>
       </p:ext>
     </p:extLst>
   </p:cSld>
@@ -5741,7 +5939,7 @@
     </p:spTree>
     <p:extLst>
       <p:ext uri="{BB962C8B-B14F-4D97-AF65-F5344CB8AC3E}">
-        <p14:creationId xmlns:p14="http://schemas.microsoft.com/office/powerpoint/2010/main" val="448311129"/>
+        <p14:creationId xmlns:p14="http://schemas.microsoft.com/office/powerpoint/2010/main" xmlns="" val="448311129"/>
       </p:ext>
     </p:extLst>
   </p:cSld>
@@ -5902,7 +6100,7 @@
     </p:spTree>
     <p:extLst>
       <p:ext uri="{BB962C8B-B14F-4D97-AF65-F5344CB8AC3E}">
-        <p14:creationId xmlns:p14="http://schemas.microsoft.com/office/powerpoint/2010/main" val="1541137502"/>
+        <p14:creationId xmlns:p14="http://schemas.microsoft.com/office/powerpoint/2010/main" xmlns="" val="1541137502"/>
       </p:ext>
     </p:extLst>
   </p:cSld>
@@ -6097,7 +6295,7 @@
     </p:spTree>
     <p:extLst>
       <p:ext uri="{BB962C8B-B14F-4D97-AF65-F5344CB8AC3E}">
-        <p14:creationId xmlns:p14="http://schemas.microsoft.com/office/powerpoint/2010/main" val="1581306419"/>
+        <p14:creationId xmlns:p14="http://schemas.microsoft.com/office/powerpoint/2010/main" xmlns="" val="1581306419"/>
       </p:ext>
     </p:extLst>
   </p:cSld>
@@ -6157,7 +6355,7 @@
     </a:clrScheme>
     <a:fontScheme name="Basis">
       <a:majorFont>
-        <a:latin typeface="Corbel" panose="020B0503020204020204"/>
+        <a:latin typeface="Corbel"/>
         <a:ea typeface=""/>
         <a:cs typeface=""/>
         <a:font script="Jpan" typeface="ＭＳ ゴシック"/>
@@ -6192,7 +6390,7 @@
         <a:font script="Geor" typeface="Sylfaen"/>
       </a:majorFont>
       <a:minorFont>
-        <a:latin typeface="Corbel" panose="020B0503020204020204"/>
+        <a:latin typeface="Corbel"/>
         <a:ea typeface=""/>
         <a:cs typeface=""/>
         <a:font script="Jpan" typeface="ＭＳ ゴシック"/>
@@ -6345,7 +6543,7 @@
   <a:extraClrSchemeLst/>
   <a:extLst>
     <a:ext uri="{05A4C25C-085E-4340-85A3-A5531E510DB2}">
-      <thm15:themeFamily xmlns:thm15="http://schemas.microsoft.com/office/thememl/2012/main" name="Basis" id="{5665723A-49BA-4B57-8411-A56F8F207965}" vid="{ACC63D00-1EE0-4159-BF5A-6FF02000B710}"/>
+      <thm15:themeFamily xmlns:thm15="http://schemas.microsoft.com/office/thememl/2012/main" xmlns="" name="Basis" id="{5665723A-49BA-4B57-8411-A56F8F207965}" vid="{ACC63D00-1EE0-4159-BF5A-6FF02000B710}"/>
     </a:ext>
   </a:extLst>
 </a:theme>
@@ -6394,7 +6592,7 @@
     </a:clrScheme>
     <a:fontScheme name="Office">
       <a:majorFont>
-        <a:latin typeface="Calibri Light" panose="020F0302020204030204"/>
+        <a:latin typeface="Calibri Light"/>
         <a:ea typeface=""/>
         <a:cs typeface=""/>
         <a:font script="Jpan" typeface="Yu Gothic Light"/>
@@ -6429,7 +6627,7 @@
         <a:font script="Geor" typeface="Sylfaen"/>
       </a:majorFont>
       <a:minorFont>
-        <a:latin typeface="Calibri" panose="020F0502020204030204"/>
+        <a:latin typeface="Calibri"/>
         <a:ea typeface=""/>
         <a:cs typeface=""/>
         <a:font script="Jpan" typeface="Yu Gothic"/>
@@ -6606,7 +6804,7 @@
   <a:extraClrSchemeLst/>
   <a:extLst>
     <a:ext uri="{05A4C25C-085E-4340-85A3-A5531E510DB2}">
-      <thm15:themeFamily xmlns:thm15="http://schemas.microsoft.com/office/thememl/2012/main" name="Office Theme" id="{62F939B6-93AF-4DB8-9C6B-D6C7DFDC589F}" vid="{4A3C46E8-61CC-4603-A589-7422A47A8E4A}"/>
+      <thm15:themeFamily xmlns:thm15="http://schemas.microsoft.com/office/thememl/2012/main" xmlns="" name="Office Theme" id="{62F939B6-93AF-4DB8-9C6B-D6C7DFDC589F}" vid="{4A3C46E8-61CC-4603-A589-7422A47A8E4A}"/>
     </a:ext>
   </a:extLst>
 </a:theme>

--- a/docs/Final Presentation_FlightDelay.pptx
+++ b/docs/Final Presentation_FlightDelay.pptx
@@ -125,7 +125,7 @@
   </p:defaultTextStyle>
   <p:extLst>
     <p:ext uri="{EFAFB233-063F-42B5-8137-9DF3F51BA10A}">
-      <p15:sldGuideLst xmlns:p15="http://schemas.microsoft.com/office/powerpoint/2012/main" xmlns="">
+      <p15:sldGuideLst xmlns:p15="http://schemas.microsoft.com/office/powerpoint/2012/main">
         <p15:guide id="1" orient="horz" pos="2160">
           <p15:clr>
             <a:srgbClr val="A4A3A4"/>
@@ -394,7 +394,7 @@
     </p:spTree>
     <p:extLst>
       <p:ext uri="{BB962C8B-B14F-4D97-AF65-F5344CB8AC3E}">
-        <p14:creationId xmlns:p14="http://schemas.microsoft.com/office/powerpoint/2010/main" xmlns="" val="1742341603"/>
+        <p14:creationId xmlns:p14="http://schemas.microsoft.com/office/powerpoint/2010/main" val="1742341603"/>
       </p:ext>
     </p:extLst>
   </p:cSld>
@@ -794,7 +794,7 @@
     </p:spTree>
     <p:extLst>
       <p:ext uri="{BB962C8B-B14F-4D97-AF65-F5344CB8AC3E}">
-        <p14:creationId xmlns:p14="http://schemas.microsoft.com/office/powerpoint/2010/main" xmlns="" val="3892923416"/>
+        <p14:creationId xmlns:p14="http://schemas.microsoft.com/office/powerpoint/2010/main" val="3892923416"/>
       </p:ext>
     </p:extLst>
   </p:cSld>
@@ -966,7 +966,7 @@
     </p:spTree>
     <p:extLst>
       <p:ext uri="{BB962C8B-B14F-4D97-AF65-F5344CB8AC3E}">
-        <p14:creationId xmlns:p14="http://schemas.microsoft.com/office/powerpoint/2010/main" xmlns="" val="906640776"/>
+        <p14:creationId xmlns:p14="http://schemas.microsoft.com/office/powerpoint/2010/main" val="906640776"/>
       </p:ext>
     </p:extLst>
   </p:cSld>
@@ -1148,7 +1148,7 @@
     </p:spTree>
     <p:extLst>
       <p:ext uri="{BB962C8B-B14F-4D97-AF65-F5344CB8AC3E}">
-        <p14:creationId xmlns:p14="http://schemas.microsoft.com/office/powerpoint/2010/main" xmlns="" val="3329541097"/>
+        <p14:creationId xmlns:p14="http://schemas.microsoft.com/office/powerpoint/2010/main" val="3329541097"/>
       </p:ext>
     </p:extLst>
   </p:cSld>
@@ -1320,7 +1320,7 @@
     </p:spTree>
     <p:extLst>
       <p:ext uri="{BB962C8B-B14F-4D97-AF65-F5344CB8AC3E}">
-        <p14:creationId xmlns:p14="http://schemas.microsoft.com/office/powerpoint/2010/main" xmlns="" val="391951291"/>
+        <p14:creationId xmlns:p14="http://schemas.microsoft.com/office/powerpoint/2010/main" val="391951291"/>
       </p:ext>
     </p:extLst>
   </p:cSld>
@@ -1608,7 +1608,7 @@
     </p:spTree>
     <p:extLst>
       <p:ext uri="{BB962C8B-B14F-4D97-AF65-F5344CB8AC3E}">
-        <p14:creationId xmlns:p14="http://schemas.microsoft.com/office/powerpoint/2010/main" xmlns="" val="1336318911"/>
+        <p14:creationId xmlns:p14="http://schemas.microsoft.com/office/powerpoint/2010/main" val="1336318911"/>
       </p:ext>
     </p:extLst>
   </p:cSld>
@@ -1898,7 +1898,7 @@
     </p:spTree>
     <p:extLst>
       <p:ext uri="{BB962C8B-B14F-4D97-AF65-F5344CB8AC3E}">
-        <p14:creationId xmlns:p14="http://schemas.microsoft.com/office/powerpoint/2010/main" xmlns="" val="232030402"/>
+        <p14:creationId xmlns:p14="http://schemas.microsoft.com/office/powerpoint/2010/main" val="232030402"/>
       </p:ext>
     </p:extLst>
   </p:cSld>
@@ -2324,7 +2324,7 @@
     </p:spTree>
     <p:extLst>
       <p:ext uri="{BB962C8B-B14F-4D97-AF65-F5344CB8AC3E}">
-        <p14:creationId xmlns:p14="http://schemas.microsoft.com/office/powerpoint/2010/main" xmlns="" val="3602337536"/>
+        <p14:creationId xmlns:p14="http://schemas.microsoft.com/office/powerpoint/2010/main" val="3602337536"/>
       </p:ext>
     </p:extLst>
   </p:cSld>
@@ -2444,7 +2444,7 @@
     </p:spTree>
     <p:extLst>
       <p:ext uri="{BB962C8B-B14F-4D97-AF65-F5344CB8AC3E}">
-        <p14:creationId xmlns:p14="http://schemas.microsoft.com/office/powerpoint/2010/main" xmlns="" val="1814451541"/>
+        <p14:creationId xmlns:p14="http://schemas.microsoft.com/office/powerpoint/2010/main" val="1814451541"/>
       </p:ext>
     </p:extLst>
   </p:cSld>
@@ -2541,7 +2541,7 @@
     </p:spTree>
     <p:extLst>
       <p:ext uri="{BB962C8B-B14F-4D97-AF65-F5344CB8AC3E}">
-        <p14:creationId xmlns:p14="http://schemas.microsoft.com/office/powerpoint/2010/main" xmlns="" val="1384430572"/>
+        <p14:creationId xmlns:p14="http://schemas.microsoft.com/office/powerpoint/2010/main" val="1384430572"/>
       </p:ext>
     </p:extLst>
   </p:cSld>
@@ -2833,7 +2833,7 @@
     </p:spTree>
     <p:extLst>
       <p:ext uri="{BB962C8B-B14F-4D97-AF65-F5344CB8AC3E}">
-        <p14:creationId xmlns:p14="http://schemas.microsoft.com/office/powerpoint/2010/main" xmlns="" val="1712562434"/>
+        <p14:creationId xmlns:p14="http://schemas.microsoft.com/office/powerpoint/2010/main" val="1712562434"/>
       </p:ext>
     </p:extLst>
   </p:cSld>
@@ -3107,7 +3107,7 @@
     </p:spTree>
     <p:extLst>
       <p:ext uri="{BB962C8B-B14F-4D97-AF65-F5344CB8AC3E}">
-        <p14:creationId xmlns:p14="http://schemas.microsoft.com/office/powerpoint/2010/main" xmlns="" val="342839541"/>
+        <p14:creationId xmlns:p14="http://schemas.microsoft.com/office/powerpoint/2010/main" val="342839541"/>
       </p:ext>
     </p:extLst>
   </p:cSld>
@@ -3394,7 +3394,7 @@
     </p:spTree>
     <p:extLst>
       <p:ext uri="{BB962C8B-B14F-4D97-AF65-F5344CB8AC3E}">
-        <p14:creationId xmlns:p14="http://schemas.microsoft.com/office/powerpoint/2010/main" xmlns="" val="2194205160"/>
+        <p14:creationId xmlns:p14="http://schemas.microsoft.com/office/powerpoint/2010/main" val="2194205160"/>
       </p:ext>
     </p:extLst>
   </p:cSld>
@@ -3864,7 +3864,7 @@
     </p:spTree>
     <p:extLst>
       <p:ext uri="{BB962C8B-B14F-4D97-AF65-F5344CB8AC3E}">
-        <p14:creationId xmlns:p14="http://schemas.microsoft.com/office/powerpoint/2010/main" xmlns="" val="227987809"/>
+        <p14:creationId xmlns:p14="http://schemas.microsoft.com/office/powerpoint/2010/main" val="227987809"/>
       </p:ext>
     </p:extLst>
   </p:cSld>
@@ -4020,7 +4020,7 @@
           <a:blip r:embed="rId2">
             <a:extLst>
               <a:ext uri="{28A0092B-C50C-407E-A947-70E740481C1C}">
-                <a14:useLocalDpi xmlns:a14="http://schemas.microsoft.com/office/drawing/2010/main" xmlns="" val="0"/>
+                <a14:useLocalDpi xmlns:a14="http://schemas.microsoft.com/office/drawing/2010/main" val="0"/>
               </a:ext>
             </a:extLst>
           </a:blip>
@@ -4041,7 +4041,7 @@
     </p:spTree>
     <p:extLst>
       <p:ext uri="{BB962C8B-B14F-4D97-AF65-F5344CB8AC3E}">
-        <p14:creationId xmlns:p14="http://schemas.microsoft.com/office/powerpoint/2010/main" xmlns="" val="2125225531"/>
+        <p14:creationId xmlns:p14="http://schemas.microsoft.com/office/powerpoint/2010/main" val="2125225531"/>
       </p:ext>
     </p:extLst>
   </p:cSld>
@@ -4115,7 +4115,7 @@
           <a:blip r:embed="rId2">
             <a:extLst>
               <a:ext uri="{28A0092B-C50C-407E-A947-70E740481C1C}">
-                <a14:useLocalDpi xmlns:a14="http://schemas.microsoft.com/office/drawing/2010/main" xmlns="" val="0"/>
+                <a14:useLocalDpi xmlns:a14="http://schemas.microsoft.com/office/drawing/2010/main" val="0"/>
               </a:ext>
             </a:extLst>
           </a:blip>
@@ -4136,7 +4136,7 @@
     </p:spTree>
     <p:extLst>
       <p:ext uri="{BB962C8B-B14F-4D97-AF65-F5344CB8AC3E}">
-        <p14:creationId xmlns:p14="http://schemas.microsoft.com/office/powerpoint/2010/main" xmlns="" val="1113911646"/>
+        <p14:creationId xmlns:p14="http://schemas.microsoft.com/office/powerpoint/2010/main" val="1113911646"/>
       </p:ext>
     </p:extLst>
   </p:cSld>
@@ -4280,7 +4280,7 @@
     </p:spTree>
     <p:extLst>
       <p:ext uri="{BB962C8B-B14F-4D97-AF65-F5344CB8AC3E}">
-        <p14:creationId xmlns:p14="http://schemas.microsoft.com/office/powerpoint/2010/main" xmlns="" val="464870505"/>
+        <p14:creationId xmlns:p14="http://schemas.microsoft.com/office/powerpoint/2010/main" val="464870505"/>
       </p:ext>
     </p:extLst>
   </p:cSld>
@@ -4408,15 +4408,7 @@
             <a:pPr lvl="2"/>
             <a:r>
               <a:rPr lang="en-US" dirty="0" smtClean="0"/>
-              <a:t>Output Layer: </a:t>
-            </a:r>
-            <a:r>
-              <a:rPr lang="en-US" dirty="0" smtClean="0"/>
-              <a:t>2 </a:t>
-            </a:r>
-            <a:r>
-              <a:rPr lang="en-US" dirty="0" smtClean="0"/>
-              <a:t>nodes</a:t>
+              <a:t>Output Layer: 2 nodes</a:t>
             </a:r>
           </a:p>
           <a:p>
@@ -4430,7 +4422,7 @@
     </p:spTree>
     <p:extLst>
       <p:ext uri="{BB962C8B-B14F-4D97-AF65-F5344CB8AC3E}">
-        <p14:creationId xmlns:p14="http://schemas.microsoft.com/office/powerpoint/2010/main" xmlns="" val="36574912"/>
+        <p14:creationId xmlns:p14="http://schemas.microsoft.com/office/powerpoint/2010/main" val="36574912"/>
       </p:ext>
     </p:extLst>
   </p:cSld>
@@ -4523,11 +4515,7 @@
           <a:p>
             <a:r>
               <a:rPr lang="en-US" sz="2400" dirty="0" smtClean="0"/>
-              <a:t>Delay  &lt; 5 minutes – not </a:t>
-            </a:r>
-            <a:r>
-              <a:rPr lang="en-US" sz="2400" dirty="0" smtClean="0"/>
-              <a:t>delayed</a:t>
+              <a:t>Delay  &lt; 5 minutes – not delayed</a:t>
             </a:r>
           </a:p>
           <a:p>
@@ -4541,7 +4529,7 @@
     </p:spTree>
     <p:extLst>
       <p:ext uri="{BB962C8B-B14F-4D97-AF65-F5344CB8AC3E}">
-        <p14:creationId xmlns:p14="http://schemas.microsoft.com/office/powerpoint/2010/main" xmlns="" val="1938473595"/>
+        <p14:creationId xmlns:p14="http://schemas.microsoft.com/office/powerpoint/2010/main" val="1938473595"/>
       </p:ext>
     </p:extLst>
   </p:cSld>
@@ -4611,12 +4599,12 @@
         <p:spPr>
           <a:xfrm>
             <a:off x="1143000" y="1965960"/>
-            <a:ext cx="10058400" cy="3280954"/>
+            <a:ext cx="10058400" cy="4059936"/>
           </a:xfrm>
         </p:spPr>
         <p:txBody>
           <a:bodyPr>
-            <a:normAutofit lnSpcReduction="10000"/>
+            <a:normAutofit/>
           </a:bodyPr>
           <a:lstStyle/>
           <a:p>
@@ -4652,11 +4640,7 @@
             </a:r>
             <a:r>
               <a:rPr lang="en-US" sz="2800" dirty="0" smtClean="0"/>
-              <a:t>predictive </a:t>
-            </a:r>
-            <a:r>
-              <a:rPr lang="en-US" sz="2800" dirty="0" smtClean="0"/>
-              <a:t>model</a:t>
+              <a:t>predictive model</a:t>
             </a:r>
           </a:p>
           <a:p>
@@ -4672,7 +4656,27 @@
             </a:pPr>
             <a:r>
               <a:rPr lang="en-US" sz="2400" dirty="0" smtClean="0"/>
-              <a:t>Achieved accuracy of 67 % in prediction</a:t>
+              <a:t>Achieved accuracy of 67 % in </a:t>
+            </a:r>
+            <a:r>
+              <a:rPr lang="en-US" sz="2400" dirty="0" smtClean="0"/>
+              <a:t>prediction in prediction of flight delay</a:t>
+            </a:r>
+          </a:p>
+          <a:p>
+            <a:pPr marL="834390" lvl="3">
+              <a:spcBef>
+                <a:spcPts val="0"/>
+              </a:spcBef>
+              <a:spcAft>
+                <a:spcPts val="0"/>
+              </a:spcAft>
+              <a:buClrTx/>
+              <a:buSzTx/>
+            </a:pPr>
+            <a:r>
+              <a:rPr lang="en-US" sz="2400" dirty="0" smtClean="0"/>
+              <a:t>Achieved accuracy of 98% in prediction of flight cancellations</a:t>
             </a:r>
             <a:endParaRPr lang="en-US" sz="2400" dirty="0" smtClean="0"/>
           </a:p>
@@ -4731,7 +4735,15 @@
             </a:pPr>
             <a:r>
               <a:rPr lang="en-US" sz="2200" dirty="0"/>
-              <a:t>% chance of  </a:t>
+              <a:t>C</a:t>
+            </a:r>
+            <a:r>
+              <a:rPr lang="en-US" sz="2200" dirty="0" smtClean="0"/>
+              <a:t>hance </a:t>
+            </a:r>
+            <a:r>
+              <a:rPr lang="en-US" sz="2200" dirty="0"/>
+              <a:t>of  </a:t>
             </a:r>
             <a:r>
               <a:rPr lang="en-US" sz="2200" dirty="0" smtClean="0"/>
@@ -4751,19 +4763,9 @@
             </a:pPr>
             <a:r>
               <a:rPr lang="en-US" sz="2000" dirty="0" smtClean="0"/>
-              <a:t>Did not have time to run that part of the model </a:t>
-            </a:r>
-            <a:r>
-              <a:rPr lang="en-US" sz="2000" dirty="0" smtClean="0">
-                <a:sym typeface="Wingdings" pitchFamily="2" charset="2"/>
-              </a:rPr>
-              <a:t></a:t>
-            </a:r>
-            <a:r>
-              <a:rPr lang="en-US" sz="2000" dirty="0" smtClean="0"/>
-              <a:t> </a:t>
-            </a:r>
-            <a:endParaRPr lang="en-US" sz="2000" dirty="0"/>
+              <a:t>Predicts if the flight will get cancelled</a:t>
+            </a:r>
+            <a:endParaRPr lang="en-US" sz="2000" dirty="0" smtClean="0"/>
           </a:p>
           <a:p>
             <a:pPr marL="742950" lvl="2">
@@ -4802,12 +4804,8 @@
               <a:buSzTx/>
             </a:pPr>
             <a:r>
-              <a:rPr lang="en-US" sz="2000" smtClean="0"/>
-              <a:t>Predicts chance </a:t>
-            </a:r>
-            <a:r>
               <a:rPr lang="en-US" sz="2000" dirty="0" smtClean="0"/>
-              <a:t>of delay over 5 minutes </a:t>
+              <a:t>Predicts chance of delay over 5 minutes </a:t>
             </a:r>
             <a:r>
               <a:rPr lang="en-US" sz="2000" dirty="0" smtClean="0">
@@ -4822,7 +4820,7 @@
     </p:spTree>
     <p:extLst>
       <p:ext uri="{BB962C8B-B14F-4D97-AF65-F5344CB8AC3E}">
-        <p14:creationId xmlns:p14="http://schemas.microsoft.com/office/powerpoint/2010/main" xmlns="" val="311230753"/>
+        <p14:creationId xmlns:p14="http://schemas.microsoft.com/office/powerpoint/2010/main" val="311230753"/>
       </p:ext>
     </p:extLst>
   </p:cSld>
@@ -4896,7 +4894,17 @@
           <a:p>
             <a:r>
               <a:rPr lang="en-US" dirty="0" smtClean="0"/>
-              <a:t>For any given flight, delay information is obtained with an accuracy of 67%</a:t>
+              <a:t>For any given flight, delay information is obtained with an accuracy of 67</a:t>
+            </a:r>
+            <a:r>
+              <a:rPr lang="en-US" dirty="0" smtClean="0"/>
+              <a:t>%</a:t>
+            </a:r>
+          </a:p>
+          <a:p>
+            <a:r>
+              <a:rPr lang="en-US" dirty="0" smtClean="0"/>
+              <a:t>For any given flight, predicts if the flight will get cancelled with an accuracy of 98%</a:t>
             </a:r>
             <a:endParaRPr lang="en-US" dirty="0"/>
           </a:p>
@@ -4905,7 +4913,7 @@
     </p:spTree>
     <p:extLst>
       <p:ext uri="{BB962C8B-B14F-4D97-AF65-F5344CB8AC3E}">
-        <p14:creationId xmlns:p14="http://schemas.microsoft.com/office/powerpoint/2010/main" xmlns="" val="270160240"/>
+        <p14:creationId xmlns:p14="http://schemas.microsoft.com/office/powerpoint/2010/main" val="270160240"/>
       </p:ext>
     </p:extLst>
   </p:cSld>
@@ -4963,7 +4971,7 @@
     </p:spTree>
     <p:extLst>
       <p:ext uri="{BB962C8B-B14F-4D97-AF65-F5344CB8AC3E}">
-        <p14:creationId xmlns:p14="http://schemas.microsoft.com/office/powerpoint/2010/main" xmlns="" val="1421260223"/>
+        <p14:creationId xmlns:p14="http://schemas.microsoft.com/office/powerpoint/2010/main" val="1421260223"/>
       </p:ext>
     </p:extLst>
   </p:cSld>
@@ -5091,7 +5099,7 @@
     </p:spTree>
     <p:extLst>
       <p:ext uri="{BB962C8B-B14F-4D97-AF65-F5344CB8AC3E}">
-        <p14:creationId xmlns:p14="http://schemas.microsoft.com/office/powerpoint/2010/main" xmlns="" val="401529231"/>
+        <p14:creationId xmlns:p14="http://schemas.microsoft.com/office/powerpoint/2010/main" val="401529231"/>
       </p:ext>
     </p:extLst>
   </p:cSld>
@@ -5233,7 +5241,7 @@
                   <a:blip r:embed="rId2">
                     <a:extLst>
                       <a:ext uri="{28A0092B-C50C-407E-A947-70E740481C1C}">
-                        <a14:useLocalDpi xmlns:a14="http://schemas.microsoft.com/office/drawing/2010/main" xmlns="" val="0"/>
+                        <a14:useLocalDpi xmlns:a14="http://schemas.microsoft.com/office/drawing/2010/main" val="0"/>
                       </a:ext>
                     </a:extLst>
                   </a:blip>
@@ -5257,7 +5265,7 @@
     </p:spTree>
     <p:extLst>
       <p:ext uri="{BB962C8B-B14F-4D97-AF65-F5344CB8AC3E}">
-        <p14:creationId xmlns:p14="http://schemas.microsoft.com/office/powerpoint/2010/main" xmlns="" val="1350056412"/>
+        <p14:creationId xmlns:p14="http://schemas.microsoft.com/office/powerpoint/2010/main" val="1350056412"/>
       </p:ext>
     </p:extLst>
   </p:cSld>
@@ -5398,7 +5406,7 @@
     </p:spTree>
     <p:extLst>
       <p:ext uri="{BB962C8B-B14F-4D97-AF65-F5344CB8AC3E}">
-        <p14:creationId xmlns:p14="http://schemas.microsoft.com/office/powerpoint/2010/main" xmlns="" val="233496756"/>
+        <p14:creationId xmlns:p14="http://schemas.microsoft.com/office/powerpoint/2010/main" val="233496756"/>
       </p:ext>
     </p:extLst>
   </p:cSld>
@@ -5483,11 +5491,7 @@
             <a:pPr lvl="1"/>
             <a:r>
               <a:rPr lang="en-US" dirty="0" smtClean="0"/>
-              <a:t>Encoded for string values using one-hot </a:t>
-            </a:r>
-            <a:r>
-              <a:rPr lang="en-US" dirty="0" smtClean="0"/>
-              <a:t>encoding</a:t>
+              <a:t>Encoded for string values using one-hot encoding</a:t>
             </a:r>
             <a:endParaRPr lang="en-US" dirty="0"/>
           </a:p>
@@ -5637,7 +5641,7 @@
     </p:spTree>
     <p:extLst>
       <p:ext uri="{BB962C8B-B14F-4D97-AF65-F5344CB8AC3E}">
-        <p14:creationId xmlns:p14="http://schemas.microsoft.com/office/powerpoint/2010/main" xmlns="" val="1366350129"/>
+        <p14:creationId xmlns:p14="http://schemas.microsoft.com/office/powerpoint/2010/main" val="1366350129"/>
       </p:ext>
     </p:extLst>
   </p:cSld>
@@ -5780,7 +5784,7 @@
           <a:blip r:embed="rId2">
             <a:extLst>
               <a:ext uri="{28A0092B-C50C-407E-A947-70E740481C1C}">
-                <a14:useLocalDpi xmlns:a14="http://schemas.microsoft.com/office/drawing/2010/main" xmlns="" val="0"/>
+                <a14:useLocalDpi xmlns:a14="http://schemas.microsoft.com/office/drawing/2010/main" val="0"/>
               </a:ext>
             </a:extLst>
           </a:blip>
@@ -5801,7 +5805,7 @@
     </p:spTree>
     <p:extLst>
       <p:ext uri="{BB962C8B-B14F-4D97-AF65-F5344CB8AC3E}">
-        <p14:creationId xmlns:p14="http://schemas.microsoft.com/office/powerpoint/2010/main" xmlns="" val="36797345"/>
+        <p14:creationId xmlns:p14="http://schemas.microsoft.com/office/powerpoint/2010/main" val="36797345"/>
       </p:ext>
     </p:extLst>
   </p:cSld>
@@ -5939,7 +5943,7 @@
     </p:spTree>
     <p:extLst>
       <p:ext uri="{BB962C8B-B14F-4D97-AF65-F5344CB8AC3E}">
-        <p14:creationId xmlns:p14="http://schemas.microsoft.com/office/powerpoint/2010/main" xmlns="" val="448311129"/>
+        <p14:creationId xmlns:p14="http://schemas.microsoft.com/office/powerpoint/2010/main" val="448311129"/>
       </p:ext>
     </p:extLst>
   </p:cSld>
@@ -6100,7 +6104,7 @@
     </p:spTree>
     <p:extLst>
       <p:ext uri="{BB962C8B-B14F-4D97-AF65-F5344CB8AC3E}">
-        <p14:creationId xmlns:p14="http://schemas.microsoft.com/office/powerpoint/2010/main" xmlns="" val="1541137502"/>
+        <p14:creationId xmlns:p14="http://schemas.microsoft.com/office/powerpoint/2010/main" val="1541137502"/>
       </p:ext>
     </p:extLst>
   </p:cSld>
@@ -6295,7 +6299,7 @@
     </p:spTree>
     <p:extLst>
       <p:ext uri="{BB962C8B-B14F-4D97-AF65-F5344CB8AC3E}">
-        <p14:creationId xmlns:p14="http://schemas.microsoft.com/office/powerpoint/2010/main" xmlns="" val="1581306419"/>
+        <p14:creationId xmlns:p14="http://schemas.microsoft.com/office/powerpoint/2010/main" val="1581306419"/>
       </p:ext>
     </p:extLst>
   </p:cSld>
@@ -6543,7 +6547,7 @@
   <a:extraClrSchemeLst/>
   <a:extLst>
     <a:ext uri="{05A4C25C-085E-4340-85A3-A5531E510DB2}">
-      <thm15:themeFamily xmlns:thm15="http://schemas.microsoft.com/office/thememl/2012/main" xmlns="" name="Basis" id="{5665723A-49BA-4B57-8411-A56F8F207965}" vid="{ACC63D00-1EE0-4159-BF5A-6FF02000B710}"/>
+      <thm15:themeFamily xmlns:thm15="http://schemas.microsoft.com/office/thememl/2012/main" name="Basis" id="{5665723A-49BA-4B57-8411-A56F8F207965}" vid="{ACC63D00-1EE0-4159-BF5A-6FF02000B710}"/>
     </a:ext>
   </a:extLst>
 </a:theme>
@@ -6804,7 +6808,7 @@
   <a:extraClrSchemeLst/>
   <a:extLst>
     <a:ext uri="{05A4C25C-085E-4340-85A3-A5531E510DB2}">
-      <thm15:themeFamily xmlns:thm15="http://schemas.microsoft.com/office/thememl/2012/main" xmlns="" name="Office Theme" id="{62F939B6-93AF-4DB8-9C6B-D6C7DFDC589F}" vid="{4A3C46E8-61CC-4603-A589-7422A47A8E4A}"/>
+      <thm15:themeFamily xmlns:thm15="http://schemas.microsoft.com/office/thememl/2012/main" name="Office Theme" id="{62F939B6-93AF-4DB8-9C6B-D6C7DFDC589F}" vid="{4A3C46E8-61CC-4603-A589-7422A47A8E4A}"/>
     </a:ext>
   </a:extLst>
 </a:theme>

--- a/docs/Final Presentation_FlightDelay.pptx
+++ b/docs/Final Presentation_FlightDelay.pptx
@@ -5,7 +5,7 @@
     <p:sldMasterId id="2147483924" r:id="rId1"/>
   </p:sldMasterIdLst>
   <p:notesMasterIdLst>
-    <p:notesMasterId r:id="rId19"/>
+    <p:notesMasterId r:id="rId20"/>
   </p:notesMasterIdLst>
   <p:sldIdLst>
     <p:sldId id="256" r:id="rId2"/>
@@ -18,13 +18,14 @@
     <p:sldId id="278" r:id="rId9"/>
     <p:sldId id="279" r:id="rId10"/>
     <p:sldId id="280" r:id="rId11"/>
-    <p:sldId id="272" r:id="rId12"/>
+    <p:sldId id="284" r:id="rId12"/>
     <p:sldId id="281" r:id="rId13"/>
     <p:sldId id="265" r:id="rId14"/>
     <p:sldId id="267" r:id="rId15"/>
     <p:sldId id="262" r:id="rId16"/>
     <p:sldId id="275" r:id="rId17"/>
-    <p:sldId id="263" r:id="rId18"/>
+    <p:sldId id="285" r:id="rId18"/>
+    <p:sldId id="263" r:id="rId19"/>
   </p:sldIdLst>
   <p:sldSz cx="12192000" cy="6858000"/>
   <p:notesSz cx="6858000" cy="9144000"/>
@@ -191,7 +192,7 @@
             </a:lvl1pPr>
           </a:lstStyle>
           <a:p>
-            <a:endParaRPr lang="en-US"/>
+            <a:endParaRPr lang="en-US" dirty="0"/>
           </a:p>
         </p:txBody>
       </p:sp>
@@ -225,9 +226,9 @@
             <a:fld id="{B55B38A0-98C5-4D41-A79A-1589D012DDFB}" type="datetimeFigureOut">
               <a:rPr lang="en-US" smtClean="0"/>
               <a:pPr/>
-              <a:t>4/21/2017</a:t>
+              <a:t>4/21/17</a:t>
             </a:fld>
-            <a:endParaRPr lang="en-US"/>
+            <a:endParaRPr lang="en-US" dirty="0"/>
           </a:p>
         </p:txBody>
       </p:sp>
@@ -260,7 +261,7 @@
           <a:bodyPr vert="horz" lIns="91440" tIns="45720" rIns="91440" bIns="45720" rtlCol="0" anchor="ctr"/>
           <a:lstStyle/>
           <a:p>
-            <a:endParaRPr lang="en-US"/>
+            <a:endParaRPr lang="en-US" dirty="0"/>
           </a:p>
         </p:txBody>
       </p:sp>
@@ -351,7 +352,7 @@
             </a:lvl1pPr>
           </a:lstStyle>
           <a:p>
-            <a:endParaRPr lang="en-US"/>
+            <a:endParaRPr lang="en-US" dirty="0"/>
           </a:p>
         </p:txBody>
       </p:sp>
@@ -387,7 +388,7 @@
               <a:pPr/>
               <a:t>‹#›</a:t>
             </a:fld>
-            <a:endParaRPr lang="en-US"/>
+            <a:endParaRPr lang="en-US" dirty="0"/>
           </a:p>
         </p:txBody>
       </p:sp>
@@ -691,9 +692,9 @@
             <a:fld id="{83284890-85D2-4D7B-8EF5-15A9C1DB8F42}" type="datetimeFigureOut">
               <a:rPr lang="en-US" smtClean="0"/>
               <a:pPr/>
-              <a:t>4/21/2017</a:t>
+              <a:t>4/21/17</a:t>
             </a:fld>
-            <a:endParaRPr lang="en-US"/>
+            <a:endParaRPr lang="en-US" dirty="0"/>
           </a:p>
         </p:txBody>
       </p:sp>
@@ -720,7 +721,7 @@
             </a:lvl1pPr>
           </a:lstStyle>
           <a:p>
-            <a:endParaRPr lang="en-US"/>
+            <a:endParaRPr lang="en-US" dirty="0"/>
           </a:p>
         </p:txBody>
       </p:sp>
@@ -914,9 +915,9 @@
             <a:fld id="{87157CC2-0FC8-4686-B024-99790E0F5162}" type="datetimeFigureOut">
               <a:rPr lang="en-US" smtClean="0"/>
               <a:pPr/>
-              <a:t>4/21/2017</a:t>
+              <a:t>4/21/17</a:t>
             </a:fld>
-            <a:endParaRPr lang="en-US"/>
+            <a:endParaRPr lang="en-US" dirty="0"/>
           </a:p>
         </p:txBody>
       </p:sp>
@@ -935,7 +936,7 @@
           <a:bodyPr/>
           <a:lstStyle/>
           <a:p>
-            <a:endParaRPr lang="en-US"/>
+            <a:endParaRPr lang="en-US" dirty="0"/>
           </a:p>
         </p:txBody>
       </p:sp>
@@ -959,7 +960,7 @@
               <a:pPr/>
               <a:t>‹#›</a:t>
             </a:fld>
-            <a:endParaRPr lang="en-US"/>
+            <a:endParaRPr lang="en-US" dirty="0"/>
           </a:p>
         </p:txBody>
       </p:sp>
@@ -1096,9 +1097,9 @@
             <a:fld id="{F6764DA5-CD3D-4590-A511-FCD3BC7A793E}" type="datetimeFigureOut">
               <a:rPr lang="en-US" smtClean="0"/>
               <a:pPr/>
-              <a:t>4/21/2017</a:t>
+              <a:t>4/21/17</a:t>
             </a:fld>
-            <a:endParaRPr lang="en-US"/>
+            <a:endParaRPr lang="en-US" dirty="0"/>
           </a:p>
         </p:txBody>
       </p:sp>
@@ -1117,7 +1118,7 @@
           <a:bodyPr/>
           <a:lstStyle/>
           <a:p>
-            <a:endParaRPr lang="en-US"/>
+            <a:endParaRPr lang="en-US" dirty="0"/>
           </a:p>
         </p:txBody>
       </p:sp>
@@ -1141,7 +1142,7 @@
               <a:pPr/>
               <a:t>‹#›</a:t>
             </a:fld>
-            <a:endParaRPr lang="en-US"/>
+            <a:endParaRPr lang="en-US" dirty="0"/>
           </a:p>
         </p:txBody>
       </p:sp>
@@ -1268,9 +1269,9 @@
             <a:fld id="{82F5661D-6934-4B32-B92C-470368BF1EC6}" type="datetimeFigureOut">
               <a:rPr lang="en-US" smtClean="0"/>
               <a:pPr/>
-              <a:t>4/21/2017</a:t>
+              <a:t>4/21/17</a:t>
             </a:fld>
-            <a:endParaRPr lang="en-US"/>
+            <a:endParaRPr lang="en-US" dirty="0"/>
           </a:p>
         </p:txBody>
       </p:sp>
@@ -1289,7 +1290,7 @@
           <a:bodyPr/>
           <a:lstStyle/>
           <a:p>
-            <a:endParaRPr lang="en-US"/>
+            <a:endParaRPr lang="en-US" dirty="0"/>
           </a:p>
         </p:txBody>
       </p:sp>
@@ -1313,7 +1314,7 @@
               <a:pPr/>
               <a:t>‹#›</a:t>
             </a:fld>
-            <a:endParaRPr lang="en-US"/>
+            <a:endParaRPr lang="en-US" dirty="0"/>
           </a:p>
         </p:txBody>
       </p:sp>
@@ -1521,7 +1522,7 @@
             <a:fld id="{C6F822A4-8DA6-4447-9B1F-C5DB58435268}" type="datetimeFigureOut">
               <a:rPr lang="en-US" smtClean="0"/>
               <a:pPr/>
-              <a:t>4/21/2017</a:t>
+              <a:t>4/21/17</a:t>
             </a:fld>
             <a:endParaRPr lang="en-US" dirty="0"/>
           </a:p>
@@ -1846,9 +1847,9 @@
             <a:fld id="{E548D31E-DCDA-41A7-9C67-C4B11B94D21D}" type="datetimeFigureOut">
               <a:rPr lang="en-US" smtClean="0"/>
               <a:pPr/>
-              <a:t>4/21/2017</a:t>
+              <a:t>4/21/17</a:t>
             </a:fld>
-            <a:endParaRPr lang="en-US"/>
+            <a:endParaRPr lang="en-US" dirty="0"/>
           </a:p>
         </p:txBody>
       </p:sp>
@@ -1867,7 +1868,7 @@
           <a:bodyPr/>
           <a:lstStyle/>
           <a:p>
-            <a:endParaRPr lang="en-US"/>
+            <a:endParaRPr lang="en-US" dirty="0"/>
           </a:p>
         </p:txBody>
       </p:sp>
@@ -1891,7 +1892,7 @@
               <a:pPr/>
               <a:t>‹#›</a:t>
             </a:fld>
-            <a:endParaRPr lang="en-US"/>
+            <a:endParaRPr lang="en-US" dirty="0"/>
           </a:p>
         </p:txBody>
       </p:sp>
@@ -2272,9 +2273,9 @@
             <a:fld id="{9B3762C0-B258-48F1-ADE6-176B4174CCDD}" type="datetimeFigureOut">
               <a:rPr lang="en-US" smtClean="0"/>
               <a:pPr/>
-              <a:t>4/21/2017</a:t>
+              <a:t>4/21/17</a:t>
             </a:fld>
-            <a:endParaRPr lang="en-US"/>
+            <a:endParaRPr lang="en-US" dirty="0"/>
           </a:p>
         </p:txBody>
       </p:sp>
@@ -2293,7 +2294,7 @@
           <a:bodyPr/>
           <a:lstStyle/>
           <a:p>
-            <a:endParaRPr lang="en-US"/>
+            <a:endParaRPr lang="en-US" dirty="0"/>
           </a:p>
         </p:txBody>
       </p:sp>
@@ -2317,7 +2318,7 @@
               <a:pPr/>
               <a:t>‹#›</a:t>
             </a:fld>
-            <a:endParaRPr lang="en-US"/>
+            <a:endParaRPr lang="en-US" dirty="0"/>
           </a:p>
         </p:txBody>
       </p:sp>
@@ -2392,9 +2393,9 @@
             <a:fld id="{677919A6-33EB-49BD-A62F-1FA56B9F9712}" type="datetimeFigureOut">
               <a:rPr lang="en-US" smtClean="0"/>
               <a:pPr/>
-              <a:t>4/21/2017</a:t>
+              <a:t>4/21/17</a:t>
             </a:fld>
-            <a:endParaRPr lang="en-US"/>
+            <a:endParaRPr lang="en-US" dirty="0"/>
           </a:p>
         </p:txBody>
       </p:sp>
@@ -2413,7 +2414,7 @@
           <a:bodyPr/>
           <a:lstStyle/>
           <a:p>
-            <a:endParaRPr lang="en-US"/>
+            <a:endParaRPr lang="en-US" dirty="0"/>
           </a:p>
         </p:txBody>
       </p:sp>
@@ -2437,7 +2438,7 @@
               <a:pPr/>
               <a:t>‹#›</a:t>
             </a:fld>
-            <a:endParaRPr lang="en-US"/>
+            <a:endParaRPr lang="en-US" dirty="0"/>
           </a:p>
         </p:txBody>
       </p:sp>
@@ -2489,9 +2490,9 @@
             <a:fld id="{CA4E7D1B-D673-4CF6-8672-009D42ABD2A0}" type="datetimeFigureOut">
               <a:rPr lang="en-US" smtClean="0"/>
               <a:pPr/>
-              <a:t>4/21/2017</a:t>
+              <a:t>4/21/17</a:t>
             </a:fld>
-            <a:endParaRPr lang="en-US"/>
+            <a:endParaRPr lang="en-US" dirty="0"/>
           </a:p>
         </p:txBody>
       </p:sp>
@@ -2510,7 +2511,7 @@
           <a:bodyPr/>
           <a:lstStyle/>
           <a:p>
-            <a:endParaRPr lang="en-US"/>
+            <a:endParaRPr lang="en-US" dirty="0"/>
           </a:p>
         </p:txBody>
       </p:sp>
@@ -2534,7 +2535,7 @@
               <a:pPr/>
               <a:t>‹#›</a:t>
             </a:fld>
-            <a:endParaRPr lang="en-US"/>
+            <a:endParaRPr lang="en-US" dirty="0"/>
           </a:p>
         </p:txBody>
       </p:sp>
@@ -2781,9 +2782,9 @@
             <a:fld id="{DA16AA21-1863-4931-97CB-99D0A168701B}" type="datetimeFigureOut">
               <a:rPr lang="en-US" smtClean="0"/>
               <a:pPr/>
-              <a:t>4/21/2017</a:t>
+              <a:t>4/21/17</a:t>
             </a:fld>
-            <a:endParaRPr lang="en-US"/>
+            <a:endParaRPr lang="en-US" dirty="0"/>
           </a:p>
         </p:txBody>
       </p:sp>
@@ -2802,7 +2803,7 @@
           <a:bodyPr/>
           <a:lstStyle/>
           <a:p>
-            <a:endParaRPr lang="en-US"/>
+            <a:endParaRPr lang="en-US" dirty="0"/>
           </a:p>
         </p:txBody>
       </p:sp>
@@ -2826,7 +2827,7 @@
               <a:pPr/>
               <a:t>‹#›</a:t>
             </a:fld>
-            <a:endParaRPr lang="en-US"/>
+            <a:endParaRPr lang="en-US" dirty="0"/>
           </a:p>
         </p:txBody>
       </p:sp>
@@ -2957,7 +2958,7 @@
           </a:lstStyle>
           <a:p>
             <a:r>
-              <a:rPr lang="en-US" smtClean="0"/>
+              <a:rPr lang="en-US" dirty="0" smtClean="0"/>
               <a:t>Click icon to add picture</a:t>
             </a:r>
             <a:endParaRPr lang="en-US" dirty="0"/>
@@ -3055,9 +3056,9 @@
             <a:fld id="{3772C379-9A7C-4C87-A116-CBE9F58B04C5}" type="datetimeFigureOut">
               <a:rPr lang="en-US" smtClean="0"/>
               <a:pPr/>
-              <a:t>4/21/2017</a:t>
+              <a:t>4/21/17</a:t>
             </a:fld>
-            <a:endParaRPr lang="en-US"/>
+            <a:endParaRPr lang="en-US" dirty="0"/>
           </a:p>
         </p:txBody>
       </p:sp>
@@ -3100,7 +3101,7 @@
               <a:pPr/>
               <a:t>‹#›</a:t>
             </a:fld>
-            <a:endParaRPr lang="en-US"/>
+            <a:endParaRPr lang="en-US" dirty="0"/>
           </a:p>
         </p:txBody>
       </p:sp>
@@ -3310,7 +3311,7 @@
             <a:fld id="{8664C608-40B1-4030-A28D-5B74BC98ADCE}" type="datetimeFigureOut">
               <a:rPr lang="en-US" smtClean="0"/>
               <a:pPr/>
-              <a:t>4/21/2017</a:t>
+              <a:t>4/21/17</a:t>
             </a:fld>
             <a:endParaRPr lang="en-US" dirty="0"/>
           </a:p>
@@ -3833,24 +3834,15 @@
           </a:p>
           <a:p>
             <a:r>
-              <a:rPr lang="en-US" dirty="0" err="1" smtClean="0"/>
-              <a:t>Ajinkya</a:t>
-            </a:r>
-            <a:r>
-              <a:rPr lang="en-US" dirty="0" smtClean="0"/>
-              <a:t> Rode</a:t>
-            </a:r>
-          </a:p>
-          <a:p>
-            <a:r>
-              <a:rPr lang="en-US" dirty="0" smtClean="0"/>
-              <a:t>Daniel </a:t>
-            </a:r>
-            <a:r>
-              <a:rPr lang="en-US" dirty="0" err="1" smtClean="0"/>
-              <a:t>Eichman</a:t>
-            </a:r>
-            <a:endParaRPr lang="en-US" dirty="0" smtClean="0"/>
+              <a:rPr lang="en-US" dirty="0" smtClean="0"/>
+              <a:t>Ajinkya Rode</a:t>
+            </a:r>
+          </a:p>
+          <a:p>
+            <a:r>
+              <a:rPr lang="en-US" dirty="0" smtClean="0"/>
+              <a:t>Daniel Eichman</a:t>
+            </a:r>
           </a:p>
           <a:p>
             <a:r>
@@ -3978,8 +3970,13 @@
             <a:pPr lvl="2"/>
             <a:r>
               <a:rPr lang="en-US" dirty="0" smtClean="0"/>
-              <a:t>Only kept routes between top 100 airports </a:t>
-            </a:r>
+              <a:t>Only kept routes between top </a:t>
+            </a:r>
+            <a:r>
+              <a:rPr lang="en-US" dirty="0" smtClean="0"/>
+              <a:t>50 airports </a:t>
+            </a:r>
+            <a:endParaRPr lang="en-US" dirty="0" smtClean="0"/>
           </a:p>
           <a:p>
             <a:pPr lvl="2"/>
@@ -3988,7 +3985,7 @@
               <a:t>Change csv to </a:t>
             </a:r>
             <a:r>
-              <a:rPr lang="en-US" dirty="0" err="1" smtClean="0"/>
+              <a:rPr lang="en-US" dirty="0" smtClean="0"/>
               <a:t>libsvm</a:t>
             </a:r>
             <a:r>
@@ -4085,19 +4082,14 @@
             <p:ph type="title"/>
           </p:nvPr>
         </p:nvSpPr>
-        <p:spPr>
-          <a:xfrm>
-            <a:off x="1158239" y="217714"/>
-            <a:ext cx="9875520" cy="1356360"/>
-          </a:xfrm>
-        </p:spPr>
+        <p:spPr/>
         <p:txBody>
           <a:bodyPr/>
           <a:lstStyle/>
           <a:p>
             <a:r>
               <a:rPr lang="en-US" dirty="0" smtClean="0"/>
-              <a:t>Directory Structure</a:t>
+              <a:t>DEMO</a:t>
             </a:r>
             <a:endParaRPr lang="en-US" dirty="0"/>
           </a:p>
@@ -4105,11 +4097,13 @@
       </p:sp>
       <p:pic>
         <p:nvPicPr>
-          <p:cNvPr id="3" name="Picture 2"/>
+          <p:cNvPr id="4" name="Content Placeholder 3"/>
           <p:cNvPicPr>
-            <a:picLocks noChangeAspect="1"/>
+            <a:picLocks noGrp="1" noChangeAspect="1"/>
           </p:cNvPicPr>
-          <p:nvPr/>
+          <p:nvPr>
+            <p:ph idx="1"/>
+          </p:nvPr>
         </p:nvPicPr>
         <p:blipFill>
           <a:blip r:embed="rId2">
@@ -4125,31 +4119,21 @@
         </p:blipFill>
         <p:spPr>
           <a:xfrm>
-            <a:off x="999611" y="1344900"/>
-            <a:ext cx="10192775" cy="3886957"/>
+            <a:off x="3486194" y="1887717"/>
+            <a:ext cx="5189131" cy="4038600"/>
           </a:xfrm>
-          <a:prstGeom prst="rect">
-            <a:avLst/>
-          </a:prstGeom>
         </p:spPr>
       </p:pic>
     </p:spTree>
     <p:extLst>
       <p:ext uri="{BB962C8B-B14F-4D97-AF65-F5344CB8AC3E}">
-        <p14:creationId xmlns:p14="http://schemas.microsoft.com/office/powerpoint/2010/main" val="1113911646"/>
+        <p14:creationId xmlns:p14="http://schemas.microsoft.com/office/powerpoint/2010/main" val="1013493125"/>
       </p:ext>
     </p:extLst>
   </p:cSld>
   <p:clrMapOvr>
     <a:masterClrMapping/>
   </p:clrMapOvr>
-  <p:timing>
-    <p:tnLst>
-      <p:par>
-        <p:cTn id="1" dur="indefinite" restart="never" nodeType="tmRoot"/>
-      </p:par>
-    </p:tnLst>
-  </p:timing>
 </p:sld>
 </file>
 
@@ -4515,8 +4499,19 @@
           <a:p>
             <a:r>
               <a:rPr lang="en-US" sz="2400" dirty="0" smtClean="0"/>
-              <a:t>Delay  &lt; 5 minutes – not delayed</a:t>
-            </a:r>
+              <a:t>Delay  &lt; 5 minutes – not </a:t>
+            </a:r>
+            <a:r>
+              <a:rPr lang="en-US" sz="2400" dirty="0" smtClean="0"/>
+              <a:t>delayed</a:t>
+            </a:r>
+          </a:p>
+          <a:p>
+            <a:r>
+              <a:rPr lang="en-US" sz="2400" dirty="0" smtClean="0"/>
+              <a:t>Cancellation</a:t>
+            </a:r>
+            <a:endParaRPr lang="en-US" dirty="0" smtClean="0"/>
           </a:p>
           <a:p>
             <a:pPr>
@@ -4656,11 +4651,7 @@
             </a:pPr>
             <a:r>
               <a:rPr lang="en-US" sz="2400" dirty="0" smtClean="0"/>
-              <a:t>Achieved accuracy of 67 % in </a:t>
-            </a:r>
-            <a:r>
-              <a:rPr lang="en-US" sz="2400" dirty="0" smtClean="0"/>
-              <a:t>prediction in prediction of flight delay</a:t>
+              <a:t>Achieved accuracy of 67 % in prediction in prediction of flight delay</a:t>
             </a:r>
           </a:p>
           <a:p>
@@ -4678,7 +4669,6 @@
               <a:rPr lang="en-US" sz="2400" dirty="0" smtClean="0"/>
               <a:t>Achieved accuracy of 98% in prediction of flight cancellations</a:t>
             </a:r>
-            <a:endParaRPr lang="en-US" sz="2400" dirty="0" smtClean="0"/>
           </a:p>
           <a:p>
             <a:pPr marL="285750" lvl="1">
@@ -4765,7 +4755,6 @@
               <a:rPr lang="en-US" sz="2000" dirty="0" smtClean="0"/>
               <a:t>Predicts if the flight will get cancelled</a:t>
             </a:r>
-            <a:endParaRPr lang="en-US" sz="2000" dirty="0" smtClean="0"/>
           </a:p>
           <a:p>
             <a:pPr marL="742950" lvl="2">
@@ -4784,7 +4773,15 @@
             </a:r>
             <a:r>
               <a:rPr lang="en-US" sz="2400" dirty="0"/>
-              <a:t>of  delay begin over X </a:t>
+              <a:t>of  delay begin over </a:t>
+            </a:r>
+            <a:r>
+              <a:rPr lang="en-US" sz="2400" dirty="0"/>
+              <a:t>X</a:t>
+            </a:r>
+            <a:r>
+              <a:rPr lang="en-US" sz="2400" dirty="0" smtClean="0"/>
+              <a:t> </a:t>
             </a:r>
             <a:r>
               <a:rPr lang="en-US" sz="2400" dirty="0" smtClean="0"/>
@@ -4894,11 +4891,7 @@
           <a:p>
             <a:r>
               <a:rPr lang="en-US" dirty="0" smtClean="0"/>
-              <a:t>For any given flight, delay information is obtained with an accuracy of 67</a:t>
-            </a:r>
-            <a:r>
-              <a:rPr lang="en-US" dirty="0" smtClean="0"/>
-              <a:t>%</a:t>
+              <a:t>For any given flight, delay information is obtained with an accuracy of 67%</a:t>
             </a:r>
           </a:p>
           <a:p>
@@ -4924,6 +4917,142 @@
 </file>
 
 <file path=ppt/slides/slide17.xml><?xml version="1.0" encoding="utf-8"?>
+<p:sld xmlns:a="http://schemas.openxmlformats.org/drawingml/2006/main" xmlns:r="http://schemas.openxmlformats.org/officeDocument/2006/relationships" xmlns:p="http://schemas.openxmlformats.org/presentationml/2006/main">
+  <p:cSld>
+    <p:spTree>
+      <p:nvGrpSpPr>
+        <p:cNvPr id="1" name=""/>
+        <p:cNvGrpSpPr/>
+        <p:nvPr/>
+      </p:nvGrpSpPr>
+      <p:grpSpPr>
+        <a:xfrm>
+          <a:off x="0" y="0"/>
+          <a:ext cx="0" cy="0"/>
+          <a:chOff x="0" y="0"/>
+          <a:chExt cx="0" cy="0"/>
+        </a:xfrm>
+      </p:grpSpPr>
+      <p:sp>
+        <p:nvSpPr>
+          <p:cNvPr id="2" name="Title 1"/>
+          <p:cNvSpPr>
+            <a:spLocks noGrp="1"/>
+          </p:cNvSpPr>
+          <p:nvPr>
+            <p:ph type="title"/>
+          </p:nvPr>
+        </p:nvSpPr>
+        <p:spPr/>
+        <p:txBody>
+          <a:bodyPr/>
+          <a:lstStyle/>
+          <a:p>
+            <a:r>
+              <a:rPr lang="en-US" dirty="0" smtClean="0"/>
+              <a:t>Future improvements</a:t>
+            </a:r>
+            <a:endParaRPr lang="en-US" dirty="0"/>
+          </a:p>
+        </p:txBody>
+      </p:sp>
+      <p:sp>
+        <p:nvSpPr>
+          <p:cNvPr id="3" name="Content Placeholder 2"/>
+          <p:cNvSpPr>
+            <a:spLocks noGrp="1"/>
+          </p:cNvSpPr>
+          <p:nvPr>
+            <p:ph idx="1"/>
+          </p:nvPr>
+        </p:nvSpPr>
+        <p:spPr/>
+        <p:txBody>
+          <a:bodyPr/>
+          <a:lstStyle/>
+          <a:p>
+            <a:r>
+              <a:rPr lang="en-US" dirty="0" smtClean="0"/>
+              <a:t>Generate model for delays of 5, 10, 15, 20, 25 minutes </a:t>
+            </a:r>
+          </a:p>
+          <a:p>
+            <a:r>
+              <a:rPr lang="en-US" dirty="0" smtClean="0"/>
+              <a:t>Included all airports (instead of just top 50)</a:t>
+            </a:r>
+          </a:p>
+          <a:p>
+            <a:r>
+              <a:rPr lang="en-US" dirty="0" smtClean="0"/>
+              <a:t>Include visibility data</a:t>
+            </a:r>
+          </a:p>
+          <a:p>
+            <a:r>
+              <a:rPr lang="en-US" dirty="0" smtClean="0"/>
+              <a:t>Improved user interface</a:t>
+            </a:r>
+          </a:p>
+          <a:p>
+            <a:pPr lvl="1"/>
+            <a:r>
+              <a:rPr lang="en-US" dirty="0" smtClean="0"/>
+              <a:t>Automatically get weather data</a:t>
+            </a:r>
+          </a:p>
+          <a:p>
+            <a:pPr lvl="1"/>
+            <a:r>
+              <a:rPr lang="en-US" dirty="0" smtClean="0"/>
+              <a:t>Look up flight path based on flight number</a:t>
+            </a:r>
+          </a:p>
+          <a:p>
+            <a:r>
+              <a:rPr lang="en-US" dirty="0" smtClean="0"/>
+              <a:t>Place application in cloud (AWS, </a:t>
+            </a:r>
+            <a:r>
+              <a:rPr lang="en-US" dirty="0" smtClean="0"/>
+              <a:t>Bluemix</a:t>
+            </a:r>
+            <a:r>
+              <a:rPr lang="en-US" dirty="0" smtClean="0"/>
+              <a:t>) for better performance</a:t>
+            </a:r>
+          </a:p>
+          <a:p>
+            <a:r>
+              <a:rPr lang="en-US" dirty="0" smtClean="0"/>
+              <a:t>How to hook the web-app to </a:t>
+            </a:r>
+            <a:r>
+              <a:rPr lang="en-US" dirty="0"/>
+              <a:t>S</a:t>
+            </a:r>
+            <a:r>
+              <a:rPr lang="en-US" dirty="0" smtClean="0"/>
+              <a:t>cala code. </a:t>
+            </a:r>
+            <a:endParaRPr lang="en-US" dirty="0"/>
+          </a:p>
+        </p:txBody>
+      </p:sp>
+    </p:spTree>
+    <p:extLst>
+      <p:ext uri="{BB962C8B-B14F-4D97-AF65-F5344CB8AC3E}">
+        <p14:creationId xmlns:p14="http://schemas.microsoft.com/office/powerpoint/2010/main" val="1923680616"/>
+      </p:ext>
+    </p:extLst>
+  </p:cSld>
+  <p:clrMapOvr>
+    <a:masterClrMapping/>
+  </p:clrMapOvr>
+</p:sld>
+</file>
+
+<file path=ppt/slides/slide18.xml><?xml version="1.0" encoding="utf-8"?>
 <p:sld xmlns:a="http://schemas.openxmlformats.org/drawingml/2006/main" xmlns:r="http://schemas.openxmlformats.org/officeDocument/2006/relationships" xmlns:p="http://schemas.openxmlformats.org/presentationml/2006/main">
   <p:cSld>
     <p:spTree>
@@ -5049,8 +5178,13 @@
             </a:r>
             <a:r>
               <a:rPr lang="en-US" dirty="0" smtClean="0"/>
-              <a:t>whether or not their flight will be delayed by more than 5 minutes. </a:t>
-            </a:r>
+              <a:t>whether or not their flight will be delayed by more than 5 </a:t>
+            </a:r>
+            <a:r>
+              <a:rPr lang="en-US" dirty="0" smtClean="0"/>
+              <a:t>minutes and whether or not it will be cancelled. </a:t>
+            </a:r>
+            <a:endParaRPr lang="en-US" dirty="0" smtClean="0"/>
           </a:p>
           <a:p>
             <a:r>
@@ -5167,7 +5301,11 @@
             <a:pPr marL="342900" indent="-342900"/>
             <a:r>
               <a:rPr lang="en-US" dirty="0" smtClean="0"/>
-              <a:t>To create a model that predicts flight delay times</a:t>
+              <a:t>To create a model that predicts flight </a:t>
+            </a:r>
+            <a:r>
+              <a:rPr lang="en-US" dirty="0" smtClean="0"/>
+              <a:t>delays and cancellations</a:t>
             </a:r>
             <a:endParaRPr lang="en-US" dirty="0"/>
           </a:p>
@@ -5377,13 +5515,7 @@
               <a:rPr lang="en-US" u="sng" dirty="0">
                 <a:hlinkClick r:id="rId3"/>
               </a:rPr>
-              <a:t>https://openweathermap.org/</a:t>
-            </a:r>
-            <a:r>
-              <a:rPr lang="en-US" u="sng" dirty="0" err="1">
-                <a:hlinkClick r:id="rId3"/>
-              </a:rPr>
-              <a:t>api</a:t>
+              <a:t>https://openweathermap.org/api</a:t>
             </a:r>
             <a:endParaRPr lang="en-US" u="sng" dirty="0"/>
           </a:p>
@@ -5468,7 +5600,9 @@
         </p:nvSpPr>
         <p:spPr/>
         <p:txBody>
-          <a:bodyPr/>
+          <a:bodyPr>
+            <a:normAutofit lnSpcReduction="10000"/>
+          </a:bodyPr>
           <a:lstStyle/>
           <a:p>
             <a:r>
@@ -5535,11 +5669,15 @@
               <a:t>Day of Week, Origin, </a:t>
             </a:r>
             <a:r>
-              <a:rPr lang="en-US" dirty="0" err="1" smtClean="0"/>
-              <a:t>Dest,</a:t>
-            </a:r>
-            <a:r>
-              <a:rPr lang="en-US" i="1" dirty="0" err="1" smtClean="0"/>
+              <a:rPr lang="en-US" dirty="0" smtClean="0"/>
+              <a:t>Dest</a:t>
+            </a:r>
+            <a:r>
+              <a:rPr lang="en-US" dirty="0" smtClean="0"/>
+              <a:t>, </a:t>
+            </a:r>
+            <a:r>
+              <a:rPr lang="en-US" i="1" dirty="0" smtClean="0"/>
               <a:t>Holidays</a:t>
             </a:r>
             <a:r>
@@ -5559,7 +5697,7 @@
               <a:t>Snow </a:t>
             </a:r>
             <a:r>
-              <a:rPr lang="en-US" i="1" dirty="0" err="1"/>
+              <a:rPr lang="en-US" i="1" dirty="0"/>
               <a:t>Dest</a:t>
             </a:r>
             <a:r>
@@ -5583,7 +5721,7 @@
               <a:t>of mm), Rain </a:t>
             </a:r>
             <a:r>
-              <a:rPr lang="en-US" i="1" dirty="0" err="1"/>
+              <a:rPr lang="en-US" i="1" dirty="0"/>
               <a:t>Dest</a:t>
             </a:r>
             <a:r>
@@ -5618,8 +5756,8 @@
               <a:t>whether or not your flight will be delayed by more than 5 </a:t>
             </a:r>
             <a:r>
-              <a:rPr lang="en-US" dirty="0" err="1" smtClean="0"/>
-              <a:t>mintues</a:t>
+              <a:rPr lang="en-US" dirty="0" smtClean="0"/>
+              <a:t>minutes and if you flight will be cancelled. </a:t>
             </a:r>
             <a:endParaRPr lang="en-US" dirty="0"/>
           </a:p>
@@ -5630,8 +5768,13 @@
             </a:r>
             <a:r>
               <a:rPr lang="en-US" dirty="0"/>
-              <a:t>simple UI so user does not have to manually enter flight data</a:t>
-            </a:r>
+              <a:t>simple UI so user does not have to manually enter flight </a:t>
+            </a:r>
+            <a:r>
+              <a:rPr lang="en-US" dirty="0" smtClean="0"/>
+              <a:t>data using the command line</a:t>
+            </a:r>
+            <a:endParaRPr lang="en-US" dirty="0"/>
           </a:p>
           <a:p>
             <a:endParaRPr lang="en-US" dirty="0"/>
@@ -5754,7 +5897,15 @@
             </a:pPr>
             <a:r>
               <a:rPr lang="en-US" sz="2400" dirty="0" smtClean="0"/>
-              <a:t>Computed Holiday parameter and added to CSV file.</a:t>
+              <a:t>Computed </a:t>
+            </a:r>
+            <a:r>
+              <a:rPr lang="en-US" sz="2400" dirty="0" smtClean="0"/>
+              <a:t>holiday </a:t>
+            </a:r>
+            <a:r>
+              <a:rPr lang="en-US" sz="2400" dirty="0" smtClean="0"/>
+              <a:t>parameter and added to CSV file.</a:t>
             </a:r>
           </a:p>
           <a:p>
@@ -6046,7 +6197,7 @@
               <a:t>Used </a:t>
             </a:r>
             <a:r>
-              <a:rPr lang="en-US" dirty="0" err="1" smtClean="0"/>
+              <a:rPr lang="en-US" dirty="0" smtClean="0"/>
               <a:t>noaa.gov’s</a:t>
             </a:r>
             <a:r>
@@ -6054,12 +6205,12 @@
               <a:t> </a:t>
             </a:r>
             <a:r>
-              <a:rPr lang="en-US" dirty="0" err="1" smtClean="0"/>
-              <a:t>api</a:t>
-            </a:r>
-            <a:r>
-              <a:rPr lang="en-US" dirty="0" smtClean="0"/>
-              <a:t> to collect weather data for all 7 million flights.</a:t>
+              <a:rPr lang="en-US" dirty="0" smtClean="0"/>
+              <a:t>API to </a:t>
+            </a:r>
+            <a:r>
+              <a:rPr lang="en-US" dirty="0" smtClean="0"/>
+              <a:t>collect weather data for all 7 million flights.</a:t>
             </a:r>
           </a:p>
           <a:p>
@@ -6219,7 +6370,7 @@
               <a:t>function, using </a:t>
             </a:r>
             <a:r>
-              <a:rPr lang="en-US" sz="1800" dirty="0" err="1" smtClean="0"/>
+              <a:rPr lang="en-US" sz="1800" dirty="0" smtClean="0"/>
               <a:t>Joda</a:t>
             </a:r>
             <a:r>
